--- a/training-spark/0_Intro_v1.pptx
+++ b/training-spark/0_Intro_v1.pptx
@@ -6,17 +6,28 @@
     <p:sldMasterId id="2147483659" r:id="rId2"/>
   </p:sldMasterIdLst>
   <p:notesMasterIdLst>
-    <p:notesMasterId r:id="rId8"/>
+    <p:notesMasterId r:id="rId19"/>
   </p:notesMasterIdLst>
   <p:handoutMasterIdLst>
-    <p:handoutMasterId r:id="rId9"/>
+    <p:handoutMasterId r:id="rId20"/>
   </p:handoutMasterIdLst>
   <p:sldIdLst>
     <p:sldId id="257" r:id="rId3"/>
     <p:sldId id="258" r:id="rId4"/>
     <p:sldId id="259" r:id="rId5"/>
     <p:sldId id="260" r:id="rId6"/>
-    <p:sldId id="261" r:id="rId7"/>
+    <p:sldId id="262" r:id="rId7"/>
+    <p:sldId id="263" r:id="rId8"/>
+    <p:sldId id="267" r:id="rId9"/>
+    <p:sldId id="268" r:id="rId10"/>
+    <p:sldId id="264" r:id="rId11"/>
+    <p:sldId id="266" r:id="rId12"/>
+    <p:sldId id="269" r:id="rId13"/>
+    <p:sldId id="270" r:id="rId14"/>
+    <p:sldId id="272" r:id="rId15"/>
+    <p:sldId id="273" r:id="rId16"/>
+    <p:sldId id="274" r:id="rId17"/>
+    <p:sldId id="275" r:id="rId18"/>
   </p:sldIdLst>
   <p:sldSz cx="13004800" cy="9753600"/>
   <p:notesSz cx="6858000" cy="9144000"/>
@@ -434,7 +445,7 @@
           <a:p>
             <a:fld id="{154C1C9F-968B-45D4-9FBD-EA39F2175159}" type="datetimeFigureOut">
               <a:rPr lang="en-US" smtClean="0"/>
-              <a:t>8/23/2022</a:t>
+              <a:t>2022-09-03</a:t>
             </a:fld>
             <a:endParaRPr lang="en-US"/>
           </a:p>
@@ -773,6 +784,282 @@
 </p:notes>
 </file>
 
+<file path=ppt/notesSlides/notesSlide2.xml><?xml version="1.0" encoding="utf-8"?>
+<p:notes xmlns:a="http://schemas.openxmlformats.org/drawingml/2006/main" xmlns:r="http://schemas.openxmlformats.org/officeDocument/2006/relationships" xmlns:p="http://schemas.openxmlformats.org/presentationml/2006/main">
+  <p:cSld>
+    <p:spTree>
+      <p:nvGrpSpPr>
+        <p:cNvPr id="1" name=""/>
+        <p:cNvGrpSpPr/>
+        <p:nvPr/>
+      </p:nvGrpSpPr>
+      <p:grpSpPr>
+        <a:xfrm>
+          <a:off x="0" y="0"/>
+          <a:ext cx="0" cy="0"/>
+          <a:chOff x="0" y="0"/>
+          <a:chExt cx="0" cy="0"/>
+        </a:xfrm>
+      </p:grpSpPr>
+      <p:sp>
+        <p:nvSpPr>
+          <p:cNvPr id="2" name="Slide Image Placeholder 1"/>
+          <p:cNvSpPr>
+            <a:spLocks noGrp="1" noRot="1" noChangeAspect="1"/>
+          </p:cNvSpPr>
+          <p:nvPr>
+            <p:ph type="sldImg"/>
+          </p:nvPr>
+        </p:nvSpPr>
+        <p:spPr/>
+      </p:sp>
+      <p:sp>
+        <p:nvSpPr>
+          <p:cNvPr id="3" name="Notes Placeholder 2"/>
+          <p:cNvSpPr>
+            <a:spLocks noGrp="1"/>
+          </p:cNvSpPr>
+          <p:nvPr>
+            <p:ph type="body" idx="1"/>
+          </p:nvPr>
+        </p:nvSpPr>
+        <p:spPr/>
+        <p:txBody>
+          <a:bodyPr/>
+          <a:lstStyle/>
+          <a:p>
+            <a:pPr marL="0" marR="0" lvl="0" indent="0" algn="l" rtl="0">
+              <a:lnSpc>
+                <a:spcPct val="160000"/>
+              </a:lnSpc>
+              <a:spcBef>
+                <a:spcPts val="0"/>
+              </a:spcBef>
+              <a:spcAft>
+                <a:spcPts val="0"/>
+              </a:spcAft>
+              <a:buNone/>
+            </a:pPr>
+            <a:r>
+              <a:rPr lang="en-US" sz="2400" dirty="0">
+                <a:solidFill>
+                  <a:srgbClr val="FFFFFF"/>
+                </a:solidFill>
+                <a:latin typeface="Libre Franklin Light"/>
+                <a:sym typeface="Libre Franklin Light"/>
+              </a:rPr>
+              <a:t>Simplicity: Spark’s capabilities are accessible via a set of rich APIs, all designed specifically for interacting quickly and easily with data at scale. These APIs are well-documented and structured in a way that makes it straightforward for data scientists and application developers to quickly put Spark to work.</a:t>
+            </a:r>
+          </a:p>
+          <a:p>
+            <a:pPr marL="0" marR="0" lvl="0" indent="0" algn="l" rtl="0">
+              <a:lnSpc>
+                <a:spcPct val="160000"/>
+              </a:lnSpc>
+              <a:spcBef>
+                <a:spcPts val="0"/>
+              </a:spcBef>
+              <a:spcAft>
+                <a:spcPts val="0"/>
+              </a:spcAft>
+              <a:buNone/>
+            </a:pPr>
+            <a:endParaRPr lang="en-US" sz="2400" dirty="0">
+              <a:solidFill>
+                <a:srgbClr val="FFFFFF"/>
+              </a:solidFill>
+              <a:latin typeface="Libre Franklin Light"/>
+              <a:sym typeface="Libre Franklin Light"/>
+            </a:endParaRPr>
+          </a:p>
+          <a:p>
+            <a:pPr marL="0" marR="0" lvl="0" indent="0" algn="l" rtl="0">
+              <a:lnSpc>
+                <a:spcPct val="160000"/>
+              </a:lnSpc>
+              <a:spcBef>
+                <a:spcPts val="0"/>
+              </a:spcBef>
+              <a:spcAft>
+                <a:spcPts val="0"/>
+              </a:spcAft>
+              <a:buNone/>
+            </a:pPr>
+            <a:r>
+              <a:rPr lang="en-US" sz="2400" dirty="0">
+                <a:solidFill>
+                  <a:srgbClr val="FFFFFF"/>
+                </a:solidFill>
+                <a:latin typeface="Libre Franklin Light"/>
+                <a:sym typeface="Libre Franklin Light"/>
+              </a:rPr>
+              <a:t>Speed: Spark is designed for speed, operating both in memory and on disk. Using Spark, a team from Databricks tied for first place with a team from the University of California, San Diego, in the 2014 Daytona </a:t>
+            </a:r>
+            <a:r>
+              <a:rPr lang="en-US" sz="2400" dirty="0" err="1">
+                <a:solidFill>
+                  <a:srgbClr val="FFFFFF"/>
+                </a:solidFill>
+                <a:latin typeface="Libre Franklin Light"/>
+                <a:sym typeface="Libre Franklin Light"/>
+              </a:rPr>
+              <a:t>GraySort</a:t>
+            </a:r>
+            <a:r>
+              <a:rPr lang="en-US" sz="2400" dirty="0">
+                <a:solidFill>
+                  <a:srgbClr val="FFFFFF"/>
+                </a:solidFill>
+                <a:latin typeface="Libre Franklin Light"/>
+                <a:sym typeface="Libre Franklin Light"/>
+              </a:rPr>
+              <a:t> benchmarking challenge (https://spark.apache.org/news/spark-wins-daytona-gray-sort-100tb-benchmark.html). The challenge involves processing a static data set; the Databricks team was able to process 100 terabytes of data stored on solid-state drives in just 23 minutes, and the previous winner took 72 minutes by using Hadoop and a different cluster configuration. Spark can perform even better when supporting interactive queries of data stored in memory. In those situations, there are claims that Spark can be 100 times faster than Hadoop’s MapReduce.</a:t>
+            </a:r>
+          </a:p>
+          <a:p>
+            <a:pPr marL="0" marR="0" lvl="0" indent="0" algn="l" rtl="0">
+              <a:lnSpc>
+                <a:spcPct val="160000"/>
+              </a:lnSpc>
+              <a:spcBef>
+                <a:spcPts val="0"/>
+              </a:spcBef>
+              <a:spcAft>
+                <a:spcPts val="0"/>
+              </a:spcAft>
+              <a:buNone/>
+            </a:pPr>
+            <a:endParaRPr lang="en-US" sz="2400" dirty="0">
+              <a:solidFill>
+                <a:srgbClr val="FFFFFF"/>
+              </a:solidFill>
+              <a:latin typeface="Libre Franklin Light"/>
+              <a:sym typeface="Libre Franklin Light"/>
+            </a:endParaRPr>
+          </a:p>
+          <a:p>
+            <a:pPr marL="0" marR="0" lvl="0" indent="0" algn="l" rtl="0">
+              <a:lnSpc>
+                <a:spcPct val="160000"/>
+              </a:lnSpc>
+              <a:spcBef>
+                <a:spcPts val="0"/>
+              </a:spcBef>
+              <a:spcAft>
+                <a:spcPts val="0"/>
+              </a:spcAft>
+              <a:buNone/>
+            </a:pPr>
+            <a:r>
+              <a:rPr lang="en-US" sz="2400" dirty="0">
+                <a:solidFill>
+                  <a:srgbClr val="FFFFFF"/>
+                </a:solidFill>
+                <a:latin typeface="Libre Franklin Light"/>
+                <a:sym typeface="Libre Franklin Light"/>
+              </a:rPr>
+              <a:t>Support: Spark supports a range of programming languages, including Java, Python, R, and Scala. Spark includes support for tight integration with a number of leading storage solutions in the Hadoop ecosystem and beyond, including HPE </a:t>
+            </a:r>
+            <a:r>
+              <a:rPr lang="en-US" sz="2400" dirty="0" err="1">
+                <a:solidFill>
+                  <a:srgbClr val="FFFFFF"/>
+                </a:solidFill>
+                <a:latin typeface="Libre Franklin Light"/>
+                <a:sym typeface="Libre Franklin Light"/>
+              </a:rPr>
+              <a:t>Ezmeral</a:t>
+            </a:r>
+            <a:r>
+              <a:rPr lang="en-US" sz="2400" dirty="0">
+                <a:solidFill>
+                  <a:srgbClr val="FFFFFF"/>
+                </a:solidFill>
+                <a:latin typeface="Libre Franklin Light"/>
+                <a:sym typeface="Libre Franklin Light"/>
+              </a:rPr>
+              <a:t> Data Fabric (file system, database, and event store), Apache Hadoop (HDFS), Apache HBase, and Apache Cassandra. Furthermore, the Apache Spark community is large, active, and international. A growing set of commercial providers, including Databricks, IBM, and all of the main Hadoop vendors, deliver comprehensive support for Spark-based solutions.</a:t>
+            </a:r>
+          </a:p>
+        </p:txBody>
+      </p:sp>
+    </p:spTree>
+    <p:extLst>
+      <p:ext uri="{BB962C8B-B14F-4D97-AF65-F5344CB8AC3E}">
+        <p14:creationId xmlns:p14="http://schemas.microsoft.com/office/powerpoint/2010/main" val="687881102"/>
+      </p:ext>
+    </p:extLst>
+  </p:cSld>
+  <p:clrMapOvr>
+    <a:masterClrMapping/>
+  </p:clrMapOvr>
+</p:notes>
+</file>
+
+<file path=ppt/notesSlides/notesSlide3.xml><?xml version="1.0" encoding="utf-8"?>
+<p:notes xmlns:a="http://schemas.openxmlformats.org/drawingml/2006/main" xmlns:r="http://schemas.openxmlformats.org/officeDocument/2006/relationships" xmlns:p="http://schemas.openxmlformats.org/presentationml/2006/main">
+  <p:cSld>
+    <p:spTree>
+      <p:nvGrpSpPr>
+        <p:cNvPr id="1" name=""/>
+        <p:cNvGrpSpPr/>
+        <p:nvPr/>
+      </p:nvGrpSpPr>
+      <p:grpSpPr>
+        <a:xfrm>
+          <a:off x="0" y="0"/>
+          <a:ext cx="0" cy="0"/>
+          <a:chOff x="0" y="0"/>
+          <a:chExt cx="0" cy="0"/>
+        </a:xfrm>
+      </p:grpSpPr>
+      <p:sp>
+        <p:nvSpPr>
+          <p:cNvPr id="2" name="Slide Image Placeholder 1"/>
+          <p:cNvSpPr>
+            <a:spLocks noGrp="1" noRot="1" noChangeAspect="1"/>
+          </p:cNvSpPr>
+          <p:nvPr>
+            <p:ph type="sldImg"/>
+          </p:nvPr>
+        </p:nvSpPr>
+        <p:spPr/>
+      </p:sp>
+      <p:sp>
+        <p:nvSpPr>
+          <p:cNvPr id="3" name="Notes Placeholder 2"/>
+          <p:cNvSpPr>
+            <a:spLocks noGrp="1"/>
+          </p:cNvSpPr>
+          <p:nvPr>
+            <p:ph type="body" idx="1"/>
+          </p:nvPr>
+        </p:nvSpPr>
+        <p:spPr/>
+        <p:txBody>
+          <a:bodyPr/>
+          <a:lstStyle/>
+          <a:p>
+            <a:r>
+              <a:rPr lang="en-US" dirty="0"/>
+              <a:t>Yes, data scientist is way lower</a:t>
+            </a:r>
+          </a:p>
+        </p:txBody>
+      </p:sp>
+    </p:spTree>
+    <p:extLst>
+      <p:ext uri="{BB962C8B-B14F-4D97-AF65-F5344CB8AC3E}">
+        <p14:creationId xmlns:p14="http://schemas.microsoft.com/office/powerpoint/2010/main" val="3281042"/>
+      </p:ext>
+    </p:extLst>
+  </p:cSld>
+  <p:clrMapOvr>
+    <a:masterClrMapping/>
+  </p:clrMapOvr>
+</p:notes>
+</file>
+
 <file path=ppt/slideLayouts/slideLayout1.xml><?xml version="1.0" encoding="utf-8"?>
 <p:sldLayout xmlns:a="http://schemas.openxmlformats.org/drawingml/2006/main" xmlns:r="http://schemas.openxmlformats.org/officeDocument/2006/relationships" xmlns:p="http://schemas.openxmlformats.org/presentationml/2006/main" preserve="1" userDrawn="1">
   <p:cSld name="Slide_Titolo introduttivo">
@@ -1516,7 +1803,7 @@
           <a:p>
             <a:fld id="{0F1B7D9C-4F60-C246-8CA4-396C0346DE33}" type="datetimeFigureOut">
               <a:rPr lang="it-IT" smtClean="0"/>
-              <a:t>23/08/2022</a:t>
+              <a:t>03/09/2022</a:t>
             </a:fld>
             <a:endParaRPr lang="it-IT"/>
           </a:p>
@@ -2171,7 +2458,7 @@
           <a:p>
             <a:fld id="{A2FF5F4A-4507-894B-98D1-9441DD15C475}" type="datetimeFigureOut">
               <a:rPr lang="it-IT" smtClean="0"/>
-              <a:t>23/08/2022</a:t>
+              <a:t>03/09/2022</a:t>
             </a:fld>
             <a:endParaRPr lang="it-IT" dirty="0"/>
           </a:p>
@@ -2719,6 +3006,1633 @@
 </p:sld>
 </file>
 
+<file path=ppt/slides/slide10.xml><?xml version="1.0" encoding="utf-8"?>
+<p:sld xmlns:a="http://schemas.openxmlformats.org/drawingml/2006/main" xmlns:r="http://schemas.openxmlformats.org/officeDocument/2006/relationships" xmlns:p="http://schemas.openxmlformats.org/presentationml/2006/main">
+  <p:cSld>
+    <p:spTree>
+      <p:nvGrpSpPr>
+        <p:cNvPr id="1" name=""/>
+        <p:cNvGrpSpPr/>
+        <p:nvPr/>
+      </p:nvGrpSpPr>
+      <p:grpSpPr>
+        <a:xfrm>
+          <a:off x="0" y="0"/>
+          <a:ext cx="0" cy="0"/>
+          <a:chOff x="0" y="0"/>
+          <a:chExt cx="0" cy="0"/>
+        </a:xfrm>
+      </p:grpSpPr>
+      <p:sp>
+        <p:nvSpPr>
+          <p:cNvPr id="2" name="Text Placeholder 1">
+            <a:extLst>
+              <a:ext uri="{FF2B5EF4-FFF2-40B4-BE49-F238E27FC236}">
+                <a16:creationId xmlns:a16="http://schemas.microsoft.com/office/drawing/2014/main" id="{C194CFC6-F6BD-6BA7-D5A2-DA58DE9435E9}"/>
+              </a:ext>
+            </a:extLst>
+          </p:cNvPr>
+          <p:cNvSpPr>
+            <a:spLocks noGrp="1"/>
+          </p:cNvSpPr>
+          <p:nvPr>
+            <p:ph type="body" sz="quarter" idx="15"/>
+          </p:nvPr>
+        </p:nvSpPr>
+        <p:spPr/>
+        <p:txBody>
+          <a:bodyPr/>
+          <a:lstStyle/>
+          <a:p>
+            <a:endParaRPr lang="en-US"/>
+          </a:p>
+        </p:txBody>
+      </p:sp>
+      <p:sp>
+        <p:nvSpPr>
+          <p:cNvPr id="3" name="Text Placeholder 2">
+            <a:extLst>
+              <a:ext uri="{FF2B5EF4-FFF2-40B4-BE49-F238E27FC236}">
+                <a16:creationId xmlns:a16="http://schemas.microsoft.com/office/drawing/2014/main" id="{30048C55-9E5D-975C-9A00-5341FC2834AA}"/>
+              </a:ext>
+            </a:extLst>
+          </p:cNvPr>
+          <p:cNvSpPr>
+            <a:spLocks noGrp="1"/>
+          </p:cNvSpPr>
+          <p:nvPr>
+            <p:ph type="body" sz="quarter" idx="17"/>
+          </p:nvPr>
+        </p:nvSpPr>
+        <p:spPr/>
+        <p:txBody>
+          <a:bodyPr/>
+          <a:lstStyle/>
+          <a:p>
+            <a:endParaRPr lang="en-US"/>
+          </a:p>
+        </p:txBody>
+      </p:sp>
+      <p:sp>
+        <p:nvSpPr>
+          <p:cNvPr id="4" name="Text Placeholder 3">
+            <a:extLst>
+              <a:ext uri="{FF2B5EF4-FFF2-40B4-BE49-F238E27FC236}">
+                <a16:creationId xmlns:a16="http://schemas.microsoft.com/office/drawing/2014/main" id="{1C2865EB-7A0E-465E-D128-F672CFD4C3D1}"/>
+              </a:ext>
+            </a:extLst>
+          </p:cNvPr>
+          <p:cNvSpPr>
+            <a:spLocks noGrp="1"/>
+          </p:cNvSpPr>
+          <p:nvPr>
+            <p:ph type="body" sz="quarter" idx="16"/>
+          </p:nvPr>
+        </p:nvSpPr>
+        <p:spPr/>
+        <p:txBody>
+          <a:bodyPr/>
+          <a:lstStyle/>
+          <a:p>
+            <a:endParaRPr lang="en-US"/>
+          </a:p>
+        </p:txBody>
+      </p:sp>
+      <p:sp>
+        <p:nvSpPr>
+          <p:cNvPr id="5" name="Title 4">
+            <a:extLst>
+              <a:ext uri="{FF2B5EF4-FFF2-40B4-BE49-F238E27FC236}">
+                <a16:creationId xmlns:a16="http://schemas.microsoft.com/office/drawing/2014/main" id="{1B9C9E08-39B4-0FA8-659D-E5A795C6923E}"/>
+              </a:ext>
+            </a:extLst>
+          </p:cNvPr>
+          <p:cNvSpPr>
+            <a:spLocks noGrp="1"/>
+          </p:cNvSpPr>
+          <p:nvPr>
+            <p:ph type="title"/>
+          </p:nvPr>
+        </p:nvSpPr>
+        <p:spPr/>
+        <p:txBody>
+          <a:bodyPr/>
+          <a:lstStyle/>
+          <a:p>
+            <a:r>
+              <a:rPr lang="en-US" dirty="0"/>
+              <a:t>Why is this course relevant?</a:t>
+            </a:r>
+          </a:p>
+        </p:txBody>
+      </p:sp>
+      <p:pic>
+        <p:nvPicPr>
+          <p:cNvPr id="8" name="Picture 7">
+            <a:extLst>
+              <a:ext uri="{FF2B5EF4-FFF2-40B4-BE49-F238E27FC236}">
+                <a16:creationId xmlns:a16="http://schemas.microsoft.com/office/drawing/2014/main" id="{6D30D27C-A0BF-F8DC-2996-732950BBBB91}"/>
+              </a:ext>
+            </a:extLst>
+          </p:cNvPr>
+          <p:cNvPicPr>
+            <a:picLocks noChangeAspect="1"/>
+          </p:cNvPicPr>
+          <p:nvPr/>
+        </p:nvPicPr>
+        <p:blipFill>
+          <a:blip r:embed="rId2"/>
+          <a:stretch>
+            <a:fillRect/>
+          </a:stretch>
+        </p:blipFill>
+        <p:spPr>
+          <a:xfrm>
+            <a:off x="484762" y="2380405"/>
+            <a:ext cx="9210972" cy="5747302"/>
+          </a:xfrm>
+          <a:prstGeom prst="rect">
+            <a:avLst/>
+          </a:prstGeom>
+        </p:spPr>
+      </p:pic>
+      <p:sp>
+        <p:nvSpPr>
+          <p:cNvPr id="11" name="Content Placeholder 5">
+            <a:extLst>
+              <a:ext uri="{FF2B5EF4-FFF2-40B4-BE49-F238E27FC236}">
+                <a16:creationId xmlns:a16="http://schemas.microsoft.com/office/drawing/2014/main" id="{F997C307-337D-442E-4C56-AA679A5D0D64}"/>
+              </a:ext>
+            </a:extLst>
+          </p:cNvPr>
+          <p:cNvSpPr>
+            <a:spLocks noGrp="1"/>
+          </p:cNvSpPr>
+          <p:nvPr>
+            <p:ph idx="1"/>
+          </p:nvPr>
+        </p:nvSpPr>
+        <p:spPr>
+          <a:xfrm>
+            <a:off x="9889741" y="4408890"/>
+            <a:ext cx="2932331" cy="466772"/>
+          </a:xfrm>
+        </p:spPr>
+        <p:txBody>
+          <a:bodyPr>
+            <a:normAutofit fontScale="92500" lnSpcReduction="20000"/>
+          </a:bodyPr>
+          <a:lstStyle/>
+          <a:p>
+            <a:pPr marL="0" indent="0">
+              <a:buNone/>
+            </a:pPr>
+            <a:r>
+              <a:rPr lang="en-US" sz="1800" dirty="0"/>
+              <a:t>Ref: Top paying technologies, </a:t>
+            </a:r>
+            <a:r>
+              <a:rPr lang="en-US" sz="1800" dirty="0" err="1">
+                <a:hlinkClick r:id="rId3"/>
+              </a:rPr>
+              <a:t>Stackoverflow</a:t>
+            </a:r>
+            <a:r>
+              <a:rPr lang="en-US" sz="1800" dirty="0">
+                <a:hlinkClick r:id="rId3"/>
+              </a:rPr>
+              <a:t> Survey 2022</a:t>
+            </a:r>
+            <a:endParaRPr lang="en-US" sz="1800" dirty="0"/>
+          </a:p>
+        </p:txBody>
+      </p:sp>
+      <p:sp>
+        <p:nvSpPr>
+          <p:cNvPr id="12" name="Rectangle 11">
+            <a:extLst>
+              <a:ext uri="{FF2B5EF4-FFF2-40B4-BE49-F238E27FC236}">
+                <a16:creationId xmlns:a16="http://schemas.microsoft.com/office/drawing/2014/main" id="{C309AFE6-AE35-2CA3-C9C3-AE1D3D88B999}"/>
+              </a:ext>
+            </a:extLst>
+          </p:cNvPr>
+          <p:cNvSpPr/>
+          <p:nvPr/>
+        </p:nvSpPr>
+        <p:spPr>
+          <a:xfrm>
+            <a:off x="1125941" y="2477068"/>
+            <a:ext cx="846161" cy="266132"/>
+          </a:xfrm>
+          <a:prstGeom prst="rect">
+            <a:avLst/>
+          </a:prstGeom>
+          <a:noFill/>
+          <a:ln w="57150">
+            <a:solidFill>
+              <a:schemeClr val="bg1"/>
+            </a:solidFill>
+          </a:ln>
+        </p:spPr>
+        <p:style>
+          <a:lnRef idx="2">
+            <a:schemeClr val="accent1">
+              <a:shade val="50000"/>
+            </a:schemeClr>
+          </a:lnRef>
+          <a:fillRef idx="1">
+            <a:schemeClr val="accent1"/>
+          </a:fillRef>
+          <a:effectRef idx="0">
+            <a:schemeClr val="accent1"/>
+          </a:effectRef>
+          <a:fontRef idx="minor">
+            <a:schemeClr val="lt1"/>
+          </a:fontRef>
+        </p:style>
+        <p:txBody>
+          <a:bodyPr rtlCol="0" anchor="ctr"/>
+          <a:lstStyle/>
+          <a:p>
+            <a:pPr algn="ctr"/>
+            <a:endParaRPr lang="en-US"/>
+          </a:p>
+        </p:txBody>
+      </p:sp>
+    </p:spTree>
+    <p:extLst>
+      <p:ext uri="{BB962C8B-B14F-4D97-AF65-F5344CB8AC3E}">
+        <p14:creationId xmlns:p14="http://schemas.microsoft.com/office/powerpoint/2010/main" val="2741149758"/>
+      </p:ext>
+    </p:extLst>
+  </p:cSld>
+  <p:clrMapOvr>
+    <a:masterClrMapping/>
+  </p:clrMapOvr>
+</p:sld>
+</file>
+
+<file path=ppt/slides/slide11.xml><?xml version="1.0" encoding="utf-8"?>
+<p:sld xmlns:a="http://schemas.openxmlformats.org/drawingml/2006/main" xmlns:r="http://schemas.openxmlformats.org/officeDocument/2006/relationships" xmlns:p="http://schemas.openxmlformats.org/presentationml/2006/main">
+  <p:cSld>
+    <p:spTree>
+      <p:nvGrpSpPr>
+        <p:cNvPr id="1" name=""/>
+        <p:cNvGrpSpPr/>
+        <p:nvPr/>
+      </p:nvGrpSpPr>
+      <p:grpSpPr>
+        <a:xfrm>
+          <a:off x="0" y="0"/>
+          <a:ext cx="0" cy="0"/>
+          <a:chOff x="0" y="0"/>
+          <a:chExt cx="0" cy="0"/>
+        </a:xfrm>
+      </p:grpSpPr>
+      <p:sp>
+        <p:nvSpPr>
+          <p:cNvPr id="2" name="Text Placeholder 1">
+            <a:extLst>
+              <a:ext uri="{FF2B5EF4-FFF2-40B4-BE49-F238E27FC236}">
+                <a16:creationId xmlns:a16="http://schemas.microsoft.com/office/drawing/2014/main" id="{7336258C-933B-D1D8-ED9E-2C3E2F038289}"/>
+              </a:ext>
+            </a:extLst>
+          </p:cNvPr>
+          <p:cNvSpPr>
+            <a:spLocks noGrp="1"/>
+          </p:cNvSpPr>
+          <p:nvPr>
+            <p:ph type="body" sz="quarter" idx="15"/>
+          </p:nvPr>
+        </p:nvSpPr>
+        <p:spPr/>
+        <p:txBody>
+          <a:bodyPr/>
+          <a:lstStyle/>
+          <a:p>
+            <a:endParaRPr lang="en-US"/>
+          </a:p>
+        </p:txBody>
+      </p:sp>
+      <p:sp>
+        <p:nvSpPr>
+          <p:cNvPr id="3" name="Text Placeholder 2">
+            <a:extLst>
+              <a:ext uri="{FF2B5EF4-FFF2-40B4-BE49-F238E27FC236}">
+                <a16:creationId xmlns:a16="http://schemas.microsoft.com/office/drawing/2014/main" id="{8679E646-5470-CFE6-40AB-9A715881D7BB}"/>
+              </a:ext>
+            </a:extLst>
+          </p:cNvPr>
+          <p:cNvSpPr>
+            <a:spLocks noGrp="1"/>
+          </p:cNvSpPr>
+          <p:nvPr>
+            <p:ph type="body" sz="quarter" idx="17"/>
+          </p:nvPr>
+        </p:nvSpPr>
+        <p:spPr/>
+        <p:txBody>
+          <a:bodyPr/>
+          <a:lstStyle/>
+          <a:p>
+            <a:endParaRPr lang="en-US"/>
+          </a:p>
+        </p:txBody>
+      </p:sp>
+      <p:sp>
+        <p:nvSpPr>
+          <p:cNvPr id="4" name="Text Placeholder 3">
+            <a:extLst>
+              <a:ext uri="{FF2B5EF4-FFF2-40B4-BE49-F238E27FC236}">
+                <a16:creationId xmlns:a16="http://schemas.microsoft.com/office/drawing/2014/main" id="{99A5F7E7-D97A-FF28-AD45-4BF0A8C575AB}"/>
+              </a:ext>
+            </a:extLst>
+          </p:cNvPr>
+          <p:cNvSpPr>
+            <a:spLocks noGrp="1"/>
+          </p:cNvSpPr>
+          <p:nvPr>
+            <p:ph type="body" sz="quarter" idx="16"/>
+          </p:nvPr>
+        </p:nvSpPr>
+        <p:spPr/>
+        <p:txBody>
+          <a:bodyPr/>
+          <a:lstStyle/>
+          <a:p>
+            <a:endParaRPr lang="en-US"/>
+          </a:p>
+        </p:txBody>
+      </p:sp>
+      <p:grpSp>
+        <p:nvGrpSpPr>
+          <p:cNvPr id="8" name="Group 7">
+            <a:extLst>
+              <a:ext uri="{FF2B5EF4-FFF2-40B4-BE49-F238E27FC236}">
+                <a16:creationId xmlns:a16="http://schemas.microsoft.com/office/drawing/2014/main" id="{0A018893-8435-4E10-A519-AD4F5F7200B6}"/>
+              </a:ext>
+            </a:extLst>
+          </p:cNvPr>
+          <p:cNvGrpSpPr/>
+          <p:nvPr/>
+        </p:nvGrpSpPr>
+        <p:grpSpPr>
+          <a:xfrm>
+            <a:off x="3604418" y="1557684"/>
+            <a:ext cx="5896769" cy="6638231"/>
+            <a:chOff x="7940675" y="3154332"/>
+            <a:chExt cx="3810000" cy="4289071"/>
+          </a:xfrm>
+        </p:grpSpPr>
+        <p:pic>
+          <p:nvPicPr>
+            <p:cNvPr id="2050" name="Picture 2">
+              <a:extLst>
+                <a:ext uri="{FF2B5EF4-FFF2-40B4-BE49-F238E27FC236}">
+                  <a16:creationId xmlns:a16="http://schemas.microsoft.com/office/drawing/2014/main" id="{113C656B-B0DC-F4CE-15E1-A18585C9FBEA}"/>
+                </a:ext>
+              </a:extLst>
+            </p:cNvPr>
+            <p:cNvPicPr>
+              <a:picLocks noChangeAspect="1" noChangeArrowheads="1"/>
+            </p:cNvPicPr>
+            <p:nvPr/>
+          </p:nvPicPr>
+          <p:blipFill>
+            <a:blip r:embed="rId2">
+              <a:extLst>
+                <a:ext uri="{28A0092B-C50C-407E-A947-70E740481C1C}">
+                  <a14:useLocalDpi xmlns:a14="http://schemas.microsoft.com/office/drawing/2010/main" val="0"/>
+                </a:ext>
+              </a:extLst>
+            </a:blip>
+            <a:srcRect/>
+            <a:stretch>
+              <a:fillRect/>
+            </a:stretch>
+          </p:blipFill>
+          <p:spPr bwMode="auto">
+            <a:xfrm>
+              <a:off x="7940675" y="3154332"/>
+              <a:ext cx="3810000" cy="3810000"/>
+            </a:xfrm>
+            <a:prstGeom prst="rect">
+              <a:avLst/>
+            </a:prstGeom>
+            <a:noFill/>
+            <a:extLst>
+              <a:ext uri="{909E8E84-426E-40DD-AFC4-6F175D3DCCD1}">
+                <a14:hiddenFill xmlns:a14="http://schemas.microsoft.com/office/drawing/2010/main">
+                  <a:solidFill>
+                    <a:srgbClr val="FFFFFF"/>
+                  </a:solidFill>
+                </a14:hiddenFill>
+              </a:ext>
+            </a:extLst>
+          </p:spPr>
+        </p:pic>
+        <p:sp>
+          <p:nvSpPr>
+            <p:cNvPr id="7" name="TextBox 6">
+              <a:extLst>
+                <a:ext uri="{FF2B5EF4-FFF2-40B4-BE49-F238E27FC236}">
+                  <a16:creationId xmlns:a16="http://schemas.microsoft.com/office/drawing/2014/main" id="{971FFD94-1154-58D0-EC36-159C29D50234}"/>
+                </a:ext>
+              </a:extLst>
+            </p:cNvPr>
+            <p:cNvSpPr txBox="1"/>
+            <p:nvPr/>
+          </p:nvSpPr>
+          <p:spPr>
+            <a:xfrm>
+              <a:off x="8635445" y="7074071"/>
+              <a:ext cx="2276585" cy="369332"/>
+            </a:xfrm>
+            <a:prstGeom prst="rect">
+              <a:avLst/>
+            </a:prstGeom>
+            <a:noFill/>
+          </p:spPr>
+          <p:txBody>
+            <a:bodyPr wrap="none" rtlCol="0">
+              <a:spAutoFit/>
+            </a:bodyPr>
+            <a:lstStyle/>
+            <a:p>
+              <a:r>
+                <a:rPr lang="en-US" b="0" dirty="0">
+                  <a:solidFill>
+                    <a:schemeClr val="tx1"/>
+                  </a:solidFill>
+                  <a:latin typeface="Avenir Black"/>
+                </a:rPr>
+                <a:t>Image from </a:t>
+              </a:r>
+              <a:r>
+                <a:rPr lang="en-US" b="0" dirty="0" err="1">
+                  <a:solidFill>
+                    <a:schemeClr val="tx1"/>
+                  </a:solidFill>
+                  <a:latin typeface="Avenir Black"/>
+                  <a:hlinkClick r:id="rId3"/>
+                </a:rPr>
+                <a:t>matwrites</a:t>
+              </a:r>
+              <a:endParaRPr lang="en-US" b="0" dirty="0">
+                <a:solidFill>
+                  <a:schemeClr val="tx1"/>
+                </a:solidFill>
+                <a:latin typeface="Avenir Black"/>
+              </a:endParaRPr>
+            </a:p>
+          </p:txBody>
+        </p:sp>
+      </p:grpSp>
+    </p:spTree>
+    <p:extLst>
+      <p:ext uri="{BB962C8B-B14F-4D97-AF65-F5344CB8AC3E}">
+        <p14:creationId xmlns:p14="http://schemas.microsoft.com/office/powerpoint/2010/main" val="3003638745"/>
+      </p:ext>
+    </p:extLst>
+  </p:cSld>
+  <p:clrMapOvr>
+    <a:masterClrMapping/>
+  </p:clrMapOvr>
+</p:sld>
+</file>
+
+<file path=ppt/slides/slide12.xml><?xml version="1.0" encoding="utf-8"?>
+<p:sld xmlns:a="http://schemas.openxmlformats.org/drawingml/2006/main" xmlns:r="http://schemas.openxmlformats.org/officeDocument/2006/relationships" xmlns:p="http://schemas.openxmlformats.org/presentationml/2006/main">
+  <p:cSld>
+    <p:spTree>
+      <p:nvGrpSpPr>
+        <p:cNvPr id="1" name=""/>
+        <p:cNvGrpSpPr/>
+        <p:nvPr/>
+      </p:nvGrpSpPr>
+      <p:grpSpPr>
+        <a:xfrm>
+          <a:off x="0" y="0"/>
+          <a:ext cx="0" cy="0"/>
+          <a:chOff x="0" y="0"/>
+          <a:chExt cx="0" cy="0"/>
+        </a:xfrm>
+      </p:grpSpPr>
+      <p:sp>
+        <p:nvSpPr>
+          <p:cNvPr id="2" name="Text Placeholder 1">
+            <a:extLst>
+              <a:ext uri="{FF2B5EF4-FFF2-40B4-BE49-F238E27FC236}">
+                <a16:creationId xmlns:a16="http://schemas.microsoft.com/office/drawing/2014/main" id="{D046E1A7-E6CE-750B-A1E8-60E037A8BAC5}"/>
+              </a:ext>
+            </a:extLst>
+          </p:cNvPr>
+          <p:cNvSpPr>
+            <a:spLocks noGrp="1"/>
+          </p:cNvSpPr>
+          <p:nvPr>
+            <p:ph type="body" sz="quarter" idx="15"/>
+          </p:nvPr>
+        </p:nvSpPr>
+        <p:spPr/>
+        <p:txBody>
+          <a:bodyPr/>
+          <a:lstStyle/>
+          <a:p>
+            <a:endParaRPr lang="en-US"/>
+          </a:p>
+        </p:txBody>
+      </p:sp>
+      <p:sp>
+        <p:nvSpPr>
+          <p:cNvPr id="3" name="Text Placeholder 2">
+            <a:extLst>
+              <a:ext uri="{FF2B5EF4-FFF2-40B4-BE49-F238E27FC236}">
+                <a16:creationId xmlns:a16="http://schemas.microsoft.com/office/drawing/2014/main" id="{378ECCDB-5969-B31A-B03F-4E076826B87B}"/>
+              </a:ext>
+            </a:extLst>
+          </p:cNvPr>
+          <p:cNvSpPr>
+            <a:spLocks noGrp="1"/>
+          </p:cNvSpPr>
+          <p:nvPr>
+            <p:ph type="body" sz="quarter" idx="17"/>
+          </p:nvPr>
+        </p:nvSpPr>
+        <p:spPr/>
+        <p:txBody>
+          <a:bodyPr/>
+          <a:lstStyle/>
+          <a:p>
+            <a:endParaRPr lang="en-US"/>
+          </a:p>
+        </p:txBody>
+      </p:sp>
+      <p:sp>
+        <p:nvSpPr>
+          <p:cNvPr id="4" name="Text Placeholder 3">
+            <a:extLst>
+              <a:ext uri="{FF2B5EF4-FFF2-40B4-BE49-F238E27FC236}">
+                <a16:creationId xmlns:a16="http://schemas.microsoft.com/office/drawing/2014/main" id="{E30E15C0-FEDC-5D28-85E9-641EF6E6B82A}"/>
+              </a:ext>
+            </a:extLst>
+          </p:cNvPr>
+          <p:cNvSpPr>
+            <a:spLocks noGrp="1"/>
+          </p:cNvSpPr>
+          <p:nvPr>
+            <p:ph type="body" sz="quarter" idx="16"/>
+          </p:nvPr>
+        </p:nvSpPr>
+        <p:spPr/>
+        <p:txBody>
+          <a:bodyPr/>
+          <a:lstStyle/>
+          <a:p>
+            <a:endParaRPr lang="en-US"/>
+          </a:p>
+        </p:txBody>
+      </p:sp>
+      <p:sp>
+        <p:nvSpPr>
+          <p:cNvPr id="5" name="Title 4">
+            <a:extLst>
+              <a:ext uri="{FF2B5EF4-FFF2-40B4-BE49-F238E27FC236}">
+                <a16:creationId xmlns:a16="http://schemas.microsoft.com/office/drawing/2014/main" id="{5CA0E81E-EB36-F7EF-A310-B1FE006EB5EE}"/>
+              </a:ext>
+            </a:extLst>
+          </p:cNvPr>
+          <p:cNvSpPr>
+            <a:spLocks noGrp="1"/>
+          </p:cNvSpPr>
+          <p:nvPr>
+            <p:ph type="title"/>
+          </p:nvPr>
+        </p:nvSpPr>
+        <p:spPr/>
+        <p:txBody>
+          <a:bodyPr/>
+          <a:lstStyle/>
+          <a:p>
+            <a:r>
+              <a:rPr lang="en-US" dirty="0"/>
+              <a:t>Setup Databricks Community</a:t>
+            </a:r>
+          </a:p>
+        </p:txBody>
+      </p:sp>
+      <p:pic>
+        <p:nvPicPr>
+          <p:cNvPr id="8" name="Picture 7">
+            <a:extLst>
+              <a:ext uri="{FF2B5EF4-FFF2-40B4-BE49-F238E27FC236}">
+                <a16:creationId xmlns:a16="http://schemas.microsoft.com/office/drawing/2014/main" id="{081DDD2C-BB40-C473-7382-DA91D9BE0335}"/>
+              </a:ext>
+            </a:extLst>
+          </p:cNvPr>
+          <p:cNvPicPr>
+            <a:picLocks noChangeAspect="1"/>
+          </p:cNvPicPr>
+          <p:nvPr/>
+        </p:nvPicPr>
+        <p:blipFill>
+          <a:blip r:embed="rId2"/>
+          <a:stretch>
+            <a:fillRect/>
+          </a:stretch>
+        </p:blipFill>
+        <p:spPr>
+          <a:xfrm>
+            <a:off x="2893218" y="3351748"/>
+            <a:ext cx="9765109" cy="4564393"/>
+          </a:xfrm>
+          <a:prstGeom prst="rect">
+            <a:avLst/>
+          </a:prstGeom>
+        </p:spPr>
+      </p:pic>
+      <p:sp>
+        <p:nvSpPr>
+          <p:cNvPr id="9" name="TextBox 8">
+            <a:extLst>
+              <a:ext uri="{FF2B5EF4-FFF2-40B4-BE49-F238E27FC236}">
+                <a16:creationId xmlns:a16="http://schemas.microsoft.com/office/drawing/2014/main" id="{6F897F41-FAD2-AA5C-343A-8A814B9EC400}"/>
+              </a:ext>
+            </a:extLst>
+          </p:cNvPr>
+          <p:cNvSpPr txBox="1"/>
+          <p:nvPr/>
+        </p:nvSpPr>
+        <p:spPr>
+          <a:xfrm>
+            <a:off x="512150" y="8357281"/>
+            <a:ext cx="4277133" cy="369332"/>
+          </a:xfrm>
+          <a:prstGeom prst="rect">
+            <a:avLst/>
+          </a:prstGeom>
+          <a:noFill/>
+        </p:spPr>
+        <p:txBody>
+          <a:bodyPr wrap="none" rtlCol="0">
+            <a:spAutoFit/>
+          </a:bodyPr>
+          <a:lstStyle/>
+          <a:p>
+            <a:r>
+              <a:rPr lang="en-US" b="0" dirty="0">
+                <a:latin typeface="Avenir Black"/>
+              </a:rPr>
+              <a:t>Guide: create a </a:t>
+            </a:r>
+            <a:r>
+              <a:rPr lang="en-US" b="0" dirty="0">
+                <a:latin typeface="Avenir Black"/>
+                <a:hlinkClick r:id="rId3"/>
+              </a:rPr>
+              <a:t>Community Edition</a:t>
+            </a:r>
+            <a:r>
+              <a:rPr lang="en-US" b="0" dirty="0">
+                <a:latin typeface="Avenir Black"/>
+              </a:rPr>
+              <a:t> account</a:t>
+            </a:r>
+          </a:p>
+        </p:txBody>
+      </p:sp>
+    </p:spTree>
+    <p:extLst>
+      <p:ext uri="{BB962C8B-B14F-4D97-AF65-F5344CB8AC3E}">
+        <p14:creationId xmlns:p14="http://schemas.microsoft.com/office/powerpoint/2010/main" val="3656119611"/>
+      </p:ext>
+    </p:extLst>
+  </p:cSld>
+  <p:clrMapOvr>
+    <a:masterClrMapping/>
+  </p:clrMapOvr>
+</p:sld>
+</file>
+
+<file path=ppt/slides/slide13.xml><?xml version="1.0" encoding="utf-8"?>
+<p:sld xmlns:a="http://schemas.openxmlformats.org/drawingml/2006/main" xmlns:r="http://schemas.openxmlformats.org/officeDocument/2006/relationships" xmlns:p="http://schemas.openxmlformats.org/presentationml/2006/main">
+  <p:cSld>
+    <p:spTree>
+      <p:nvGrpSpPr>
+        <p:cNvPr id="1" name=""/>
+        <p:cNvGrpSpPr/>
+        <p:nvPr/>
+      </p:nvGrpSpPr>
+      <p:grpSpPr>
+        <a:xfrm>
+          <a:off x="0" y="0"/>
+          <a:ext cx="0" cy="0"/>
+          <a:chOff x="0" y="0"/>
+          <a:chExt cx="0" cy="0"/>
+        </a:xfrm>
+      </p:grpSpPr>
+      <p:sp>
+        <p:nvSpPr>
+          <p:cNvPr id="2" name="Text Placeholder 1">
+            <a:extLst>
+              <a:ext uri="{FF2B5EF4-FFF2-40B4-BE49-F238E27FC236}">
+                <a16:creationId xmlns:a16="http://schemas.microsoft.com/office/drawing/2014/main" id="{D046E1A7-E6CE-750B-A1E8-60E037A8BAC5}"/>
+              </a:ext>
+            </a:extLst>
+          </p:cNvPr>
+          <p:cNvSpPr>
+            <a:spLocks noGrp="1"/>
+          </p:cNvSpPr>
+          <p:nvPr>
+            <p:ph type="body" sz="quarter" idx="15"/>
+          </p:nvPr>
+        </p:nvSpPr>
+        <p:spPr/>
+        <p:txBody>
+          <a:bodyPr/>
+          <a:lstStyle/>
+          <a:p>
+            <a:endParaRPr lang="en-US"/>
+          </a:p>
+        </p:txBody>
+      </p:sp>
+      <p:sp>
+        <p:nvSpPr>
+          <p:cNvPr id="3" name="Text Placeholder 2">
+            <a:extLst>
+              <a:ext uri="{FF2B5EF4-FFF2-40B4-BE49-F238E27FC236}">
+                <a16:creationId xmlns:a16="http://schemas.microsoft.com/office/drawing/2014/main" id="{378ECCDB-5969-B31A-B03F-4E076826B87B}"/>
+              </a:ext>
+            </a:extLst>
+          </p:cNvPr>
+          <p:cNvSpPr>
+            <a:spLocks noGrp="1"/>
+          </p:cNvSpPr>
+          <p:nvPr>
+            <p:ph type="body" sz="quarter" idx="17"/>
+          </p:nvPr>
+        </p:nvSpPr>
+        <p:spPr/>
+        <p:txBody>
+          <a:bodyPr/>
+          <a:lstStyle/>
+          <a:p>
+            <a:endParaRPr lang="en-US"/>
+          </a:p>
+        </p:txBody>
+      </p:sp>
+      <p:sp>
+        <p:nvSpPr>
+          <p:cNvPr id="4" name="Text Placeholder 3">
+            <a:extLst>
+              <a:ext uri="{FF2B5EF4-FFF2-40B4-BE49-F238E27FC236}">
+                <a16:creationId xmlns:a16="http://schemas.microsoft.com/office/drawing/2014/main" id="{E30E15C0-FEDC-5D28-85E9-641EF6E6B82A}"/>
+              </a:ext>
+            </a:extLst>
+          </p:cNvPr>
+          <p:cNvSpPr>
+            <a:spLocks noGrp="1"/>
+          </p:cNvSpPr>
+          <p:nvPr>
+            <p:ph type="body" sz="quarter" idx="16"/>
+          </p:nvPr>
+        </p:nvSpPr>
+        <p:spPr/>
+        <p:txBody>
+          <a:bodyPr/>
+          <a:lstStyle/>
+          <a:p>
+            <a:endParaRPr lang="en-US"/>
+          </a:p>
+        </p:txBody>
+      </p:sp>
+      <p:sp>
+        <p:nvSpPr>
+          <p:cNvPr id="5" name="Title 4">
+            <a:extLst>
+              <a:ext uri="{FF2B5EF4-FFF2-40B4-BE49-F238E27FC236}">
+                <a16:creationId xmlns:a16="http://schemas.microsoft.com/office/drawing/2014/main" id="{5CA0E81E-EB36-F7EF-A310-B1FE006EB5EE}"/>
+              </a:ext>
+            </a:extLst>
+          </p:cNvPr>
+          <p:cNvSpPr>
+            <a:spLocks noGrp="1"/>
+          </p:cNvSpPr>
+          <p:nvPr>
+            <p:ph type="title"/>
+          </p:nvPr>
+        </p:nvSpPr>
+        <p:spPr/>
+        <p:txBody>
+          <a:bodyPr/>
+          <a:lstStyle/>
+          <a:p>
+            <a:r>
+              <a:rPr lang="en-US" dirty="0"/>
+              <a:t>Setup Databricks Community</a:t>
+            </a:r>
+          </a:p>
+        </p:txBody>
+      </p:sp>
+      <p:grpSp>
+        <p:nvGrpSpPr>
+          <p:cNvPr id="10" name="Group 9">
+            <a:extLst>
+              <a:ext uri="{FF2B5EF4-FFF2-40B4-BE49-F238E27FC236}">
+                <a16:creationId xmlns:a16="http://schemas.microsoft.com/office/drawing/2014/main" id="{ACE1FF4C-5933-A2E5-CCF7-B6AE85DE3073}"/>
+              </a:ext>
+            </a:extLst>
+          </p:cNvPr>
+          <p:cNvGrpSpPr/>
+          <p:nvPr/>
+        </p:nvGrpSpPr>
+        <p:grpSpPr>
+          <a:xfrm>
+            <a:off x="3494208" y="2064543"/>
+            <a:ext cx="6016383" cy="6758617"/>
+            <a:chOff x="3494208" y="2064543"/>
+            <a:chExt cx="6016383" cy="6758617"/>
+          </a:xfrm>
+        </p:grpSpPr>
+        <p:pic>
+          <p:nvPicPr>
+            <p:cNvPr id="7" name="Picture 6">
+              <a:extLst>
+                <a:ext uri="{FF2B5EF4-FFF2-40B4-BE49-F238E27FC236}">
+                  <a16:creationId xmlns:a16="http://schemas.microsoft.com/office/drawing/2014/main" id="{17D84044-A16F-4214-91EF-533B73CA2B40}"/>
+                </a:ext>
+              </a:extLst>
+            </p:cNvPr>
+            <p:cNvPicPr>
+              <a:picLocks noChangeAspect="1"/>
+            </p:cNvPicPr>
+            <p:nvPr/>
+          </p:nvPicPr>
+          <p:blipFill>
+            <a:blip r:embed="rId2"/>
+            <a:stretch>
+              <a:fillRect/>
+            </a:stretch>
+          </p:blipFill>
+          <p:spPr>
+            <a:xfrm>
+              <a:off x="3494208" y="2064543"/>
+              <a:ext cx="6016383" cy="6758617"/>
+            </a:xfrm>
+            <a:prstGeom prst="rect">
+              <a:avLst/>
+            </a:prstGeom>
+          </p:spPr>
+        </p:pic>
+        <p:sp>
+          <p:nvSpPr>
+            <p:cNvPr id="9" name="Oval 8">
+              <a:extLst>
+                <a:ext uri="{FF2B5EF4-FFF2-40B4-BE49-F238E27FC236}">
+                  <a16:creationId xmlns:a16="http://schemas.microsoft.com/office/drawing/2014/main" id="{2EB9310D-1D31-8EA2-8BAA-D2477834CC62}"/>
+                </a:ext>
+              </a:extLst>
+            </p:cNvPr>
+            <p:cNvSpPr/>
+            <p:nvPr/>
+          </p:nvSpPr>
+          <p:spPr>
+            <a:xfrm>
+              <a:off x="7522369" y="7643813"/>
+              <a:ext cx="1528762" cy="950118"/>
+            </a:xfrm>
+            <a:prstGeom prst="ellipse">
+              <a:avLst/>
+            </a:prstGeom>
+            <a:noFill/>
+            <a:ln w="76200">
+              <a:solidFill>
+                <a:schemeClr val="accent6"/>
+              </a:solidFill>
+            </a:ln>
+          </p:spPr>
+          <p:style>
+            <a:lnRef idx="2">
+              <a:schemeClr val="accent1">
+                <a:shade val="50000"/>
+              </a:schemeClr>
+            </a:lnRef>
+            <a:fillRef idx="1">
+              <a:schemeClr val="accent1"/>
+            </a:fillRef>
+            <a:effectRef idx="0">
+              <a:schemeClr val="accent1"/>
+            </a:effectRef>
+            <a:fontRef idx="minor">
+              <a:schemeClr val="lt1"/>
+            </a:fontRef>
+          </p:style>
+          <p:txBody>
+            <a:bodyPr rtlCol="0" anchor="ctr"/>
+            <a:lstStyle/>
+            <a:p>
+              <a:pPr algn="ctr"/>
+              <a:endParaRPr lang="en-US"/>
+            </a:p>
+          </p:txBody>
+        </p:sp>
+      </p:grpSp>
+    </p:spTree>
+    <p:extLst>
+      <p:ext uri="{BB962C8B-B14F-4D97-AF65-F5344CB8AC3E}">
+        <p14:creationId xmlns:p14="http://schemas.microsoft.com/office/powerpoint/2010/main" val="1015649786"/>
+      </p:ext>
+    </p:extLst>
+  </p:cSld>
+  <p:clrMapOvr>
+    <a:masterClrMapping/>
+  </p:clrMapOvr>
+</p:sld>
+</file>
+
+<file path=ppt/slides/slide14.xml><?xml version="1.0" encoding="utf-8"?>
+<p:sld xmlns:a="http://schemas.openxmlformats.org/drawingml/2006/main" xmlns:r="http://schemas.openxmlformats.org/officeDocument/2006/relationships" xmlns:p="http://schemas.openxmlformats.org/presentationml/2006/main">
+  <p:cSld>
+    <p:spTree>
+      <p:nvGrpSpPr>
+        <p:cNvPr id="1" name=""/>
+        <p:cNvGrpSpPr/>
+        <p:nvPr/>
+      </p:nvGrpSpPr>
+      <p:grpSpPr>
+        <a:xfrm>
+          <a:off x="0" y="0"/>
+          <a:ext cx="0" cy="0"/>
+          <a:chOff x="0" y="0"/>
+          <a:chExt cx="0" cy="0"/>
+        </a:xfrm>
+      </p:grpSpPr>
+      <p:sp>
+        <p:nvSpPr>
+          <p:cNvPr id="2" name="Text Placeholder 1">
+            <a:extLst>
+              <a:ext uri="{FF2B5EF4-FFF2-40B4-BE49-F238E27FC236}">
+                <a16:creationId xmlns:a16="http://schemas.microsoft.com/office/drawing/2014/main" id="{D046E1A7-E6CE-750B-A1E8-60E037A8BAC5}"/>
+              </a:ext>
+            </a:extLst>
+          </p:cNvPr>
+          <p:cNvSpPr>
+            <a:spLocks noGrp="1"/>
+          </p:cNvSpPr>
+          <p:nvPr>
+            <p:ph type="body" sz="quarter" idx="15"/>
+          </p:nvPr>
+        </p:nvSpPr>
+        <p:spPr/>
+        <p:txBody>
+          <a:bodyPr/>
+          <a:lstStyle/>
+          <a:p>
+            <a:endParaRPr lang="en-US"/>
+          </a:p>
+        </p:txBody>
+      </p:sp>
+      <p:sp>
+        <p:nvSpPr>
+          <p:cNvPr id="3" name="Text Placeholder 2">
+            <a:extLst>
+              <a:ext uri="{FF2B5EF4-FFF2-40B4-BE49-F238E27FC236}">
+                <a16:creationId xmlns:a16="http://schemas.microsoft.com/office/drawing/2014/main" id="{378ECCDB-5969-B31A-B03F-4E076826B87B}"/>
+              </a:ext>
+            </a:extLst>
+          </p:cNvPr>
+          <p:cNvSpPr>
+            <a:spLocks noGrp="1"/>
+          </p:cNvSpPr>
+          <p:nvPr>
+            <p:ph type="body" sz="quarter" idx="17"/>
+          </p:nvPr>
+        </p:nvSpPr>
+        <p:spPr/>
+        <p:txBody>
+          <a:bodyPr/>
+          <a:lstStyle/>
+          <a:p>
+            <a:endParaRPr lang="en-US"/>
+          </a:p>
+        </p:txBody>
+      </p:sp>
+      <p:sp>
+        <p:nvSpPr>
+          <p:cNvPr id="4" name="Text Placeholder 3">
+            <a:extLst>
+              <a:ext uri="{FF2B5EF4-FFF2-40B4-BE49-F238E27FC236}">
+                <a16:creationId xmlns:a16="http://schemas.microsoft.com/office/drawing/2014/main" id="{E30E15C0-FEDC-5D28-85E9-641EF6E6B82A}"/>
+              </a:ext>
+            </a:extLst>
+          </p:cNvPr>
+          <p:cNvSpPr>
+            <a:spLocks noGrp="1"/>
+          </p:cNvSpPr>
+          <p:nvPr>
+            <p:ph type="body" sz="quarter" idx="16"/>
+          </p:nvPr>
+        </p:nvSpPr>
+        <p:spPr/>
+        <p:txBody>
+          <a:bodyPr/>
+          <a:lstStyle/>
+          <a:p>
+            <a:endParaRPr lang="en-US"/>
+          </a:p>
+        </p:txBody>
+      </p:sp>
+      <p:sp>
+        <p:nvSpPr>
+          <p:cNvPr id="5" name="Title 4">
+            <a:extLst>
+              <a:ext uri="{FF2B5EF4-FFF2-40B4-BE49-F238E27FC236}">
+                <a16:creationId xmlns:a16="http://schemas.microsoft.com/office/drawing/2014/main" id="{5CA0E81E-EB36-F7EF-A310-B1FE006EB5EE}"/>
+              </a:ext>
+            </a:extLst>
+          </p:cNvPr>
+          <p:cNvSpPr>
+            <a:spLocks noGrp="1"/>
+          </p:cNvSpPr>
+          <p:nvPr>
+            <p:ph type="title"/>
+          </p:nvPr>
+        </p:nvSpPr>
+        <p:spPr/>
+        <p:txBody>
+          <a:bodyPr/>
+          <a:lstStyle/>
+          <a:p>
+            <a:r>
+              <a:rPr lang="en-US" dirty="0"/>
+              <a:t>Setup Databricks Community</a:t>
+            </a:r>
+          </a:p>
+        </p:txBody>
+      </p:sp>
+      <p:pic>
+        <p:nvPicPr>
+          <p:cNvPr id="8" name="Picture 7">
+            <a:extLst>
+              <a:ext uri="{FF2B5EF4-FFF2-40B4-BE49-F238E27FC236}">
+                <a16:creationId xmlns:a16="http://schemas.microsoft.com/office/drawing/2014/main" id="{AD13B4F9-472C-ADD3-AFCA-463F5B97AD67}"/>
+              </a:ext>
+            </a:extLst>
+          </p:cNvPr>
+          <p:cNvPicPr>
+            <a:picLocks noChangeAspect="1"/>
+          </p:cNvPicPr>
+          <p:nvPr/>
+        </p:nvPicPr>
+        <p:blipFill>
+          <a:blip r:embed="rId2"/>
+          <a:stretch>
+            <a:fillRect/>
+          </a:stretch>
+        </p:blipFill>
+        <p:spPr>
+          <a:xfrm>
+            <a:off x="4560555" y="2137803"/>
+            <a:ext cx="3883690" cy="5965590"/>
+          </a:xfrm>
+          <a:prstGeom prst="rect">
+            <a:avLst/>
+          </a:prstGeom>
+        </p:spPr>
+      </p:pic>
+      <p:sp>
+        <p:nvSpPr>
+          <p:cNvPr id="11" name="Oval 10">
+            <a:extLst>
+              <a:ext uri="{FF2B5EF4-FFF2-40B4-BE49-F238E27FC236}">
+                <a16:creationId xmlns:a16="http://schemas.microsoft.com/office/drawing/2014/main" id="{7C900FAA-835C-23A0-8855-643615C4E330}"/>
+              </a:ext>
+            </a:extLst>
+          </p:cNvPr>
+          <p:cNvSpPr/>
+          <p:nvPr/>
+        </p:nvSpPr>
+        <p:spPr>
+          <a:xfrm>
+            <a:off x="4704312" y="4324175"/>
+            <a:ext cx="1325012" cy="620035"/>
+          </a:xfrm>
+          <a:prstGeom prst="ellipse">
+            <a:avLst/>
+          </a:prstGeom>
+          <a:noFill/>
+          <a:ln w="76200">
+            <a:solidFill>
+              <a:schemeClr val="accent6"/>
+            </a:solidFill>
+          </a:ln>
+        </p:spPr>
+        <p:style>
+          <a:lnRef idx="2">
+            <a:schemeClr val="accent1">
+              <a:shade val="50000"/>
+            </a:schemeClr>
+          </a:lnRef>
+          <a:fillRef idx="1">
+            <a:schemeClr val="accent1"/>
+          </a:fillRef>
+          <a:effectRef idx="0">
+            <a:schemeClr val="accent1"/>
+          </a:effectRef>
+          <a:fontRef idx="minor">
+            <a:schemeClr val="lt1"/>
+          </a:fontRef>
+        </p:style>
+        <p:txBody>
+          <a:bodyPr rtlCol="0" anchor="ctr"/>
+          <a:lstStyle/>
+          <a:p>
+            <a:pPr algn="ctr"/>
+            <a:endParaRPr lang="en-US"/>
+          </a:p>
+        </p:txBody>
+      </p:sp>
+      <p:sp>
+        <p:nvSpPr>
+          <p:cNvPr id="12" name="Oval 11">
+            <a:extLst>
+              <a:ext uri="{FF2B5EF4-FFF2-40B4-BE49-F238E27FC236}">
+                <a16:creationId xmlns:a16="http://schemas.microsoft.com/office/drawing/2014/main" id="{6CC0FFDF-0A9A-F63F-6303-70F59F3FC444}"/>
+              </a:ext>
+            </a:extLst>
+          </p:cNvPr>
+          <p:cNvSpPr/>
+          <p:nvPr/>
+        </p:nvSpPr>
+        <p:spPr>
+          <a:xfrm>
+            <a:off x="4411419" y="3713735"/>
+            <a:ext cx="1325012" cy="620035"/>
+          </a:xfrm>
+          <a:prstGeom prst="ellipse">
+            <a:avLst/>
+          </a:prstGeom>
+          <a:noFill/>
+          <a:ln w="76200">
+            <a:solidFill>
+              <a:schemeClr val="accent6"/>
+            </a:solidFill>
+          </a:ln>
+        </p:spPr>
+        <p:style>
+          <a:lnRef idx="2">
+            <a:schemeClr val="accent1">
+              <a:shade val="50000"/>
+            </a:schemeClr>
+          </a:lnRef>
+          <a:fillRef idx="1">
+            <a:schemeClr val="accent1"/>
+          </a:fillRef>
+          <a:effectRef idx="0">
+            <a:schemeClr val="accent1"/>
+          </a:effectRef>
+          <a:fontRef idx="minor">
+            <a:schemeClr val="lt1"/>
+          </a:fontRef>
+        </p:style>
+        <p:txBody>
+          <a:bodyPr rtlCol="0" anchor="ctr"/>
+          <a:lstStyle/>
+          <a:p>
+            <a:pPr algn="ctr"/>
+            <a:endParaRPr lang="en-US"/>
+          </a:p>
+        </p:txBody>
+      </p:sp>
+    </p:spTree>
+    <p:extLst>
+      <p:ext uri="{BB962C8B-B14F-4D97-AF65-F5344CB8AC3E}">
+        <p14:creationId xmlns:p14="http://schemas.microsoft.com/office/powerpoint/2010/main" val="4271001721"/>
+      </p:ext>
+    </p:extLst>
+  </p:cSld>
+  <p:clrMapOvr>
+    <a:masterClrMapping/>
+  </p:clrMapOvr>
+</p:sld>
+</file>
+
+<file path=ppt/slides/slide15.xml><?xml version="1.0" encoding="utf-8"?>
+<p:sld xmlns:a="http://schemas.openxmlformats.org/drawingml/2006/main" xmlns:r="http://schemas.openxmlformats.org/officeDocument/2006/relationships" xmlns:p="http://schemas.openxmlformats.org/presentationml/2006/main">
+  <p:cSld>
+    <p:spTree>
+      <p:nvGrpSpPr>
+        <p:cNvPr id="1" name=""/>
+        <p:cNvGrpSpPr/>
+        <p:nvPr/>
+      </p:nvGrpSpPr>
+      <p:grpSpPr>
+        <a:xfrm>
+          <a:off x="0" y="0"/>
+          <a:ext cx="0" cy="0"/>
+          <a:chOff x="0" y="0"/>
+          <a:chExt cx="0" cy="0"/>
+        </a:xfrm>
+      </p:grpSpPr>
+      <p:pic>
+        <p:nvPicPr>
+          <p:cNvPr id="7" name="Picture 6">
+            <a:extLst>
+              <a:ext uri="{FF2B5EF4-FFF2-40B4-BE49-F238E27FC236}">
+                <a16:creationId xmlns:a16="http://schemas.microsoft.com/office/drawing/2014/main" id="{28DB1D77-A3DA-D4B4-57AF-A2D1772D5718}"/>
+              </a:ext>
+            </a:extLst>
+          </p:cNvPr>
+          <p:cNvPicPr>
+            <a:picLocks noChangeAspect="1"/>
+          </p:cNvPicPr>
+          <p:nvPr/>
+        </p:nvPicPr>
+        <p:blipFill>
+          <a:blip r:embed="rId2"/>
+          <a:stretch>
+            <a:fillRect/>
+          </a:stretch>
+        </p:blipFill>
+        <p:spPr>
+          <a:xfrm>
+            <a:off x="4361684" y="2100263"/>
+            <a:ext cx="3721612" cy="6646067"/>
+          </a:xfrm>
+          <a:prstGeom prst="rect">
+            <a:avLst/>
+          </a:prstGeom>
+        </p:spPr>
+      </p:pic>
+      <p:sp>
+        <p:nvSpPr>
+          <p:cNvPr id="2" name="Text Placeholder 1">
+            <a:extLst>
+              <a:ext uri="{FF2B5EF4-FFF2-40B4-BE49-F238E27FC236}">
+                <a16:creationId xmlns:a16="http://schemas.microsoft.com/office/drawing/2014/main" id="{D046E1A7-E6CE-750B-A1E8-60E037A8BAC5}"/>
+              </a:ext>
+            </a:extLst>
+          </p:cNvPr>
+          <p:cNvSpPr>
+            <a:spLocks noGrp="1"/>
+          </p:cNvSpPr>
+          <p:nvPr>
+            <p:ph type="body" sz="quarter" idx="15"/>
+          </p:nvPr>
+        </p:nvSpPr>
+        <p:spPr/>
+        <p:txBody>
+          <a:bodyPr/>
+          <a:lstStyle/>
+          <a:p>
+            <a:endParaRPr lang="en-US"/>
+          </a:p>
+        </p:txBody>
+      </p:sp>
+      <p:sp>
+        <p:nvSpPr>
+          <p:cNvPr id="3" name="Text Placeholder 2">
+            <a:extLst>
+              <a:ext uri="{FF2B5EF4-FFF2-40B4-BE49-F238E27FC236}">
+                <a16:creationId xmlns:a16="http://schemas.microsoft.com/office/drawing/2014/main" id="{378ECCDB-5969-B31A-B03F-4E076826B87B}"/>
+              </a:ext>
+            </a:extLst>
+          </p:cNvPr>
+          <p:cNvSpPr>
+            <a:spLocks noGrp="1"/>
+          </p:cNvSpPr>
+          <p:nvPr>
+            <p:ph type="body" sz="quarter" idx="17"/>
+          </p:nvPr>
+        </p:nvSpPr>
+        <p:spPr/>
+        <p:txBody>
+          <a:bodyPr/>
+          <a:lstStyle/>
+          <a:p>
+            <a:endParaRPr lang="en-US"/>
+          </a:p>
+        </p:txBody>
+      </p:sp>
+      <p:sp>
+        <p:nvSpPr>
+          <p:cNvPr id="4" name="Text Placeholder 3">
+            <a:extLst>
+              <a:ext uri="{FF2B5EF4-FFF2-40B4-BE49-F238E27FC236}">
+                <a16:creationId xmlns:a16="http://schemas.microsoft.com/office/drawing/2014/main" id="{E30E15C0-FEDC-5D28-85E9-641EF6E6B82A}"/>
+              </a:ext>
+            </a:extLst>
+          </p:cNvPr>
+          <p:cNvSpPr>
+            <a:spLocks noGrp="1"/>
+          </p:cNvSpPr>
+          <p:nvPr>
+            <p:ph type="body" sz="quarter" idx="16"/>
+          </p:nvPr>
+        </p:nvSpPr>
+        <p:spPr/>
+        <p:txBody>
+          <a:bodyPr/>
+          <a:lstStyle/>
+          <a:p>
+            <a:endParaRPr lang="en-US"/>
+          </a:p>
+        </p:txBody>
+      </p:sp>
+      <p:sp>
+        <p:nvSpPr>
+          <p:cNvPr id="5" name="Title 4">
+            <a:extLst>
+              <a:ext uri="{FF2B5EF4-FFF2-40B4-BE49-F238E27FC236}">
+                <a16:creationId xmlns:a16="http://schemas.microsoft.com/office/drawing/2014/main" id="{5CA0E81E-EB36-F7EF-A310-B1FE006EB5EE}"/>
+              </a:ext>
+            </a:extLst>
+          </p:cNvPr>
+          <p:cNvSpPr>
+            <a:spLocks noGrp="1"/>
+          </p:cNvSpPr>
+          <p:nvPr>
+            <p:ph type="title"/>
+          </p:nvPr>
+        </p:nvSpPr>
+        <p:spPr/>
+        <p:txBody>
+          <a:bodyPr/>
+          <a:lstStyle/>
+          <a:p>
+            <a:r>
+              <a:rPr lang="en-US" dirty="0"/>
+              <a:t>Setup Databricks Community</a:t>
+            </a:r>
+          </a:p>
+        </p:txBody>
+      </p:sp>
+      <p:sp>
+        <p:nvSpPr>
+          <p:cNvPr id="11" name="Oval 10">
+            <a:extLst>
+              <a:ext uri="{FF2B5EF4-FFF2-40B4-BE49-F238E27FC236}">
+                <a16:creationId xmlns:a16="http://schemas.microsoft.com/office/drawing/2014/main" id="{7C900FAA-835C-23A0-8855-643615C4E330}"/>
+              </a:ext>
+            </a:extLst>
+          </p:cNvPr>
+          <p:cNvSpPr/>
+          <p:nvPr/>
+        </p:nvSpPr>
+        <p:spPr>
+          <a:xfrm>
+            <a:off x="4704312" y="7117381"/>
+            <a:ext cx="2382288" cy="776463"/>
+          </a:xfrm>
+          <a:prstGeom prst="ellipse">
+            <a:avLst/>
+          </a:prstGeom>
+          <a:noFill/>
+          <a:ln w="76200">
+            <a:solidFill>
+              <a:schemeClr val="accent6"/>
+            </a:solidFill>
+          </a:ln>
+        </p:spPr>
+        <p:style>
+          <a:lnRef idx="2">
+            <a:schemeClr val="accent1">
+              <a:shade val="50000"/>
+            </a:schemeClr>
+          </a:lnRef>
+          <a:fillRef idx="1">
+            <a:schemeClr val="accent1"/>
+          </a:fillRef>
+          <a:effectRef idx="0">
+            <a:schemeClr val="accent1"/>
+          </a:effectRef>
+          <a:fontRef idx="minor">
+            <a:schemeClr val="lt1"/>
+          </a:fontRef>
+        </p:style>
+        <p:txBody>
+          <a:bodyPr rtlCol="0" anchor="ctr"/>
+          <a:lstStyle/>
+          <a:p>
+            <a:pPr algn="ctr"/>
+            <a:endParaRPr lang="en-US"/>
+          </a:p>
+        </p:txBody>
+      </p:sp>
+      <p:sp>
+        <p:nvSpPr>
+          <p:cNvPr id="9" name="TextBox 8">
+            <a:extLst>
+              <a:ext uri="{FF2B5EF4-FFF2-40B4-BE49-F238E27FC236}">
+                <a16:creationId xmlns:a16="http://schemas.microsoft.com/office/drawing/2014/main" id="{6267FDC7-1EB8-10D6-49C8-46134A3C4B00}"/>
+              </a:ext>
+            </a:extLst>
+          </p:cNvPr>
+          <p:cNvSpPr txBox="1"/>
+          <p:nvPr/>
+        </p:nvSpPr>
+        <p:spPr>
+          <a:xfrm>
+            <a:off x="8876972" y="6815138"/>
+            <a:ext cx="2334292" cy="369332"/>
+          </a:xfrm>
+          <a:prstGeom prst="rect">
+            <a:avLst/>
+          </a:prstGeom>
+          <a:noFill/>
+        </p:spPr>
+        <p:txBody>
+          <a:bodyPr wrap="none" rtlCol="0">
+            <a:spAutoFit/>
+          </a:bodyPr>
+          <a:lstStyle/>
+          <a:p>
+            <a:r>
+              <a:rPr lang="en-US" b="0" dirty="0">
+                <a:latin typeface="Avenir Black"/>
+              </a:rPr>
+              <a:t>… and open your email</a:t>
+            </a:r>
+          </a:p>
+        </p:txBody>
+      </p:sp>
+    </p:spTree>
+    <p:extLst>
+      <p:ext uri="{BB962C8B-B14F-4D97-AF65-F5344CB8AC3E}">
+        <p14:creationId xmlns:p14="http://schemas.microsoft.com/office/powerpoint/2010/main" val="3508673321"/>
+      </p:ext>
+    </p:extLst>
+  </p:cSld>
+  <p:clrMapOvr>
+    <a:masterClrMapping/>
+  </p:clrMapOvr>
+</p:sld>
+</file>
+
+<file path=ppt/slides/slide16.xml><?xml version="1.0" encoding="utf-8"?>
+<p:sld xmlns:a="http://schemas.openxmlformats.org/drawingml/2006/main" xmlns:r="http://schemas.openxmlformats.org/officeDocument/2006/relationships" xmlns:p="http://schemas.openxmlformats.org/presentationml/2006/main">
+  <p:cSld>
+    <p:spTree>
+      <p:nvGrpSpPr>
+        <p:cNvPr id="1" name=""/>
+        <p:cNvGrpSpPr/>
+        <p:nvPr/>
+      </p:nvGrpSpPr>
+      <p:grpSpPr>
+        <a:xfrm>
+          <a:off x="0" y="0"/>
+          <a:ext cx="0" cy="0"/>
+          <a:chOff x="0" y="0"/>
+          <a:chExt cx="0" cy="0"/>
+        </a:xfrm>
+      </p:grpSpPr>
+      <p:sp>
+        <p:nvSpPr>
+          <p:cNvPr id="2" name="Text Placeholder 1">
+            <a:extLst>
+              <a:ext uri="{FF2B5EF4-FFF2-40B4-BE49-F238E27FC236}">
+                <a16:creationId xmlns:a16="http://schemas.microsoft.com/office/drawing/2014/main" id="{65BFF98B-858A-4CFE-5DB0-03A4BEB534B2}"/>
+              </a:ext>
+            </a:extLst>
+          </p:cNvPr>
+          <p:cNvSpPr>
+            <a:spLocks noGrp="1"/>
+          </p:cNvSpPr>
+          <p:nvPr>
+            <p:ph type="body" sz="quarter" idx="15"/>
+          </p:nvPr>
+        </p:nvSpPr>
+        <p:spPr/>
+        <p:txBody>
+          <a:bodyPr/>
+          <a:lstStyle/>
+          <a:p>
+            <a:endParaRPr lang="en-US"/>
+          </a:p>
+        </p:txBody>
+      </p:sp>
+      <p:sp>
+        <p:nvSpPr>
+          <p:cNvPr id="3" name="Text Placeholder 2">
+            <a:extLst>
+              <a:ext uri="{FF2B5EF4-FFF2-40B4-BE49-F238E27FC236}">
+                <a16:creationId xmlns:a16="http://schemas.microsoft.com/office/drawing/2014/main" id="{32DE2DC7-1989-646D-8801-82A0CB37AD5A}"/>
+              </a:ext>
+            </a:extLst>
+          </p:cNvPr>
+          <p:cNvSpPr>
+            <a:spLocks noGrp="1"/>
+          </p:cNvSpPr>
+          <p:nvPr>
+            <p:ph type="body" sz="quarter" idx="17"/>
+          </p:nvPr>
+        </p:nvSpPr>
+        <p:spPr/>
+        <p:txBody>
+          <a:bodyPr/>
+          <a:lstStyle/>
+          <a:p>
+            <a:endParaRPr lang="en-US"/>
+          </a:p>
+        </p:txBody>
+      </p:sp>
+      <p:sp>
+        <p:nvSpPr>
+          <p:cNvPr id="4" name="Text Placeholder 3">
+            <a:extLst>
+              <a:ext uri="{FF2B5EF4-FFF2-40B4-BE49-F238E27FC236}">
+                <a16:creationId xmlns:a16="http://schemas.microsoft.com/office/drawing/2014/main" id="{28B08E89-DCD8-8779-AB8F-59449010C42C}"/>
+              </a:ext>
+            </a:extLst>
+          </p:cNvPr>
+          <p:cNvSpPr>
+            <a:spLocks noGrp="1"/>
+          </p:cNvSpPr>
+          <p:nvPr>
+            <p:ph type="body" sz="quarter" idx="16"/>
+          </p:nvPr>
+        </p:nvSpPr>
+        <p:spPr/>
+        <p:txBody>
+          <a:bodyPr/>
+          <a:lstStyle/>
+          <a:p>
+            <a:endParaRPr lang="en-US"/>
+          </a:p>
+        </p:txBody>
+      </p:sp>
+      <p:sp>
+        <p:nvSpPr>
+          <p:cNvPr id="5" name="Title 4">
+            <a:extLst>
+              <a:ext uri="{FF2B5EF4-FFF2-40B4-BE49-F238E27FC236}">
+                <a16:creationId xmlns:a16="http://schemas.microsoft.com/office/drawing/2014/main" id="{B46871AD-072B-A585-A134-997FB319D572}"/>
+              </a:ext>
+            </a:extLst>
+          </p:cNvPr>
+          <p:cNvSpPr>
+            <a:spLocks noGrp="1"/>
+          </p:cNvSpPr>
+          <p:nvPr>
+            <p:ph type="title"/>
+          </p:nvPr>
+        </p:nvSpPr>
+        <p:spPr/>
+        <p:txBody>
+          <a:bodyPr/>
+          <a:lstStyle/>
+          <a:p>
+            <a:r>
+              <a:rPr lang="en-US" dirty="0"/>
+              <a:t>Our first coding session…</a:t>
+            </a:r>
+          </a:p>
+        </p:txBody>
+      </p:sp>
+      <p:sp>
+        <p:nvSpPr>
+          <p:cNvPr id="6" name="Content Placeholder 5">
+            <a:extLst>
+              <a:ext uri="{FF2B5EF4-FFF2-40B4-BE49-F238E27FC236}">
+                <a16:creationId xmlns:a16="http://schemas.microsoft.com/office/drawing/2014/main" id="{4A34C27A-6DE0-D887-D260-A6C96B21681E}"/>
+              </a:ext>
+            </a:extLst>
+          </p:cNvPr>
+          <p:cNvSpPr>
+            <a:spLocks noGrp="1"/>
+          </p:cNvSpPr>
+          <p:nvPr>
+            <p:ph idx="1"/>
+          </p:nvPr>
+        </p:nvSpPr>
+        <p:spPr/>
+        <p:txBody>
+          <a:bodyPr/>
+          <a:lstStyle/>
+          <a:p>
+            <a:pPr marL="0" indent="0">
+              <a:buNone/>
+            </a:pPr>
+            <a:r>
+              <a:rPr lang="en-US" dirty="0"/>
+              <a:t>… an introduction to Databricks</a:t>
+            </a:r>
+          </a:p>
+        </p:txBody>
+      </p:sp>
+    </p:spTree>
+    <p:extLst>
+      <p:ext uri="{BB962C8B-B14F-4D97-AF65-F5344CB8AC3E}">
+        <p14:creationId xmlns:p14="http://schemas.microsoft.com/office/powerpoint/2010/main" val="2484084716"/>
+      </p:ext>
+    </p:extLst>
+  </p:cSld>
+  <p:clrMapOvr>
+    <a:masterClrMapping/>
+  </p:clrMapOvr>
+</p:sld>
+</file>
+
 <file path=ppt/slides/slide2.xml><?xml version="1.0" encoding="utf-8"?>
 <p:sld xmlns:a="http://schemas.openxmlformats.org/drawingml/2006/main" xmlns:r="http://schemas.openxmlformats.org/officeDocument/2006/relationships" xmlns:p="http://schemas.openxmlformats.org/presentationml/2006/main">
   <p:cSld>
@@ -3101,13 +5015,20 @@
             </a:r>
             <a:r>
               <a:rPr lang="en-US" dirty="0"/>
-              <a:t>: 28 </a:t>
-            </a:r>
-            <a:r>
-              <a:rPr lang="en-US" dirty="0" err="1"/>
+              <a:t>: </a:t>
+            </a:r>
+            <a:r>
+              <a:rPr lang="en-US" strike="sngStrike" dirty="0"/>
+              <a:t>28 </a:t>
+            </a:r>
+            <a:r>
+              <a:rPr lang="en-US" strike="sngStrike" dirty="0" err="1"/>
               <a:t>settembre</a:t>
             </a:r>
-            <a:endParaRPr lang="en-US" dirty="0"/>
+            <a:r>
+              <a:rPr lang="en-US" dirty="0"/>
+              <a:t> TBD</a:t>
+            </a:r>
           </a:p>
           <a:p>
             <a:r>
@@ -3116,13 +5037,20 @@
             </a:r>
             <a:r>
               <a:rPr lang="en-US" dirty="0"/>
-              <a:t> finale: 8 </a:t>
-            </a:r>
-            <a:r>
-              <a:rPr lang="en-US" dirty="0" err="1"/>
+              <a:t> finale: </a:t>
+            </a:r>
+            <a:r>
+              <a:rPr lang="en-US" strike="sngStrike" dirty="0"/>
+              <a:t>8 </a:t>
+            </a:r>
+            <a:r>
+              <a:rPr lang="en-US" strike="sngStrike" dirty="0" err="1"/>
               <a:t>novembre</a:t>
             </a:r>
-            <a:endParaRPr lang="en-US" dirty="0"/>
+            <a:r>
+              <a:rPr lang="en-US" dirty="0"/>
+              <a:t> TBD</a:t>
+            </a:r>
           </a:p>
           <a:p>
             <a:endParaRPr lang="en-US" dirty="0"/>
@@ -3368,13 +5296,7 @@
           <a:p>
             <a:r>
               <a:rPr lang="en-US" dirty="0"/>
-              <a:t>Slide: Google Drive</a:t>
-            </a:r>
-          </a:p>
-          <a:p>
-            <a:r>
-              <a:rPr lang="en-US" dirty="0"/>
-              <a:t>Notebook: </a:t>
+              <a:t>Slide and Notebook: </a:t>
             </a:r>
             <a:r>
               <a:rPr lang="en-US" dirty="0">
@@ -3448,7 +5370,7 @@
           <p:cNvPr id="2" name="Text Placeholder 1">
             <a:extLst>
               <a:ext uri="{FF2B5EF4-FFF2-40B4-BE49-F238E27FC236}">
-                <a16:creationId xmlns:a16="http://schemas.microsoft.com/office/drawing/2014/main" id="{F497C07E-69D4-4D36-BE7A-BAEE84B5885F}"/>
+                <a16:creationId xmlns:a16="http://schemas.microsoft.com/office/drawing/2014/main" id="{041C65A8-4FFD-AB34-62B2-396A6952D9A0}"/>
               </a:ext>
             </a:extLst>
           </p:cNvPr>
@@ -3473,7 +5395,7 @@
           <p:cNvPr id="3" name="Text Placeholder 2">
             <a:extLst>
               <a:ext uri="{FF2B5EF4-FFF2-40B4-BE49-F238E27FC236}">
-                <a16:creationId xmlns:a16="http://schemas.microsoft.com/office/drawing/2014/main" id="{239E356C-4B59-B08B-E37E-D1A51374DC89}"/>
+                <a16:creationId xmlns:a16="http://schemas.microsoft.com/office/drawing/2014/main" id="{8345283F-BE36-D39B-AB95-083F52032B95}"/>
               </a:ext>
             </a:extLst>
           </p:cNvPr>
@@ -3498,7 +5420,7 @@
           <p:cNvPr id="4" name="Text Placeholder 3">
             <a:extLst>
               <a:ext uri="{FF2B5EF4-FFF2-40B4-BE49-F238E27FC236}">
-                <a16:creationId xmlns:a16="http://schemas.microsoft.com/office/drawing/2014/main" id="{F894F117-F45A-9ED3-7A0F-C8F9614E8749}"/>
+                <a16:creationId xmlns:a16="http://schemas.microsoft.com/office/drawing/2014/main" id="{269A7DC9-C969-3C7E-A5F2-205A45828881}"/>
               </a:ext>
             </a:extLst>
           </p:cNvPr>
@@ -3523,7 +5445,7 @@
           <p:cNvPr id="5" name="Title 4">
             <a:extLst>
               <a:ext uri="{FF2B5EF4-FFF2-40B4-BE49-F238E27FC236}">
-                <a16:creationId xmlns:a16="http://schemas.microsoft.com/office/drawing/2014/main" id="{84EADD98-433E-68B9-F2E8-E8D35A9468C5}"/>
+                <a16:creationId xmlns:a16="http://schemas.microsoft.com/office/drawing/2014/main" id="{D5B504F6-F09A-7AEA-70F7-63B9D4356AD4}"/>
               </a:ext>
             </a:extLst>
           </p:cNvPr>
@@ -3540,12 +5462,8 @@
           <a:lstStyle/>
           <a:p>
             <a:r>
-              <a:rPr lang="en-US" dirty="0">
-                <a:highlight>
-                  <a:srgbClr val="FFFF00"/>
-                </a:highlight>
-              </a:rPr>
-              <a:t>SPARK INTRO PYTHON BIELLA</a:t>
+              <a:rPr lang="en-US" dirty="0"/>
+              <a:t>About me</a:t>
             </a:r>
           </a:p>
         </p:txBody>
@@ -3555,7 +5473,7 @@
           <p:cNvPr id="6" name="Content Placeholder 5">
             <a:extLst>
               <a:ext uri="{FF2B5EF4-FFF2-40B4-BE49-F238E27FC236}">
-                <a16:creationId xmlns:a16="http://schemas.microsoft.com/office/drawing/2014/main" id="{765F173F-3C72-A418-7E91-349DC5A0ECC2}"/>
+                <a16:creationId xmlns:a16="http://schemas.microsoft.com/office/drawing/2014/main" id="{A78FCC9B-D81F-6D3E-4C66-D644E46DEDFD}"/>
               </a:ext>
             </a:extLst>
           </p:cNvPr>
@@ -3566,25 +5484,3669 @@
             <p:ph idx="1"/>
           </p:nvPr>
         </p:nvSpPr>
-        <p:spPr/>
+        <p:spPr>
+          <a:xfrm>
+            <a:off x="893763" y="2645563"/>
+            <a:ext cx="5608637" cy="896677"/>
+          </a:xfrm>
+        </p:spPr>
         <p:txBody>
           <a:bodyPr/>
           <a:lstStyle/>
           <a:p>
-            <a:endParaRPr lang="en-US"/>
+            <a:pPr marL="0" indent="0">
+              <a:buNone/>
+            </a:pPr>
+            <a:r>
+              <a:rPr lang="en-US" dirty="0"/>
+              <a:t>Head of Data at</a:t>
+            </a:r>
           </a:p>
         </p:txBody>
       </p:sp>
+      <p:pic>
+        <p:nvPicPr>
+          <p:cNvPr id="7" name="Picture 2">
+            <a:extLst>
+              <a:ext uri="{FF2B5EF4-FFF2-40B4-BE49-F238E27FC236}">
+                <a16:creationId xmlns:a16="http://schemas.microsoft.com/office/drawing/2014/main" id="{247969C7-3673-8F5A-154C-F3B592414859}"/>
+              </a:ext>
+            </a:extLst>
+          </p:cNvPr>
+          <p:cNvPicPr>
+            <a:picLocks noChangeAspect="1" noChangeArrowheads="1"/>
+          </p:cNvPicPr>
+          <p:nvPr/>
+        </p:nvPicPr>
+        <p:blipFill>
+          <a:blip r:embed="rId2" cstate="print">
+            <a:extLst>
+              <a:ext uri="{28A0092B-C50C-407E-A947-70E740481C1C}">
+                <a14:useLocalDpi xmlns:a14="http://schemas.microsoft.com/office/drawing/2010/main" val="0"/>
+              </a:ext>
+            </a:extLst>
+          </a:blip>
+          <a:srcRect/>
+          <a:stretch>
+            <a:fillRect/>
+          </a:stretch>
+        </p:blipFill>
+        <p:spPr bwMode="auto">
+          <a:xfrm>
+            <a:off x="893763" y="3306781"/>
+            <a:ext cx="4449336" cy="2052257"/>
+          </a:xfrm>
+          <a:prstGeom prst="rect">
+            <a:avLst/>
+          </a:prstGeom>
+          <a:noFill/>
+          <a:extLst>
+            <a:ext uri="{909E8E84-426E-40DD-AFC4-6F175D3DCCD1}">
+              <a14:hiddenFill xmlns:a14="http://schemas.microsoft.com/office/drawing/2010/main">
+                <a:solidFill>
+                  <a:srgbClr val="FFFFFF"/>
+                </a:solidFill>
+              </a14:hiddenFill>
+            </a:ext>
+          </a:extLst>
+        </p:spPr>
+      </p:pic>
+      <p:pic>
+        <p:nvPicPr>
+          <p:cNvPr id="10" name="Picture 9" descr="Icon&#10;&#10;Description automatically generated">
+            <a:extLst>
+              <a:ext uri="{FF2B5EF4-FFF2-40B4-BE49-F238E27FC236}">
+                <a16:creationId xmlns:a16="http://schemas.microsoft.com/office/drawing/2014/main" id="{D17A5403-5CBA-690C-915B-4AEFF41D196B}"/>
+              </a:ext>
+            </a:extLst>
+          </p:cNvPr>
+          <p:cNvPicPr>
+            <a:picLocks noChangeAspect="1"/>
+          </p:cNvPicPr>
+          <p:nvPr/>
+        </p:nvPicPr>
+        <p:blipFill>
+          <a:blip r:embed="rId3" cstate="print">
+            <a:extLst>
+              <a:ext uri="{28A0092B-C50C-407E-A947-70E740481C1C}">
+                <a14:useLocalDpi xmlns:a14="http://schemas.microsoft.com/office/drawing/2010/main" val="0"/>
+              </a:ext>
+            </a:extLst>
+          </a:blip>
+          <a:stretch>
+            <a:fillRect/>
+          </a:stretch>
+        </p:blipFill>
+        <p:spPr>
+          <a:xfrm>
+            <a:off x="3373206" y="2709795"/>
+            <a:ext cx="1039250" cy="311691"/>
+          </a:xfrm>
+          <a:prstGeom prst="rect">
+            <a:avLst/>
+          </a:prstGeom>
+        </p:spPr>
+      </p:pic>
+      <p:grpSp>
+        <p:nvGrpSpPr>
+          <p:cNvPr id="15" name="Group 14">
+            <a:extLst>
+              <a:ext uri="{FF2B5EF4-FFF2-40B4-BE49-F238E27FC236}">
+                <a16:creationId xmlns:a16="http://schemas.microsoft.com/office/drawing/2014/main" id="{95301720-0A2F-2B65-C71B-C9D6D95E254B}"/>
+              </a:ext>
+            </a:extLst>
+          </p:cNvPr>
+          <p:cNvGrpSpPr/>
+          <p:nvPr/>
+        </p:nvGrpSpPr>
+        <p:grpSpPr>
+          <a:xfrm>
+            <a:off x="6502400" y="2597150"/>
+            <a:ext cx="5608637" cy="5079264"/>
+            <a:chOff x="6502400" y="2597150"/>
+            <a:chExt cx="5608637" cy="5079264"/>
+          </a:xfrm>
+        </p:grpSpPr>
+        <p:sp>
+          <p:nvSpPr>
+            <p:cNvPr id="8" name="Content Placeholder 5">
+              <a:extLst>
+                <a:ext uri="{FF2B5EF4-FFF2-40B4-BE49-F238E27FC236}">
+                  <a16:creationId xmlns:a16="http://schemas.microsoft.com/office/drawing/2014/main" id="{2C4FEB6E-51FB-7756-3F71-52D99C06D52E}"/>
+                </a:ext>
+              </a:extLst>
+            </p:cNvPr>
+            <p:cNvSpPr txBox="1">
+              <a:spLocks/>
+            </p:cNvSpPr>
+            <p:nvPr/>
+          </p:nvSpPr>
+          <p:spPr>
+            <a:xfrm>
+              <a:off x="6502400" y="2597150"/>
+              <a:ext cx="5608637" cy="896677"/>
+            </a:xfrm>
+            <a:prstGeom prst="rect">
+              <a:avLst/>
+            </a:prstGeom>
+          </p:spPr>
+          <p:txBody>
+            <a:bodyPr vert="horz" lIns="91440" tIns="45720" rIns="91440" bIns="45720" rtlCol="0">
+              <a:normAutofit/>
+            </a:bodyPr>
+            <a:lstStyle>
+              <a:lvl1pPr marL="228600" indent="-228600" algn="l" defTabSz="914400" rtl="0" eaLnBrk="1" latinLnBrk="0" hangingPunct="1">
+                <a:lnSpc>
+                  <a:spcPct val="90000"/>
+                </a:lnSpc>
+                <a:spcBef>
+                  <a:spcPts val="1000"/>
+                </a:spcBef>
+                <a:buFont typeface="Arial" panose="020B0604020202020204" pitchFamily="34" charset="0"/>
+                <a:buChar char="•"/>
+                <a:defRPr sz="2800" kern="1200">
+                  <a:solidFill>
+                    <a:schemeClr val="tx1"/>
+                  </a:solidFill>
+                  <a:latin typeface="Avenir Black"/>
+                  <a:ea typeface="+mn-ea"/>
+                  <a:cs typeface="+mn-cs"/>
+                </a:defRPr>
+              </a:lvl1pPr>
+              <a:lvl2pPr marL="685800" indent="-228600" algn="l" defTabSz="914400" rtl="0" eaLnBrk="1" latinLnBrk="0" hangingPunct="1">
+                <a:lnSpc>
+                  <a:spcPct val="90000"/>
+                </a:lnSpc>
+                <a:spcBef>
+                  <a:spcPts val="500"/>
+                </a:spcBef>
+                <a:buFont typeface="Arial" panose="020B0604020202020204" pitchFamily="34" charset="0"/>
+                <a:buChar char="•"/>
+                <a:defRPr sz="2400" kern="1200">
+                  <a:solidFill>
+                    <a:schemeClr val="tx1"/>
+                  </a:solidFill>
+                  <a:latin typeface="Avenir Black"/>
+                  <a:ea typeface="+mn-ea"/>
+                  <a:cs typeface="+mn-cs"/>
+                </a:defRPr>
+              </a:lvl2pPr>
+              <a:lvl3pPr marL="1143000" indent="-228600" algn="l" defTabSz="914400" rtl="0" eaLnBrk="1" latinLnBrk="0" hangingPunct="1">
+                <a:lnSpc>
+                  <a:spcPct val="90000"/>
+                </a:lnSpc>
+                <a:spcBef>
+                  <a:spcPts val="500"/>
+                </a:spcBef>
+                <a:buFont typeface="Arial" panose="020B0604020202020204" pitchFamily="34" charset="0"/>
+                <a:buChar char="•"/>
+                <a:defRPr sz="2000" kern="1200">
+                  <a:solidFill>
+                    <a:schemeClr val="tx1"/>
+                  </a:solidFill>
+                  <a:latin typeface="Avenir Black"/>
+                  <a:ea typeface="+mn-ea"/>
+                  <a:cs typeface="+mn-cs"/>
+                </a:defRPr>
+              </a:lvl3pPr>
+              <a:lvl4pPr marL="1600200" indent="-228600" algn="l" defTabSz="914400" rtl="0" eaLnBrk="1" latinLnBrk="0" hangingPunct="1">
+                <a:lnSpc>
+                  <a:spcPct val="90000"/>
+                </a:lnSpc>
+                <a:spcBef>
+                  <a:spcPts val="500"/>
+                </a:spcBef>
+                <a:buFont typeface="Arial" panose="020B0604020202020204" pitchFamily="34" charset="0"/>
+                <a:buChar char="•"/>
+                <a:defRPr sz="1800" kern="1200">
+                  <a:solidFill>
+                    <a:schemeClr val="tx1"/>
+                  </a:solidFill>
+                  <a:latin typeface="Avenir Black"/>
+                  <a:ea typeface="+mn-ea"/>
+                  <a:cs typeface="+mn-cs"/>
+                </a:defRPr>
+              </a:lvl4pPr>
+              <a:lvl5pPr marL="2057400" indent="-228600" algn="l" defTabSz="914400" rtl="0" eaLnBrk="1" latinLnBrk="0" hangingPunct="1">
+                <a:lnSpc>
+                  <a:spcPct val="90000"/>
+                </a:lnSpc>
+                <a:spcBef>
+                  <a:spcPts val="500"/>
+                </a:spcBef>
+                <a:buFont typeface="Arial" panose="020B0604020202020204" pitchFamily="34" charset="0"/>
+                <a:buChar char="•"/>
+                <a:defRPr sz="1800" kern="1200">
+                  <a:solidFill>
+                    <a:schemeClr val="tx1"/>
+                  </a:solidFill>
+                  <a:latin typeface="Avenir Black"/>
+                  <a:ea typeface="+mn-ea"/>
+                  <a:cs typeface="+mn-cs"/>
+                </a:defRPr>
+              </a:lvl5pPr>
+              <a:lvl6pPr marL="2514600" indent="-228600" algn="l" defTabSz="914400" rtl="0" eaLnBrk="1" latinLnBrk="0" hangingPunct="1">
+                <a:lnSpc>
+                  <a:spcPct val="90000"/>
+                </a:lnSpc>
+                <a:spcBef>
+                  <a:spcPts val="500"/>
+                </a:spcBef>
+                <a:buFont typeface="Arial" panose="020B0604020202020204" pitchFamily="34" charset="0"/>
+                <a:buChar char="•"/>
+                <a:defRPr sz="1800" kern="1200">
+                  <a:solidFill>
+                    <a:schemeClr val="tx1"/>
+                  </a:solidFill>
+                  <a:latin typeface="+mn-lt"/>
+                  <a:ea typeface="+mn-ea"/>
+                  <a:cs typeface="+mn-cs"/>
+                </a:defRPr>
+              </a:lvl6pPr>
+              <a:lvl7pPr marL="2971800" indent="-228600" algn="l" defTabSz="914400" rtl="0" eaLnBrk="1" latinLnBrk="0" hangingPunct="1">
+                <a:lnSpc>
+                  <a:spcPct val="90000"/>
+                </a:lnSpc>
+                <a:spcBef>
+                  <a:spcPts val="500"/>
+                </a:spcBef>
+                <a:buFont typeface="Arial" panose="020B0604020202020204" pitchFamily="34" charset="0"/>
+                <a:buChar char="•"/>
+                <a:defRPr sz="1800" kern="1200">
+                  <a:solidFill>
+                    <a:schemeClr val="tx1"/>
+                  </a:solidFill>
+                  <a:latin typeface="+mn-lt"/>
+                  <a:ea typeface="+mn-ea"/>
+                  <a:cs typeface="+mn-cs"/>
+                </a:defRPr>
+              </a:lvl7pPr>
+              <a:lvl8pPr marL="3429000" indent="-228600" algn="l" defTabSz="914400" rtl="0" eaLnBrk="1" latinLnBrk="0" hangingPunct="1">
+                <a:lnSpc>
+                  <a:spcPct val="90000"/>
+                </a:lnSpc>
+                <a:spcBef>
+                  <a:spcPts val="500"/>
+                </a:spcBef>
+                <a:buFont typeface="Arial" panose="020B0604020202020204" pitchFamily="34" charset="0"/>
+                <a:buChar char="•"/>
+                <a:defRPr sz="1800" kern="1200">
+                  <a:solidFill>
+                    <a:schemeClr val="tx1"/>
+                  </a:solidFill>
+                  <a:latin typeface="+mn-lt"/>
+                  <a:ea typeface="+mn-ea"/>
+                  <a:cs typeface="+mn-cs"/>
+                </a:defRPr>
+              </a:lvl8pPr>
+              <a:lvl9pPr marL="3886200" indent="-228600" algn="l" defTabSz="914400" rtl="0" eaLnBrk="1" latinLnBrk="0" hangingPunct="1">
+                <a:lnSpc>
+                  <a:spcPct val="90000"/>
+                </a:lnSpc>
+                <a:spcBef>
+                  <a:spcPts val="500"/>
+                </a:spcBef>
+                <a:buFont typeface="Arial" panose="020B0604020202020204" pitchFamily="34" charset="0"/>
+                <a:buChar char="•"/>
+                <a:defRPr sz="1800" kern="1200">
+                  <a:solidFill>
+                    <a:schemeClr val="tx1"/>
+                  </a:solidFill>
+                  <a:latin typeface="+mn-lt"/>
+                  <a:ea typeface="+mn-ea"/>
+                  <a:cs typeface="+mn-cs"/>
+                </a:defRPr>
+              </a:lvl9pPr>
+            </a:lstStyle>
+            <a:p>
+              <a:pPr marL="0" indent="0">
+                <a:buFont typeface="Arial" panose="020B0604020202020204" pitchFamily="34" charset="0"/>
+                <a:buNone/>
+              </a:pPr>
+              <a:r>
+                <a:rPr lang="en-US" b="0" dirty="0"/>
+                <a:t>Organizer of </a:t>
+              </a:r>
+              <a:r>
+                <a:rPr lang="en-US" b="0" dirty="0">
+                  <a:hlinkClick r:id="rId4"/>
+                </a:rPr>
+                <a:t>Python Milano</a:t>
+              </a:r>
+              <a:endParaRPr lang="en-US" b="0" dirty="0"/>
+            </a:p>
+          </p:txBody>
+        </p:sp>
+        <p:pic>
+          <p:nvPicPr>
+            <p:cNvPr id="11" name="Picture 4" descr="PyMi Logo">
+              <a:extLst>
+                <a:ext uri="{FF2B5EF4-FFF2-40B4-BE49-F238E27FC236}">
+                  <a16:creationId xmlns:a16="http://schemas.microsoft.com/office/drawing/2014/main" id="{4F7E3797-CBD7-0711-5708-7167CD03F70A}"/>
+                </a:ext>
+              </a:extLst>
+            </p:cNvPr>
+            <p:cNvPicPr>
+              <a:picLocks noChangeAspect="1" noChangeArrowheads="1"/>
+            </p:cNvPicPr>
+            <p:nvPr/>
+          </p:nvPicPr>
+          <p:blipFill>
+            <a:blip r:embed="rId5" cstate="print">
+              <a:extLst>
+                <a:ext uri="{28A0092B-C50C-407E-A947-70E740481C1C}">
+                  <a14:useLocalDpi xmlns:a14="http://schemas.microsoft.com/office/drawing/2010/main" val="0"/>
+                </a:ext>
+              </a:extLst>
+            </a:blip>
+            <a:srcRect/>
+            <a:stretch>
+              <a:fillRect/>
+            </a:stretch>
+          </p:blipFill>
+          <p:spPr bwMode="auto">
+            <a:xfrm>
+              <a:off x="6502400" y="3258368"/>
+              <a:ext cx="2071303" cy="2059119"/>
+            </a:xfrm>
+            <a:prstGeom prst="rect">
+              <a:avLst/>
+            </a:prstGeom>
+            <a:noFill/>
+            <a:extLst>
+              <a:ext uri="{909E8E84-426E-40DD-AFC4-6F175D3DCCD1}">
+                <a14:hiddenFill xmlns:a14="http://schemas.microsoft.com/office/drawing/2010/main">
+                  <a:solidFill>
+                    <a:srgbClr val="FFFFFF"/>
+                  </a:solidFill>
+                </a14:hiddenFill>
+              </a:ext>
+            </a:extLst>
+          </p:spPr>
+        </p:pic>
+        <p:sp>
+          <p:nvSpPr>
+            <p:cNvPr id="12" name="Title 1">
+              <a:extLst>
+                <a:ext uri="{FF2B5EF4-FFF2-40B4-BE49-F238E27FC236}">
+                  <a16:creationId xmlns:a16="http://schemas.microsoft.com/office/drawing/2014/main" id="{D6427FF0-5961-012F-9FC7-89A997AC3391}"/>
+                </a:ext>
+              </a:extLst>
+            </p:cNvPr>
+            <p:cNvSpPr txBox="1">
+              <a:spLocks/>
+            </p:cNvSpPr>
+            <p:nvPr/>
+          </p:nvSpPr>
+          <p:spPr>
+            <a:xfrm>
+              <a:off x="6502400" y="6200688"/>
+              <a:ext cx="3642868" cy="1475726"/>
+            </a:xfrm>
+            <a:prstGeom prst="rect">
+              <a:avLst/>
+            </a:prstGeom>
+            <a:solidFill>
+              <a:schemeClr val="tx1"/>
+            </a:solidFill>
+          </p:spPr>
+          <p:txBody>
+            <a:bodyPr anchor="ctr">
+              <a:normAutofit/>
+            </a:bodyPr>
+            <a:lstStyle>
+              <a:defPPr marR="0" lvl="0" algn="l" rtl="0">
+                <a:lnSpc>
+                  <a:spcPct val="100000"/>
+                </a:lnSpc>
+                <a:spcBef>
+                  <a:spcPts val="0"/>
+                </a:spcBef>
+                <a:spcAft>
+                  <a:spcPts val="0"/>
+                </a:spcAft>
+              </a:defPPr>
+              <a:lvl1pPr marR="0" lvl="0" algn="l" rtl="0">
+                <a:lnSpc>
+                  <a:spcPct val="100000"/>
+                </a:lnSpc>
+                <a:spcBef>
+                  <a:spcPts val="0"/>
+                </a:spcBef>
+                <a:spcAft>
+                  <a:spcPts val="0"/>
+                </a:spcAft>
+                <a:buClr>
+                  <a:srgbClr val="000000"/>
+                </a:buClr>
+                <a:buFont typeface="Arial"/>
+                <a:defRPr sz="1400" b="0" i="0" u="none" strike="noStrike" cap="none">
+                  <a:solidFill>
+                    <a:srgbClr val="000000"/>
+                  </a:solidFill>
+                  <a:latin typeface="Arial"/>
+                  <a:ea typeface="Arial"/>
+                  <a:cs typeface="Arial"/>
+                  <a:sym typeface="Arial"/>
+                </a:defRPr>
+              </a:lvl1pPr>
+              <a:lvl2pPr marR="0" lvl="1" algn="l" rtl="0">
+                <a:lnSpc>
+                  <a:spcPct val="100000"/>
+                </a:lnSpc>
+                <a:spcBef>
+                  <a:spcPts val="0"/>
+                </a:spcBef>
+                <a:spcAft>
+                  <a:spcPts val="0"/>
+                </a:spcAft>
+                <a:buClr>
+                  <a:srgbClr val="000000"/>
+                </a:buClr>
+                <a:buFont typeface="Arial"/>
+                <a:defRPr sz="1400" b="0" i="0" u="none" strike="noStrike" cap="none">
+                  <a:solidFill>
+                    <a:srgbClr val="000000"/>
+                  </a:solidFill>
+                  <a:latin typeface="Arial"/>
+                  <a:ea typeface="Arial"/>
+                  <a:cs typeface="Arial"/>
+                  <a:sym typeface="Arial"/>
+                </a:defRPr>
+              </a:lvl2pPr>
+              <a:lvl3pPr marR="0" lvl="2" algn="l" rtl="0">
+                <a:lnSpc>
+                  <a:spcPct val="100000"/>
+                </a:lnSpc>
+                <a:spcBef>
+                  <a:spcPts val="0"/>
+                </a:spcBef>
+                <a:spcAft>
+                  <a:spcPts val="0"/>
+                </a:spcAft>
+                <a:buClr>
+                  <a:srgbClr val="000000"/>
+                </a:buClr>
+                <a:buFont typeface="Arial"/>
+                <a:defRPr sz="1400" b="0" i="0" u="none" strike="noStrike" cap="none">
+                  <a:solidFill>
+                    <a:srgbClr val="000000"/>
+                  </a:solidFill>
+                  <a:latin typeface="Arial"/>
+                  <a:ea typeface="Arial"/>
+                  <a:cs typeface="Arial"/>
+                  <a:sym typeface="Arial"/>
+                </a:defRPr>
+              </a:lvl3pPr>
+              <a:lvl4pPr marR="0" lvl="3" algn="l" rtl="0">
+                <a:lnSpc>
+                  <a:spcPct val="100000"/>
+                </a:lnSpc>
+                <a:spcBef>
+                  <a:spcPts val="0"/>
+                </a:spcBef>
+                <a:spcAft>
+                  <a:spcPts val="0"/>
+                </a:spcAft>
+                <a:buClr>
+                  <a:srgbClr val="000000"/>
+                </a:buClr>
+                <a:buFont typeface="Arial"/>
+                <a:defRPr sz="1400" b="0" i="0" u="none" strike="noStrike" cap="none">
+                  <a:solidFill>
+                    <a:srgbClr val="000000"/>
+                  </a:solidFill>
+                  <a:latin typeface="Arial"/>
+                  <a:ea typeface="Arial"/>
+                  <a:cs typeface="Arial"/>
+                  <a:sym typeface="Arial"/>
+                </a:defRPr>
+              </a:lvl4pPr>
+              <a:lvl5pPr marR="0" lvl="4" algn="l" rtl="0">
+                <a:lnSpc>
+                  <a:spcPct val="100000"/>
+                </a:lnSpc>
+                <a:spcBef>
+                  <a:spcPts val="0"/>
+                </a:spcBef>
+                <a:spcAft>
+                  <a:spcPts val="0"/>
+                </a:spcAft>
+                <a:buClr>
+                  <a:srgbClr val="000000"/>
+                </a:buClr>
+                <a:buFont typeface="Arial"/>
+                <a:defRPr sz="1400" b="0" i="0" u="none" strike="noStrike" cap="none">
+                  <a:solidFill>
+                    <a:srgbClr val="000000"/>
+                  </a:solidFill>
+                  <a:latin typeface="Arial"/>
+                  <a:ea typeface="Arial"/>
+                  <a:cs typeface="Arial"/>
+                  <a:sym typeface="Arial"/>
+                </a:defRPr>
+              </a:lvl5pPr>
+              <a:lvl6pPr marR="0" lvl="5" algn="l" rtl="0">
+                <a:lnSpc>
+                  <a:spcPct val="100000"/>
+                </a:lnSpc>
+                <a:spcBef>
+                  <a:spcPts val="0"/>
+                </a:spcBef>
+                <a:spcAft>
+                  <a:spcPts val="0"/>
+                </a:spcAft>
+                <a:buClr>
+                  <a:srgbClr val="000000"/>
+                </a:buClr>
+                <a:buFont typeface="Arial"/>
+                <a:defRPr sz="1400" b="0" i="0" u="none" strike="noStrike" cap="none">
+                  <a:solidFill>
+                    <a:srgbClr val="000000"/>
+                  </a:solidFill>
+                  <a:latin typeface="Arial"/>
+                  <a:ea typeface="Arial"/>
+                  <a:cs typeface="Arial"/>
+                  <a:sym typeface="Arial"/>
+                </a:defRPr>
+              </a:lvl6pPr>
+              <a:lvl7pPr marR="0" lvl="6" algn="l" rtl="0">
+                <a:lnSpc>
+                  <a:spcPct val="100000"/>
+                </a:lnSpc>
+                <a:spcBef>
+                  <a:spcPts val="0"/>
+                </a:spcBef>
+                <a:spcAft>
+                  <a:spcPts val="0"/>
+                </a:spcAft>
+                <a:buClr>
+                  <a:srgbClr val="000000"/>
+                </a:buClr>
+                <a:buFont typeface="Arial"/>
+                <a:defRPr sz="1400" b="0" i="0" u="none" strike="noStrike" cap="none">
+                  <a:solidFill>
+                    <a:srgbClr val="000000"/>
+                  </a:solidFill>
+                  <a:latin typeface="Arial"/>
+                  <a:ea typeface="Arial"/>
+                  <a:cs typeface="Arial"/>
+                  <a:sym typeface="Arial"/>
+                </a:defRPr>
+              </a:lvl7pPr>
+              <a:lvl8pPr marR="0" lvl="7" algn="l" rtl="0">
+                <a:lnSpc>
+                  <a:spcPct val="100000"/>
+                </a:lnSpc>
+                <a:spcBef>
+                  <a:spcPts val="0"/>
+                </a:spcBef>
+                <a:spcAft>
+                  <a:spcPts val="0"/>
+                </a:spcAft>
+                <a:buClr>
+                  <a:srgbClr val="000000"/>
+                </a:buClr>
+                <a:buFont typeface="Arial"/>
+                <a:defRPr sz="1400" b="0" i="0" u="none" strike="noStrike" cap="none">
+                  <a:solidFill>
+                    <a:srgbClr val="000000"/>
+                  </a:solidFill>
+                  <a:latin typeface="Arial"/>
+                  <a:ea typeface="Arial"/>
+                  <a:cs typeface="Arial"/>
+                  <a:sym typeface="Arial"/>
+                </a:defRPr>
+              </a:lvl8pPr>
+              <a:lvl9pPr marR="0" lvl="8" algn="l" rtl="0">
+                <a:lnSpc>
+                  <a:spcPct val="100000"/>
+                </a:lnSpc>
+                <a:spcBef>
+                  <a:spcPts val="0"/>
+                </a:spcBef>
+                <a:spcAft>
+                  <a:spcPts val="0"/>
+                </a:spcAft>
+                <a:buClr>
+                  <a:srgbClr val="000000"/>
+                </a:buClr>
+                <a:buFont typeface="Arial"/>
+                <a:defRPr sz="1400" b="0" i="0" u="none" strike="noStrike" cap="none">
+                  <a:solidFill>
+                    <a:srgbClr val="000000"/>
+                  </a:solidFill>
+                  <a:latin typeface="Arial"/>
+                  <a:ea typeface="Arial"/>
+                  <a:cs typeface="Arial"/>
+                  <a:sym typeface="Arial"/>
+                </a:defRPr>
+              </a:lvl9pPr>
+            </a:lstStyle>
+            <a:p>
+              <a:r>
+                <a:rPr lang="it-IT" sz="4000" b="1" dirty="0">
+                  <a:solidFill>
+                    <a:schemeClr val="bg1"/>
+                  </a:solidFill>
+                  <a:latin typeface="Consolas" panose="020B0609020204030204" pitchFamily="49" charset="0"/>
+                </a:rPr>
+                <a:t>intervista</a:t>
+              </a:r>
+              <a:br>
+                <a:rPr lang="it-IT" sz="4000" b="1" dirty="0">
+                  <a:solidFill>
+                    <a:schemeClr val="bg1"/>
+                  </a:solidFill>
+                  <a:latin typeface="Consolas" panose="020B0609020204030204" pitchFamily="49" charset="0"/>
+                </a:rPr>
+              </a:br>
+              <a:r>
+                <a:rPr lang="it-IT" sz="4000" b="1" dirty="0">
+                  <a:solidFill>
+                    <a:schemeClr val="bg1"/>
+                  </a:solidFill>
+                  <a:latin typeface="Consolas" panose="020B0609020204030204" pitchFamily="49" charset="0"/>
+                </a:rPr>
+                <a:t>  </a:t>
+              </a:r>
+              <a:r>
+                <a:rPr lang="it-IT" sz="4000" b="1" dirty="0">
+                  <a:solidFill>
+                    <a:srgbClr val="FFC000"/>
+                  </a:solidFill>
+                  <a:latin typeface="Consolas" panose="020B0609020204030204" pitchFamily="49" charset="0"/>
+                </a:rPr>
+                <a:t>py</a:t>
+              </a:r>
+              <a:r>
+                <a:rPr lang="it-IT" sz="4000" b="1" dirty="0">
+                  <a:solidFill>
+                    <a:schemeClr val="bg1"/>
+                  </a:solidFill>
+                  <a:latin typeface="Consolas" panose="020B0609020204030204" pitchFamily="49" charset="0"/>
+                </a:rPr>
+                <a:t>thonista</a:t>
+              </a:r>
+            </a:p>
+          </p:txBody>
+        </p:sp>
+        <p:sp>
+          <p:nvSpPr>
+            <p:cNvPr id="13" name="Content Placeholder 5">
+              <a:extLst>
+                <a:ext uri="{FF2B5EF4-FFF2-40B4-BE49-F238E27FC236}">
+                  <a16:creationId xmlns:a16="http://schemas.microsoft.com/office/drawing/2014/main" id="{26A27C34-D0F6-A0A0-580A-E65E6EDF8905}"/>
+                </a:ext>
+              </a:extLst>
+            </p:cNvPr>
+            <p:cNvSpPr txBox="1">
+              <a:spLocks/>
+            </p:cNvSpPr>
+            <p:nvPr/>
+          </p:nvSpPr>
+          <p:spPr>
+            <a:xfrm>
+              <a:off x="6502400" y="5599538"/>
+              <a:ext cx="5608637" cy="896677"/>
+            </a:xfrm>
+            <a:prstGeom prst="rect">
+              <a:avLst/>
+            </a:prstGeom>
+          </p:spPr>
+          <p:txBody>
+            <a:bodyPr vert="horz" lIns="91440" tIns="45720" rIns="91440" bIns="45720" rtlCol="0">
+              <a:normAutofit/>
+            </a:bodyPr>
+            <a:lstStyle>
+              <a:lvl1pPr marL="228600" indent="-228600" algn="l" defTabSz="914400" rtl="0" eaLnBrk="1" latinLnBrk="0" hangingPunct="1">
+                <a:lnSpc>
+                  <a:spcPct val="90000"/>
+                </a:lnSpc>
+                <a:spcBef>
+                  <a:spcPts val="1000"/>
+                </a:spcBef>
+                <a:buFont typeface="Arial" panose="020B0604020202020204" pitchFamily="34" charset="0"/>
+                <a:buChar char="•"/>
+                <a:defRPr sz="2800" kern="1200">
+                  <a:solidFill>
+                    <a:schemeClr val="tx1"/>
+                  </a:solidFill>
+                  <a:latin typeface="Avenir Black"/>
+                  <a:ea typeface="+mn-ea"/>
+                  <a:cs typeface="+mn-cs"/>
+                </a:defRPr>
+              </a:lvl1pPr>
+              <a:lvl2pPr marL="685800" indent="-228600" algn="l" defTabSz="914400" rtl="0" eaLnBrk="1" latinLnBrk="0" hangingPunct="1">
+                <a:lnSpc>
+                  <a:spcPct val="90000"/>
+                </a:lnSpc>
+                <a:spcBef>
+                  <a:spcPts val="500"/>
+                </a:spcBef>
+                <a:buFont typeface="Arial" panose="020B0604020202020204" pitchFamily="34" charset="0"/>
+                <a:buChar char="•"/>
+                <a:defRPr sz="2400" kern="1200">
+                  <a:solidFill>
+                    <a:schemeClr val="tx1"/>
+                  </a:solidFill>
+                  <a:latin typeface="Avenir Black"/>
+                  <a:ea typeface="+mn-ea"/>
+                  <a:cs typeface="+mn-cs"/>
+                </a:defRPr>
+              </a:lvl2pPr>
+              <a:lvl3pPr marL="1143000" indent="-228600" algn="l" defTabSz="914400" rtl="0" eaLnBrk="1" latinLnBrk="0" hangingPunct="1">
+                <a:lnSpc>
+                  <a:spcPct val="90000"/>
+                </a:lnSpc>
+                <a:spcBef>
+                  <a:spcPts val="500"/>
+                </a:spcBef>
+                <a:buFont typeface="Arial" panose="020B0604020202020204" pitchFamily="34" charset="0"/>
+                <a:buChar char="•"/>
+                <a:defRPr sz="2000" kern="1200">
+                  <a:solidFill>
+                    <a:schemeClr val="tx1"/>
+                  </a:solidFill>
+                  <a:latin typeface="Avenir Black"/>
+                  <a:ea typeface="+mn-ea"/>
+                  <a:cs typeface="+mn-cs"/>
+                </a:defRPr>
+              </a:lvl3pPr>
+              <a:lvl4pPr marL="1600200" indent="-228600" algn="l" defTabSz="914400" rtl="0" eaLnBrk="1" latinLnBrk="0" hangingPunct="1">
+                <a:lnSpc>
+                  <a:spcPct val="90000"/>
+                </a:lnSpc>
+                <a:spcBef>
+                  <a:spcPts val="500"/>
+                </a:spcBef>
+                <a:buFont typeface="Arial" panose="020B0604020202020204" pitchFamily="34" charset="0"/>
+                <a:buChar char="•"/>
+                <a:defRPr sz="1800" kern="1200">
+                  <a:solidFill>
+                    <a:schemeClr val="tx1"/>
+                  </a:solidFill>
+                  <a:latin typeface="Avenir Black"/>
+                  <a:ea typeface="+mn-ea"/>
+                  <a:cs typeface="+mn-cs"/>
+                </a:defRPr>
+              </a:lvl4pPr>
+              <a:lvl5pPr marL="2057400" indent="-228600" algn="l" defTabSz="914400" rtl="0" eaLnBrk="1" latinLnBrk="0" hangingPunct="1">
+                <a:lnSpc>
+                  <a:spcPct val="90000"/>
+                </a:lnSpc>
+                <a:spcBef>
+                  <a:spcPts val="500"/>
+                </a:spcBef>
+                <a:buFont typeface="Arial" panose="020B0604020202020204" pitchFamily="34" charset="0"/>
+                <a:buChar char="•"/>
+                <a:defRPr sz="1800" kern="1200">
+                  <a:solidFill>
+                    <a:schemeClr val="tx1"/>
+                  </a:solidFill>
+                  <a:latin typeface="Avenir Black"/>
+                  <a:ea typeface="+mn-ea"/>
+                  <a:cs typeface="+mn-cs"/>
+                </a:defRPr>
+              </a:lvl5pPr>
+              <a:lvl6pPr marL="2514600" indent="-228600" algn="l" defTabSz="914400" rtl="0" eaLnBrk="1" latinLnBrk="0" hangingPunct="1">
+                <a:lnSpc>
+                  <a:spcPct val="90000"/>
+                </a:lnSpc>
+                <a:spcBef>
+                  <a:spcPts val="500"/>
+                </a:spcBef>
+                <a:buFont typeface="Arial" panose="020B0604020202020204" pitchFamily="34" charset="0"/>
+                <a:buChar char="•"/>
+                <a:defRPr sz="1800" kern="1200">
+                  <a:solidFill>
+                    <a:schemeClr val="tx1"/>
+                  </a:solidFill>
+                  <a:latin typeface="+mn-lt"/>
+                  <a:ea typeface="+mn-ea"/>
+                  <a:cs typeface="+mn-cs"/>
+                </a:defRPr>
+              </a:lvl6pPr>
+              <a:lvl7pPr marL="2971800" indent="-228600" algn="l" defTabSz="914400" rtl="0" eaLnBrk="1" latinLnBrk="0" hangingPunct="1">
+                <a:lnSpc>
+                  <a:spcPct val="90000"/>
+                </a:lnSpc>
+                <a:spcBef>
+                  <a:spcPts val="500"/>
+                </a:spcBef>
+                <a:buFont typeface="Arial" panose="020B0604020202020204" pitchFamily="34" charset="0"/>
+                <a:buChar char="•"/>
+                <a:defRPr sz="1800" kern="1200">
+                  <a:solidFill>
+                    <a:schemeClr val="tx1"/>
+                  </a:solidFill>
+                  <a:latin typeface="+mn-lt"/>
+                  <a:ea typeface="+mn-ea"/>
+                  <a:cs typeface="+mn-cs"/>
+                </a:defRPr>
+              </a:lvl7pPr>
+              <a:lvl8pPr marL="3429000" indent="-228600" algn="l" defTabSz="914400" rtl="0" eaLnBrk="1" latinLnBrk="0" hangingPunct="1">
+                <a:lnSpc>
+                  <a:spcPct val="90000"/>
+                </a:lnSpc>
+                <a:spcBef>
+                  <a:spcPts val="500"/>
+                </a:spcBef>
+                <a:buFont typeface="Arial" panose="020B0604020202020204" pitchFamily="34" charset="0"/>
+                <a:buChar char="•"/>
+                <a:defRPr sz="1800" kern="1200">
+                  <a:solidFill>
+                    <a:schemeClr val="tx1"/>
+                  </a:solidFill>
+                  <a:latin typeface="+mn-lt"/>
+                  <a:ea typeface="+mn-ea"/>
+                  <a:cs typeface="+mn-cs"/>
+                </a:defRPr>
+              </a:lvl8pPr>
+              <a:lvl9pPr marL="3886200" indent="-228600" algn="l" defTabSz="914400" rtl="0" eaLnBrk="1" latinLnBrk="0" hangingPunct="1">
+                <a:lnSpc>
+                  <a:spcPct val="90000"/>
+                </a:lnSpc>
+                <a:spcBef>
+                  <a:spcPts val="500"/>
+                </a:spcBef>
+                <a:buFont typeface="Arial" panose="020B0604020202020204" pitchFamily="34" charset="0"/>
+                <a:buChar char="•"/>
+                <a:defRPr sz="1800" kern="1200">
+                  <a:solidFill>
+                    <a:schemeClr val="tx1"/>
+                  </a:solidFill>
+                  <a:latin typeface="+mn-lt"/>
+                  <a:ea typeface="+mn-ea"/>
+                  <a:cs typeface="+mn-cs"/>
+                </a:defRPr>
+              </a:lvl9pPr>
+            </a:lstStyle>
+            <a:p>
+              <a:pPr marL="0" indent="0">
+                <a:buFont typeface="Arial" panose="020B0604020202020204" pitchFamily="34" charset="0"/>
+                <a:buNone/>
+              </a:pPr>
+              <a:r>
+                <a:rPr lang="en-US" b="0" dirty="0"/>
+                <a:t>Host of </a:t>
+              </a:r>
+              <a:r>
+                <a:rPr lang="en-US" b="0" dirty="0" err="1">
+                  <a:hlinkClick r:id="rId6"/>
+                </a:rPr>
+                <a:t>Intervista</a:t>
+              </a:r>
+              <a:r>
+                <a:rPr lang="en-US" b="0" dirty="0">
+                  <a:hlinkClick r:id="rId6"/>
+                </a:rPr>
+                <a:t> Pythonista </a:t>
+              </a:r>
+              <a:endParaRPr lang="en-US" b="0" dirty="0"/>
+            </a:p>
+          </p:txBody>
+        </p:sp>
+        <p:pic>
+          <p:nvPicPr>
+            <p:cNvPr id="1026" name="Picture 2" descr="No alternative text description for this image">
+              <a:extLst>
+                <a:ext uri="{FF2B5EF4-FFF2-40B4-BE49-F238E27FC236}">
+                  <a16:creationId xmlns:a16="http://schemas.microsoft.com/office/drawing/2014/main" id="{C52BEAB0-611F-B4C1-7AC7-34642BDEDAB4}"/>
+                </a:ext>
+              </a:extLst>
+            </p:cNvPr>
+            <p:cNvPicPr>
+              <a:picLocks noChangeAspect="1" noChangeArrowheads="1"/>
+            </p:cNvPicPr>
+            <p:nvPr/>
+          </p:nvPicPr>
+          <p:blipFill>
+            <a:blip r:embed="rId7" cstate="print">
+              <a:extLst>
+                <a:ext uri="{28A0092B-C50C-407E-A947-70E740481C1C}">
+                  <a14:useLocalDpi xmlns:a14="http://schemas.microsoft.com/office/drawing/2010/main" val="0"/>
+                </a:ext>
+              </a:extLst>
+            </a:blip>
+            <a:srcRect/>
+            <a:stretch>
+              <a:fillRect/>
+            </a:stretch>
+          </p:blipFill>
+          <p:spPr bwMode="auto">
+            <a:xfrm>
+              <a:off x="9001899" y="3306781"/>
+              <a:ext cx="2680942" cy="2010706"/>
+            </a:xfrm>
+            <a:prstGeom prst="rect">
+              <a:avLst/>
+            </a:prstGeom>
+            <a:noFill/>
+            <a:extLst>
+              <a:ext uri="{909E8E84-426E-40DD-AFC4-6F175D3DCCD1}">
+                <a14:hiddenFill xmlns:a14="http://schemas.microsoft.com/office/drawing/2010/main">
+                  <a:solidFill>
+                    <a:srgbClr val="FFFFFF"/>
+                  </a:solidFill>
+                </a14:hiddenFill>
+              </a:ext>
+            </a:extLst>
+          </p:spPr>
+        </p:pic>
+        <p:pic>
+          <p:nvPicPr>
+            <p:cNvPr id="1028" name="Picture 4">
+              <a:extLst>
+                <a:ext uri="{FF2B5EF4-FFF2-40B4-BE49-F238E27FC236}">
+                  <a16:creationId xmlns:a16="http://schemas.microsoft.com/office/drawing/2014/main" id="{B3CFF99C-C900-6482-5211-F36AA5D744A7}"/>
+                </a:ext>
+              </a:extLst>
+            </p:cNvPr>
+            <p:cNvPicPr>
+              <a:picLocks noChangeAspect="1" noChangeArrowheads="1"/>
+            </p:cNvPicPr>
+            <p:nvPr/>
+          </p:nvPicPr>
+          <p:blipFill>
+            <a:blip r:embed="rId8" cstate="print">
+              <a:extLst>
+                <a:ext uri="{28A0092B-C50C-407E-A947-70E740481C1C}">
+                  <a14:useLocalDpi xmlns:a14="http://schemas.microsoft.com/office/drawing/2010/main" val="0"/>
+                </a:ext>
+              </a:extLst>
+            </a:blip>
+            <a:srcRect/>
+            <a:stretch>
+              <a:fillRect/>
+            </a:stretch>
+          </p:blipFill>
+          <p:spPr bwMode="auto">
+            <a:xfrm>
+              <a:off x="10210548" y="6233890"/>
+              <a:ext cx="548640" cy="548640"/>
+            </a:xfrm>
+            <a:prstGeom prst="rect">
+              <a:avLst/>
+            </a:prstGeom>
+            <a:noFill/>
+            <a:extLst>
+              <a:ext uri="{909E8E84-426E-40DD-AFC4-6F175D3DCCD1}">
+                <a14:hiddenFill xmlns:a14="http://schemas.microsoft.com/office/drawing/2010/main">
+                  <a:solidFill>
+                    <a:srgbClr val="FFFFFF"/>
+                  </a:solidFill>
+                </a14:hiddenFill>
+              </a:ext>
+            </a:extLst>
+          </p:spPr>
+        </p:pic>
+        <p:pic>
+          <p:nvPicPr>
+            <p:cNvPr id="1030" name="Picture 6">
+              <a:extLst>
+                <a:ext uri="{FF2B5EF4-FFF2-40B4-BE49-F238E27FC236}">
+                  <a16:creationId xmlns:a16="http://schemas.microsoft.com/office/drawing/2014/main" id="{97AEB66B-C263-4FAD-C99D-16F2ACE1C3CC}"/>
+                </a:ext>
+              </a:extLst>
+            </p:cNvPr>
+            <p:cNvPicPr>
+              <a:picLocks noChangeAspect="1" noChangeArrowheads="1"/>
+            </p:cNvPicPr>
+            <p:nvPr/>
+          </p:nvPicPr>
+          <p:blipFill>
+            <a:blip r:embed="rId9" cstate="print">
+              <a:extLst>
+                <a:ext uri="{28A0092B-C50C-407E-A947-70E740481C1C}">
+                  <a14:useLocalDpi xmlns:a14="http://schemas.microsoft.com/office/drawing/2010/main" val="0"/>
+                </a:ext>
+              </a:extLst>
+            </a:blip>
+            <a:srcRect/>
+            <a:stretch>
+              <a:fillRect/>
+            </a:stretch>
+          </p:blipFill>
+          <p:spPr bwMode="auto">
+            <a:xfrm>
+              <a:off x="10642860" y="6680832"/>
+              <a:ext cx="548640" cy="548640"/>
+            </a:xfrm>
+            <a:prstGeom prst="rect">
+              <a:avLst/>
+            </a:prstGeom>
+            <a:noFill/>
+            <a:extLst>
+              <a:ext uri="{909E8E84-426E-40DD-AFC4-6F175D3DCCD1}">
+                <a14:hiddenFill xmlns:a14="http://schemas.microsoft.com/office/drawing/2010/main">
+                  <a:solidFill>
+                    <a:srgbClr val="FFFFFF"/>
+                  </a:solidFill>
+                </a14:hiddenFill>
+              </a:ext>
+            </a:extLst>
+          </p:spPr>
+        </p:pic>
+        <p:pic>
+          <p:nvPicPr>
+            <p:cNvPr id="1032" name="Picture 8">
+              <a:extLst>
+                <a:ext uri="{FF2B5EF4-FFF2-40B4-BE49-F238E27FC236}">
+                  <a16:creationId xmlns:a16="http://schemas.microsoft.com/office/drawing/2014/main" id="{8F0FC1A7-C2A2-862C-EA6C-78DD97558F55}"/>
+                </a:ext>
+              </a:extLst>
+            </p:cNvPr>
+            <p:cNvPicPr>
+              <a:picLocks noChangeAspect="1" noChangeArrowheads="1"/>
+            </p:cNvPicPr>
+            <p:nvPr/>
+          </p:nvPicPr>
+          <p:blipFill>
+            <a:blip r:embed="rId10" cstate="print">
+              <a:extLst>
+                <a:ext uri="{28A0092B-C50C-407E-A947-70E740481C1C}">
+                  <a14:useLocalDpi xmlns:a14="http://schemas.microsoft.com/office/drawing/2010/main" val="0"/>
+                </a:ext>
+              </a:extLst>
+            </a:blip>
+            <a:srcRect/>
+            <a:stretch>
+              <a:fillRect/>
+            </a:stretch>
+          </p:blipFill>
+          <p:spPr bwMode="auto">
+            <a:xfrm>
+              <a:off x="11134201" y="7127774"/>
+              <a:ext cx="548640" cy="548640"/>
+            </a:xfrm>
+            <a:prstGeom prst="rect">
+              <a:avLst/>
+            </a:prstGeom>
+            <a:noFill/>
+            <a:extLst>
+              <a:ext uri="{909E8E84-426E-40DD-AFC4-6F175D3DCCD1}">
+                <a14:hiddenFill xmlns:a14="http://schemas.microsoft.com/office/drawing/2010/main">
+                  <a:solidFill>
+                    <a:srgbClr val="FFFFFF"/>
+                  </a:solidFill>
+                </a14:hiddenFill>
+              </a:ext>
+            </a:extLst>
+          </p:spPr>
+        </p:pic>
+      </p:grpSp>
+      <p:sp>
+        <p:nvSpPr>
+          <p:cNvPr id="14" name="Content Placeholder 5">
+            <a:extLst>
+              <a:ext uri="{FF2B5EF4-FFF2-40B4-BE49-F238E27FC236}">
+                <a16:creationId xmlns:a16="http://schemas.microsoft.com/office/drawing/2014/main" id="{2BE13111-67A0-513C-A3C7-5F13910ADEA6}"/>
+              </a:ext>
+            </a:extLst>
+          </p:cNvPr>
+          <p:cNvSpPr txBox="1">
+            <a:spLocks/>
+          </p:cNvSpPr>
+          <p:nvPr/>
+        </p:nvSpPr>
+        <p:spPr>
+          <a:xfrm>
+            <a:off x="893763" y="5647951"/>
+            <a:ext cx="5608637" cy="896677"/>
+          </a:xfrm>
+          <a:prstGeom prst="rect">
+            <a:avLst/>
+          </a:prstGeom>
+        </p:spPr>
+        <p:txBody>
+          <a:bodyPr vert="horz" lIns="91440" tIns="45720" rIns="91440" bIns="45720" rtlCol="0">
+            <a:normAutofit/>
+          </a:bodyPr>
+          <a:lstStyle>
+            <a:lvl1pPr marL="228600" indent="-228600" algn="l" defTabSz="914400" rtl="0" eaLnBrk="1" latinLnBrk="0" hangingPunct="1">
+              <a:lnSpc>
+                <a:spcPct val="90000"/>
+              </a:lnSpc>
+              <a:spcBef>
+                <a:spcPts val="1000"/>
+              </a:spcBef>
+              <a:buFont typeface="Arial" panose="020B0604020202020204" pitchFamily="34" charset="0"/>
+              <a:buChar char="•"/>
+              <a:defRPr sz="2800" kern="1200">
+                <a:solidFill>
+                  <a:schemeClr val="tx1"/>
+                </a:solidFill>
+                <a:latin typeface="Avenir Black"/>
+                <a:ea typeface="+mn-ea"/>
+                <a:cs typeface="+mn-cs"/>
+              </a:defRPr>
+            </a:lvl1pPr>
+            <a:lvl2pPr marL="685800" indent="-228600" algn="l" defTabSz="914400" rtl="0" eaLnBrk="1" latinLnBrk="0" hangingPunct="1">
+              <a:lnSpc>
+                <a:spcPct val="90000"/>
+              </a:lnSpc>
+              <a:spcBef>
+                <a:spcPts val="500"/>
+              </a:spcBef>
+              <a:buFont typeface="Arial" panose="020B0604020202020204" pitchFamily="34" charset="0"/>
+              <a:buChar char="•"/>
+              <a:defRPr sz="2400" kern="1200">
+                <a:solidFill>
+                  <a:schemeClr val="tx1"/>
+                </a:solidFill>
+                <a:latin typeface="Avenir Black"/>
+                <a:ea typeface="+mn-ea"/>
+                <a:cs typeface="+mn-cs"/>
+              </a:defRPr>
+            </a:lvl2pPr>
+            <a:lvl3pPr marL="1143000" indent="-228600" algn="l" defTabSz="914400" rtl="0" eaLnBrk="1" latinLnBrk="0" hangingPunct="1">
+              <a:lnSpc>
+                <a:spcPct val="90000"/>
+              </a:lnSpc>
+              <a:spcBef>
+                <a:spcPts val="500"/>
+              </a:spcBef>
+              <a:buFont typeface="Arial" panose="020B0604020202020204" pitchFamily="34" charset="0"/>
+              <a:buChar char="•"/>
+              <a:defRPr sz="2000" kern="1200">
+                <a:solidFill>
+                  <a:schemeClr val="tx1"/>
+                </a:solidFill>
+                <a:latin typeface="Avenir Black"/>
+                <a:ea typeface="+mn-ea"/>
+                <a:cs typeface="+mn-cs"/>
+              </a:defRPr>
+            </a:lvl3pPr>
+            <a:lvl4pPr marL="1600200" indent="-228600" algn="l" defTabSz="914400" rtl="0" eaLnBrk="1" latinLnBrk="0" hangingPunct="1">
+              <a:lnSpc>
+                <a:spcPct val="90000"/>
+              </a:lnSpc>
+              <a:spcBef>
+                <a:spcPts val="500"/>
+              </a:spcBef>
+              <a:buFont typeface="Arial" panose="020B0604020202020204" pitchFamily="34" charset="0"/>
+              <a:buChar char="•"/>
+              <a:defRPr sz="1800" kern="1200">
+                <a:solidFill>
+                  <a:schemeClr val="tx1"/>
+                </a:solidFill>
+                <a:latin typeface="Avenir Black"/>
+                <a:ea typeface="+mn-ea"/>
+                <a:cs typeface="+mn-cs"/>
+              </a:defRPr>
+            </a:lvl4pPr>
+            <a:lvl5pPr marL="2057400" indent="-228600" algn="l" defTabSz="914400" rtl="0" eaLnBrk="1" latinLnBrk="0" hangingPunct="1">
+              <a:lnSpc>
+                <a:spcPct val="90000"/>
+              </a:lnSpc>
+              <a:spcBef>
+                <a:spcPts val="500"/>
+              </a:spcBef>
+              <a:buFont typeface="Arial" panose="020B0604020202020204" pitchFamily="34" charset="0"/>
+              <a:buChar char="•"/>
+              <a:defRPr sz="1800" kern="1200">
+                <a:solidFill>
+                  <a:schemeClr val="tx1"/>
+                </a:solidFill>
+                <a:latin typeface="Avenir Black"/>
+                <a:ea typeface="+mn-ea"/>
+                <a:cs typeface="+mn-cs"/>
+              </a:defRPr>
+            </a:lvl5pPr>
+            <a:lvl6pPr marL="2514600" indent="-228600" algn="l" defTabSz="914400" rtl="0" eaLnBrk="1" latinLnBrk="0" hangingPunct="1">
+              <a:lnSpc>
+                <a:spcPct val="90000"/>
+              </a:lnSpc>
+              <a:spcBef>
+                <a:spcPts val="500"/>
+              </a:spcBef>
+              <a:buFont typeface="Arial" panose="020B0604020202020204" pitchFamily="34" charset="0"/>
+              <a:buChar char="•"/>
+              <a:defRPr sz="1800" kern="1200">
+                <a:solidFill>
+                  <a:schemeClr val="tx1"/>
+                </a:solidFill>
+                <a:latin typeface="+mn-lt"/>
+                <a:ea typeface="+mn-ea"/>
+                <a:cs typeface="+mn-cs"/>
+              </a:defRPr>
+            </a:lvl6pPr>
+            <a:lvl7pPr marL="2971800" indent="-228600" algn="l" defTabSz="914400" rtl="0" eaLnBrk="1" latinLnBrk="0" hangingPunct="1">
+              <a:lnSpc>
+                <a:spcPct val="90000"/>
+              </a:lnSpc>
+              <a:spcBef>
+                <a:spcPts val="500"/>
+              </a:spcBef>
+              <a:buFont typeface="Arial" panose="020B0604020202020204" pitchFamily="34" charset="0"/>
+              <a:buChar char="•"/>
+              <a:defRPr sz="1800" kern="1200">
+                <a:solidFill>
+                  <a:schemeClr val="tx1"/>
+                </a:solidFill>
+                <a:latin typeface="+mn-lt"/>
+                <a:ea typeface="+mn-ea"/>
+                <a:cs typeface="+mn-cs"/>
+              </a:defRPr>
+            </a:lvl7pPr>
+            <a:lvl8pPr marL="3429000" indent="-228600" algn="l" defTabSz="914400" rtl="0" eaLnBrk="1" latinLnBrk="0" hangingPunct="1">
+              <a:lnSpc>
+                <a:spcPct val="90000"/>
+              </a:lnSpc>
+              <a:spcBef>
+                <a:spcPts val="500"/>
+              </a:spcBef>
+              <a:buFont typeface="Arial" panose="020B0604020202020204" pitchFamily="34" charset="0"/>
+              <a:buChar char="•"/>
+              <a:defRPr sz="1800" kern="1200">
+                <a:solidFill>
+                  <a:schemeClr val="tx1"/>
+                </a:solidFill>
+                <a:latin typeface="+mn-lt"/>
+                <a:ea typeface="+mn-ea"/>
+                <a:cs typeface="+mn-cs"/>
+              </a:defRPr>
+            </a:lvl8pPr>
+            <a:lvl9pPr marL="3886200" indent="-228600" algn="l" defTabSz="914400" rtl="0" eaLnBrk="1" latinLnBrk="0" hangingPunct="1">
+              <a:lnSpc>
+                <a:spcPct val="90000"/>
+              </a:lnSpc>
+              <a:spcBef>
+                <a:spcPts val="500"/>
+              </a:spcBef>
+              <a:buFont typeface="Arial" panose="020B0604020202020204" pitchFamily="34" charset="0"/>
+              <a:buChar char="•"/>
+              <a:defRPr sz="1800" kern="1200">
+                <a:solidFill>
+                  <a:schemeClr val="tx1"/>
+                </a:solidFill>
+                <a:latin typeface="+mn-lt"/>
+                <a:ea typeface="+mn-ea"/>
+                <a:cs typeface="+mn-cs"/>
+              </a:defRPr>
+            </a:lvl9pPr>
+          </a:lstStyle>
+          <a:p>
+            <a:pPr marL="0" indent="0">
+              <a:buFont typeface="Arial" panose="020B0604020202020204" pitchFamily="34" charset="0"/>
+              <a:buNone/>
+            </a:pPr>
+            <a:r>
+              <a:rPr lang="en-US" b="0" dirty="0"/>
+              <a:t>Previously…</a:t>
+            </a:r>
+          </a:p>
+        </p:txBody>
+      </p:sp>
+      <p:pic>
+        <p:nvPicPr>
+          <p:cNvPr id="1036" name="Picture 12">
+            <a:extLst>
+              <a:ext uri="{FF2B5EF4-FFF2-40B4-BE49-F238E27FC236}">
+                <a16:creationId xmlns:a16="http://schemas.microsoft.com/office/drawing/2014/main" id="{C2EFCB67-C996-1AB5-8E6E-9361F32D8D52}"/>
+              </a:ext>
+            </a:extLst>
+          </p:cNvPr>
+          <p:cNvPicPr>
+            <a:picLocks noChangeAspect="1" noChangeArrowheads="1"/>
+          </p:cNvPicPr>
+          <p:nvPr/>
+        </p:nvPicPr>
+        <p:blipFill>
+          <a:blip r:embed="rId11" cstate="print">
+            <a:extLst>
+              <a:ext uri="{28A0092B-C50C-407E-A947-70E740481C1C}">
+                <a14:useLocalDpi xmlns:a14="http://schemas.microsoft.com/office/drawing/2010/main" val="0"/>
+              </a:ext>
+            </a:extLst>
+          </a:blip>
+          <a:srcRect/>
+          <a:stretch>
+            <a:fillRect/>
+          </a:stretch>
+        </p:blipFill>
+        <p:spPr bwMode="auto">
+          <a:xfrm>
+            <a:off x="1082981" y="6169725"/>
+            <a:ext cx="1460638" cy="338914"/>
+          </a:xfrm>
+          <a:prstGeom prst="rect">
+            <a:avLst/>
+          </a:prstGeom>
+          <a:noFill/>
+          <a:extLst>
+            <a:ext uri="{909E8E84-426E-40DD-AFC4-6F175D3DCCD1}">
+              <a14:hiddenFill xmlns:a14="http://schemas.microsoft.com/office/drawing/2010/main">
+                <a:solidFill>
+                  <a:srgbClr val="FFFFFF"/>
+                </a:solidFill>
+              </a14:hiddenFill>
+            </a:ext>
+          </a:extLst>
+        </p:spPr>
+      </p:pic>
+      <p:pic>
+        <p:nvPicPr>
+          <p:cNvPr id="1038" name="Picture 14">
+            <a:extLst>
+              <a:ext uri="{FF2B5EF4-FFF2-40B4-BE49-F238E27FC236}">
+                <a16:creationId xmlns:a16="http://schemas.microsoft.com/office/drawing/2014/main" id="{D8510AD2-95C3-2C14-4F0B-184251F4BBEE}"/>
+              </a:ext>
+            </a:extLst>
+          </p:cNvPr>
+          <p:cNvPicPr>
+            <a:picLocks noChangeAspect="1" noChangeArrowheads="1"/>
+          </p:cNvPicPr>
+          <p:nvPr/>
+        </p:nvPicPr>
+        <p:blipFill>
+          <a:blip r:embed="rId12" cstate="print">
+            <a:extLst>
+              <a:ext uri="{28A0092B-C50C-407E-A947-70E740481C1C}">
+                <a14:useLocalDpi xmlns:a14="http://schemas.microsoft.com/office/drawing/2010/main" val="0"/>
+              </a:ext>
+            </a:extLst>
+          </a:blip>
+          <a:srcRect/>
+          <a:stretch>
+            <a:fillRect/>
+          </a:stretch>
+        </p:blipFill>
+        <p:spPr bwMode="auto">
+          <a:xfrm>
+            <a:off x="2357552" y="6593041"/>
+            <a:ext cx="1003960" cy="762005"/>
+          </a:xfrm>
+          <a:prstGeom prst="rect">
+            <a:avLst/>
+          </a:prstGeom>
+          <a:noFill/>
+          <a:extLst>
+            <a:ext uri="{909E8E84-426E-40DD-AFC4-6F175D3DCCD1}">
+              <a14:hiddenFill xmlns:a14="http://schemas.microsoft.com/office/drawing/2010/main">
+                <a:solidFill>
+                  <a:srgbClr val="FFFFFF"/>
+                </a:solidFill>
+              </a14:hiddenFill>
+            </a:ext>
+          </a:extLst>
+        </p:spPr>
+      </p:pic>
+      <p:pic>
+        <p:nvPicPr>
+          <p:cNvPr id="1040" name="Picture 16" descr="ElectricFeel | The All-in-One Solution for Shared Mobility">
+            <a:extLst>
+              <a:ext uri="{FF2B5EF4-FFF2-40B4-BE49-F238E27FC236}">
+                <a16:creationId xmlns:a16="http://schemas.microsoft.com/office/drawing/2014/main" id="{90E05E77-54DC-9515-C4FA-412C6B2D3C60}"/>
+              </a:ext>
+            </a:extLst>
+          </p:cNvPr>
+          <p:cNvPicPr>
+            <a:picLocks noChangeAspect="1" noChangeArrowheads="1"/>
+          </p:cNvPicPr>
+          <p:nvPr/>
+        </p:nvPicPr>
+        <p:blipFill rotWithShape="1">
+          <a:blip r:embed="rId13" cstate="print">
+            <a:extLst>
+              <a:ext uri="{28A0092B-C50C-407E-A947-70E740481C1C}">
+                <a14:useLocalDpi xmlns:a14="http://schemas.microsoft.com/office/drawing/2010/main" val="0"/>
+              </a:ext>
+            </a:extLst>
+          </a:blip>
+          <a:srcRect l="23619" t="30090" r="20918" b="30138"/>
+          <a:stretch/>
+        </p:blipFill>
+        <p:spPr bwMode="auto">
+          <a:xfrm>
+            <a:off x="3361512" y="7355046"/>
+            <a:ext cx="1357952" cy="511227"/>
+          </a:xfrm>
+          <a:prstGeom prst="rect">
+            <a:avLst/>
+          </a:prstGeom>
+          <a:noFill/>
+          <a:extLst>
+            <a:ext uri="{909E8E84-426E-40DD-AFC4-6F175D3DCCD1}">
+              <a14:hiddenFill xmlns:a14="http://schemas.microsoft.com/office/drawing/2010/main">
+                <a:solidFill>
+                  <a:srgbClr val="FFFFFF"/>
+                </a:solidFill>
+              </a14:hiddenFill>
+            </a:ext>
+          </a:extLst>
+        </p:spPr>
+      </p:pic>
     </p:spTree>
     <p:extLst>
       <p:ext uri="{BB962C8B-B14F-4D97-AF65-F5344CB8AC3E}">
-        <p14:creationId xmlns:p14="http://schemas.microsoft.com/office/powerpoint/2010/main" val="4003350417"/>
+        <p14:creationId xmlns:p14="http://schemas.microsoft.com/office/powerpoint/2010/main" val="936955828"/>
       </p:ext>
     </p:extLst>
   </p:cSld>
   <p:clrMapOvr>
     <a:masterClrMapping/>
   </p:clrMapOvr>
+  <p:timing>
+    <p:tnLst>
+      <p:par>
+        <p:cTn id="1" dur="indefinite" restart="never" nodeType="tmRoot">
+          <p:childTnLst>
+            <p:seq concurrent="1" nextAc="seek">
+              <p:cTn id="2" dur="indefinite" nodeType="mainSeq">
+                <p:childTnLst>
+                  <p:par>
+                    <p:cTn id="3" fill="hold">
+                      <p:stCondLst>
+                        <p:cond delay="indefinite"/>
+                      </p:stCondLst>
+                      <p:childTnLst>
+                        <p:par>
+                          <p:cTn id="4" fill="hold">
+                            <p:stCondLst>
+                              <p:cond delay="0"/>
+                            </p:stCondLst>
+                            <p:childTnLst>
+                              <p:par>
+                                <p:cTn id="5" presetID="1" presetClass="entr" presetSubtype="0" fill="hold" nodeType="clickEffect">
+                                  <p:stCondLst>
+                                    <p:cond delay="0"/>
+                                  </p:stCondLst>
+                                  <p:childTnLst>
+                                    <p:set>
+                                      <p:cBhvr>
+                                        <p:cTn id="6" dur="1" fill="hold">
+                                          <p:stCondLst>
+                                            <p:cond delay="0"/>
+                                          </p:stCondLst>
+                                        </p:cTn>
+                                        <p:tgtEl>
+                                          <p:spTgt spid="15"/>
+                                        </p:tgtEl>
+                                        <p:attrNameLst>
+                                          <p:attrName>style.visibility</p:attrName>
+                                        </p:attrNameLst>
+                                      </p:cBhvr>
+                                      <p:to>
+                                        <p:strVal val="visible"/>
+                                      </p:to>
+                                    </p:set>
+                                  </p:childTnLst>
+                                </p:cTn>
+                              </p:par>
+                            </p:childTnLst>
+                          </p:cTn>
+                        </p:par>
+                      </p:childTnLst>
+                    </p:cTn>
+                  </p:par>
+                </p:childTnLst>
+              </p:cTn>
+              <p:prevCondLst>
+                <p:cond evt="onPrev" delay="0">
+                  <p:tgtEl>
+                    <p:sldTgt/>
+                  </p:tgtEl>
+                </p:cond>
+              </p:prevCondLst>
+              <p:nextCondLst>
+                <p:cond evt="onNext" delay="0">
+                  <p:tgtEl>
+                    <p:sldTgt/>
+                  </p:tgtEl>
+                </p:cond>
+              </p:nextCondLst>
+            </p:seq>
+          </p:childTnLst>
+        </p:cTn>
+      </p:par>
+    </p:tnLst>
+  </p:timing>
+</p:sld>
+</file>
+
+<file path=ppt/slides/slide6.xml><?xml version="1.0" encoding="utf-8"?>
+<p:sld xmlns:a="http://schemas.openxmlformats.org/drawingml/2006/main" xmlns:r="http://schemas.openxmlformats.org/officeDocument/2006/relationships" xmlns:p="http://schemas.openxmlformats.org/presentationml/2006/main">
+  <p:cSld>
+    <p:spTree>
+      <p:nvGrpSpPr>
+        <p:cNvPr id="1" name=""/>
+        <p:cNvGrpSpPr/>
+        <p:nvPr/>
+      </p:nvGrpSpPr>
+      <p:grpSpPr>
+        <a:xfrm>
+          <a:off x="0" y="0"/>
+          <a:ext cx="0" cy="0"/>
+          <a:chOff x="0" y="0"/>
+          <a:chExt cx="0" cy="0"/>
+        </a:xfrm>
+      </p:grpSpPr>
+      <p:sp>
+        <p:nvSpPr>
+          <p:cNvPr id="2" name="Text Placeholder 1">
+            <a:extLst>
+              <a:ext uri="{FF2B5EF4-FFF2-40B4-BE49-F238E27FC236}">
+                <a16:creationId xmlns:a16="http://schemas.microsoft.com/office/drawing/2014/main" id="{ED2CC184-69B3-CDE4-5BFF-E49D7660CE41}"/>
+              </a:ext>
+            </a:extLst>
+          </p:cNvPr>
+          <p:cNvSpPr>
+            <a:spLocks noGrp="1"/>
+          </p:cNvSpPr>
+          <p:nvPr>
+            <p:ph type="body" sz="quarter" idx="15"/>
+          </p:nvPr>
+        </p:nvSpPr>
+        <p:spPr/>
+        <p:txBody>
+          <a:bodyPr/>
+          <a:lstStyle/>
+          <a:p>
+            <a:endParaRPr lang="en-US"/>
+          </a:p>
+        </p:txBody>
+      </p:sp>
+      <p:sp>
+        <p:nvSpPr>
+          <p:cNvPr id="3" name="Text Placeholder 2">
+            <a:extLst>
+              <a:ext uri="{FF2B5EF4-FFF2-40B4-BE49-F238E27FC236}">
+                <a16:creationId xmlns:a16="http://schemas.microsoft.com/office/drawing/2014/main" id="{3D976ECC-7EAE-B099-7551-CE67155E9A14}"/>
+              </a:ext>
+            </a:extLst>
+          </p:cNvPr>
+          <p:cNvSpPr>
+            <a:spLocks noGrp="1"/>
+          </p:cNvSpPr>
+          <p:nvPr>
+            <p:ph type="body" sz="quarter" idx="17"/>
+          </p:nvPr>
+        </p:nvSpPr>
+        <p:spPr/>
+        <p:txBody>
+          <a:bodyPr/>
+          <a:lstStyle/>
+          <a:p>
+            <a:endParaRPr lang="en-US"/>
+          </a:p>
+        </p:txBody>
+      </p:sp>
+      <p:sp>
+        <p:nvSpPr>
+          <p:cNvPr id="4" name="Text Placeholder 3">
+            <a:extLst>
+              <a:ext uri="{FF2B5EF4-FFF2-40B4-BE49-F238E27FC236}">
+                <a16:creationId xmlns:a16="http://schemas.microsoft.com/office/drawing/2014/main" id="{8D272DA9-B9C4-6975-4308-251E05D866A2}"/>
+              </a:ext>
+            </a:extLst>
+          </p:cNvPr>
+          <p:cNvSpPr>
+            <a:spLocks noGrp="1"/>
+          </p:cNvSpPr>
+          <p:nvPr>
+            <p:ph type="body" sz="quarter" idx="16"/>
+          </p:nvPr>
+        </p:nvSpPr>
+        <p:spPr/>
+        <p:txBody>
+          <a:bodyPr/>
+          <a:lstStyle/>
+          <a:p>
+            <a:endParaRPr lang="en-US"/>
+          </a:p>
+        </p:txBody>
+      </p:sp>
+      <p:sp>
+        <p:nvSpPr>
+          <p:cNvPr id="5" name="Title 4">
+            <a:extLst>
+              <a:ext uri="{FF2B5EF4-FFF2-40B4-BE49-F238E27FC236}">
+                <a16:creationId xmlns:a16="http://schemas.microsoft.com/office/drawing/2014/main" id="{0085A703-AA6D-5D69-7802-845759264914}"/>
+              </a:ext>
+            </a:extLst>
+          </p:cNvPr>
+          <p:cNvSpPr>
+            <a:spLocks noGrp="1"/>
+          </p:cNvSpPr>
+          <p:nvPr>
+            <p:ph type="title"/>
+          </p:nvPr>
+        </p:nvSpPr>
+        <p:spPr/>
+        <p:txBody>
+          <a:bodyPr/>
+          <a:lstStyle/>
+          <a:p>
+            <a:r>
+              <a:rPr lang="en-US" dirty="0"/>
+              <a:t>Why is this course relevant?</a:t>
+            </a:r>
+          </a:p>
+        </p:txBody>
+      </p:sp>
+      <p:grpSp>
+        <p:nvGrpSpPr>
+          <p:cNvPr id="13" name="Group 12">
+            <a:extLst>
+              <a:ext uri="{FF2B5EF4-FFF2-40B4-BE49-F238E27FC236}">
+                <a16:creationId xmlns:a16="http://schemas.microsoft.com/office/drawing/2014/main" id="{9A72BCEA-EFDE-4495-4760-9830DD0857E3}"/>
+              </a:ext>
+            </a:extLst>
+          </p:cNvPr>
+          <p:cNvGrpSpPr/>
+          <p:nvPr/>
+        </p:nvGrpSpPr>
+        <p:grpSpPr>
+          <a:xfrm>
+            <a:off x="1184857" y="4257757"/>
+            <a:ext cx="10872940" cy="1836472"/>
+            <a:chOff x="727656" y="3918405"/>
+            <a:chExt cx="16544710" cy="2794453"/>
+          </a:xfrm>
+        </p:grpSpPr>
+        <p:sp>
+          <p:nvSpPr>
+            <p:cNvPr id="7" name="Arrow: Right 6">
+              <a:extLst>
+                <a:ext uri="{FF2B5EF4-FFF2-40B4-BE49-F238E27FC236}">
+                  <a16:creationId xmlns:a16="http://schemas.microsoft.com/office/drawing/2014/main" id="{3D618D1F-F521-C700-E9E5-B6694C4A9A7B}"/>
+                </a:ext>
+              </a:extLst>
+            </p:cNvPr>
+            <p:cNvSpPr/>
+            <p:nvPr/>
+          </p:nvSpPr>
+          <p:spPr>
+            <a:xfrm>
+              <a:off x="727656" y="4876263"/>
+              <a:ext cx="16446321" cy="534473"/>
+            </a:xfrm>
+            <a:prstGeom prst="rightArrow">
+              <a:avLst/>
+            </a:prstGeom>
+            <a:solidFill>
+              <a:schemeClr val="tx1"/>
+            </a:solidFill>
+            <a:ln>
+              <a:noFill/>
+            </a:ln>
+          </p:spPr>
+          <p:style>
+            <a:lnRef idx="2">
+              <a:schemeClr val="accent1">
+                <a:shade val="50000"/>
+              </a:schemeClr>
+            </a:lnRef>
+            <a:fillRef idx="1">
+              <a:schemeClr val="accent1"/>
+            </a:fillRef>
+            <a:effectRef idx="0">
+              <a:schemeClr val="accent1"/>
+            </a:effectRef>
+            <a:fontRef idx="minor">
+              <a:schemeClr val="lt1"/>
+            </a:fontRef>
+          </p:style>
+          <p:txBody>
+            <a:bodyPr rtlCol="0" anchor="ctr"/>
+            <a:lstStyle/>
+            <a:p>
+              <a:pPr algn="ctr"/>
+              <a:endParaRPr lang="en-US" sz="1400">
+                <a:solidFill>
+                  <a:schemeClr val="tx1"/>
+                </a:solidFill>
+              </a:endParaRPr>
+            </a:p>
+          </p:txBody>
+        </p:sp>
+        <p:sp>
+          <p:nvSpPr>
+            <p:cNvPr id="8" name="Google Shape;100;g10902ae59ed_0_0">
+              <a:extLst>
+                <a:ext uri="{FF2B5EF4-FFF2-40B4-BE49-F238E27FC236}">
+                  <a16:creationId xmlns:a16="http://schemas.microsoft.com/office/drawing/2014/main" id="{05B08C00-A7B2-AB63-20AB-CE4A5538019F}"/>
+                </a:ext>
+              </a:extLst>
+            </p:cNvPr>
+            <p:cNvSpPr txBox="1"/>
+            <p:nvPr/>
+          </p:nvSpPr>
+          <p:spPr>
+            <a:xfrm>
+              <a:off x="727656" y="5541766"/>
+              <a:ext cx="2793159" cy="749322"/>
+            </a:xfrm>
+            <a:prstGeom prst="rect">
+              <a:avLst/>
+            </a:prstGeom>
+            <a:noFill/>
+            <a:ln>
+              <a:noFill/>
+            </a:ln>
+          </p:spPr>
+          <p:txBody>
+            <a:bodyPr spcFirstLastPara="1" wrap="square" lIns="0" tIns="0" rIns="0" bIns="0" anchor="ctr" anchorCtr="0">
+              <a:spAutoFit/>
+            </a:bodyPr>
+            <a:lstStyle/>
+            <a:p>
+              <a:pPr marL="0" marR="0" lvl="0" indent="0" algn="ctr" rtl="0">
+                <a:lnSpc>
+                  <a:spcPct val="160000"/>
+                </a:lnSpc>
+                <a:spcBef>
+                  <a:spcPts val="0"/>
+                </a:spcBef>
+                <a:spcAft>
+                  <a:spcPts val="0"/>
+                </a:spcAft>
+                <a:buNone/>
+              </a:pPr>
+              <a:r>
+                <a:rPr lang="en-US" sz="2000" dirty="0">
+                  <a:solidFill>
+                    <a:schemeClr val="tx1"/>
+                  </a:solidFill>
+                  <a:latin typeface="Libre Franklin Light"/>
+                  <a:sym typeface="Libre Franklin Light"/>
+                </a:rPr>
+                <a:t>DWH (late 90s)</a:t>
+              </a:r>
+            </a:p>
+          </p:txBody>
+        </p:sp>
+        <p:sp>
+          <p:nvSpPr>
+            <p:cNvPr id="9" name="Google Shape;100;g10902ae59ed_0_0">
+              <a:extLst>
+                <a:ext uri="{FF2B5EF4-FFF2-40B4-BE49-F238E27FC236}">
+                  <a16:creationId xmlns:a16="http://schemas.microsoft.com/office/drawing/2014/main" id="{9EF126B2-6A44-0DB1-62DF-28BEDFB5476A}"/>
+                </a:ext>
+              </a:extLst>
+            </p:cNvPr>
+            <p:cNvSpPr txBox="1"/>
+            <p:nvPr/>
+          </p:nvSpPr>
+          <p:spPr>
+            <a:xfrm>
+              <a:off x="2314799" y="3930246"/>
+              <a:ext cx="4034337" cy="749322"/>
+            </a:xfrm>
+            <a:prstGeom prst="rect">
+              <a:avLst/>
+            </a:prstGeom>
+            <a:noFill/>
+            <a:ln>
+              <a:noFill/>
+            </a:ln>
+          </p:spPr>
+          <p:txBody>
+            <a:bodyPr spcFirstLastPara="1" wrap="square" lIns="0" tIns="0" rIns="0" bIns="0" anchor="ctr" anchorCtr="0">
+              <a:spAutoFit/>
+            </a:bodyPr>
+            <a:lstStyle/>
+            <a:p>
+              <a:pPr marL="0" marR="0" lvl="0" indent="0" algn="ctr" rtl="0">
+                <a:lnSpc>
+                  <a:spcPct val="160000"/>
+                </a:lnSpc>
+                <a:spcBef>
+                  <a:spcPts val="0"/>
+                </a:spcBef>
+                <a:spcAft>
+                  <a:spcPts val="0"/>
+                </a:spcAft>
+                <a:buNone/>
+              </a:pPr>
+              <a:r>
+                <a:rPr lang="en-US" sz="2000" dirty="0">
+                  <a:solidFill>
+                    <a:schemeClr val="tx1"/>
+                  </a:solidFill>
+                  <a:latin typeface="Libre Franklin Light"/>
+                  <a:sym typeface="Libre Franklin Light"/>
+                </a:rPr>
+                <a:t>3V (2001)</a:t>
+              </a:r>
+            </a:p>
+          </p:txBody>
+        </p:sp>
+        <p:sp>
+          <p:nvSpPr>
+            <p:cNvPr id="10" name="Google Shape;100;g10902ae59ed_0_0">
+              <a:extLst>
+                <a:ext uri="{FF2B5EF4-FFF2-40B4-BE49-F238E27FC236}">
+                  <a16:creationId xmlns:a16="http://schemas.microsoft.com/office/drawing/2014/main" id="{359BB16F-D0CB-0623-F693-EC0ECF44C63F}"/>
+                </a:ext>
+              </a:extLst>
+            </p:cNvPr>
+            <p:cNvSpPr txBox="1"/>
+            <p:nvPr/>
+          </p:nvSpPr>
+          <p:spPr>
+            <a:xfrm>
+              <a:off x="5143120" y="5541763"/>
+              <a:ext cx="4034337" cy="749322"/>
+            </a:xfrm>
+            <a:prstGeom prst="rect">
+              <a:avLst/>
+            </a:prstGeom>
+            <a:noFill/>
+            <a:ln>
+              <a:noFill/>
+            </a:ln>
+          </p:spPr>
+          <p:txBody>
+            <a:bodyPr spcFirstLastPara="1" wrap="square" lIns="0" tIns="0" rIns="0" bIns="0" anchor="ctr" anchorCtr="0">
+              <a:spAutoFit/>
+            </a:bodyPr>
+            <a:lstStyle/>
+            <a:p>
+              <a:pPr marL="0" marR="0" lvl="0" indent="0" algn="ctr" rtl="0">
+                <a:lnSpc>
+                  <a:spcPct val="160000"/>
+                </a:lnSpc>
+                <a:spcBef>
+                  <a:spcPts val="0"/>
+                </a:spcBef>
+                <a:spcAft>
+                  <a:spcPts val="0"/>
+                </a:spcAft>
+                <a:buNone/>
+              </a:pPr>
+              <a:r>
+                <a:rPr lang="en-US" sz="2000" dirty="0">
+                  <a:solidFill>
+                    <a:schemeClr val="tx1"/>
+                  </a:solidFill>
+                  <a:latin typeface="Libre Franklin Light"/>
+                  <a:sym typeface="Libre Franklin Light"/>
+                </a:rPr>
+                <a:t>HADOOP (2005)</a:t>
+              </a:r>
+            </a:p>
+          </p:txBody>
+        </p:sp>
+        <p:sp>
+          <p:nvSpPr>
+            <p:cNvPr id="11" name="Google Shape;100;g10902ae59ed_0_0">
+              <a:extLst>
+                <a:ext uri="{FF2B5EF4-FFF2-40B4-BE49-F238E27FC236}">
+                  <a16:creationId xmlns:a16="http://schemas.microsoft.com/office/drawing/2014/main" id="{0100E3AB-E097-8BEE-45FE-AF3DCC800967}"/>
+                </a:ext>
+              </a:extLst>
+            </p:cNvPr>
+            <p:cNvSpPr txBox="1"/>
+            <p:nvPr/>
+          </p:nvSpPr>
+          <p:spPr>
+            <a:xfrm>
+              <a:off x="7971441" y="3918405"/>
+              <a:ext cx="4034337" cy="749322"/>
+            </a:xfrm>
+            <a:prstGeom prst="rect">
+              <a:avLst/>
+            </a:prstGeom>
+            <a:noFill/>
+            <a:ln>
+              <a:noFill/>
+            </a:ln>
+          </p:spPr>
+          <p:txBody>
+            <a:bodyPr spcFirstLastPara="1" wrap="square" lIns="0" tIns="0" rIns="0" bIns="0" anchor="ctr" anchorCtr="0">
+              <a:spAutoFit/>
+            </a:bodyPr>
+            <a:lstStyle/>
+            <a:p>
+              <a:pPr marL="0" marR="0" lvl="0" indent="0" algn="ctr" rtl="0">
+                <a:lnSpc>
+                  <a:spcPct val="160000"/>
+                </a:lnSpc>
+                <a:spcBef>
+                  <a:spcPts val="0"/>
+                </a:spcBef>
+                <a:spcAft>
+                  <a:spcPts val="0"/>
+                </a:spcAft>
+                <a:buNone/>
+              </a:pPr>
+              <a:r>
+                <a:rPr lang="en-US" sz="2000" dirty="0">
+                  <a:solidFill>
+                    <a:schemeClr val="tx1"/>
+                  </a:solidFill>
+                  <a:latin typeface="Libre Franklin Light"/>
+                  <a:sym typeface="Libre Franklin Light"/>
+                </a:rPr>
+                <a:t>SPARK (2009)</a:t>
+              </a:r>
+            </a:p>
+          </p:txBody>
+        </p:sp>
+        <p:sp>
+          <p:nvSpPr>
+            <p:cNvPr id="12" name="Google Shape;100;g10902ae59ed_0_0">
+              <a:extLst>
+                <a:ext uri="{FF2B5EF4-FFF2-40B4-BE49-F238E27FC236}">
+                  <a16:creationId xmlns:a16="http://schemas.microsoft.com/office/drawing/2014/main" id="{7CC7488C-F56F-1200-14B1-D514728327EC}"/>
+                </a:ext>
+              </a:extLst>
+            </p:cNvPr>
+            <p:cNvSpPr txBox="1"/>
+            <p:nvPr/>
+          </p:nvSpPr>
+          <p:spPr>
+            <a:xfrm>
+              <a:off x="10799759" y="5513944"/>
+              <a:ext cx="6472607" cy="1198914"/>
+            </a:xfrm>
+            <a:prstGeom prst="rect">
+              <a:avLst/>
+            </a:prstGeom>
+            <a:noFill/>
+            <a:ln>
+              <a:noFill/>
+            </a:ln>
+          </p:spPr>
+          <p:txBody>
+            <a:bodyPr spcFirstLastPara="1" wrap="square" lIns="0" tIns="0" rIns="0" bIns="0" anchor="ctr" anchorCtr="0">
+              <a:spAutoFit/>
+            </a:bodyPr>
+            <a:lstStyle/>
+            <a:p>
+              <a:pPr marL="0" marR="0" lvl="0" indent="0" algn="ctr" rtl="0">
+                <a:lnSpc>
+                  <a:spcPct val="160000"/>
+                </a:lnSpc>
+                <a:spcBef>
+                  <a:spcPts val="0"/>
+                </a:spcBef>
+                <a:spcAft>
+                  <a:spcPts val="0"/>
+                </a:spcAft>
+                <a:buNone/>
+              </a:pPr>
+              <a:r>
+                <a:rPr lang="en-US" sz="2000" dirty="0">
+                  <a:solidFill>
+                    <a:schemeClr val="tx1"/>
+                  </a:solidFill>
+                  <a:latin typeface="Libre Franklin Light"/>
+                  <a:sym typeface="Libre Franklin Light"/>
+                </a:rPr>
+                <a:t>CLOUD</a:t>
+              </a:r>
+            </a:p>
+            <a:p>
+              <a:pPr marL="0" marR="0" lvl="0" indent="0" algn="ctr" rtl="0">
+                <a:lnSpc>
+                  <a:spcPct val="160000"/>
+                </a:lnSpc>
+                <a:spcBef>
+                  <a:spcPts val="0"/>
+                </a:spcBef>
+                <a:spcAft>
+                  <a:spcPts val="0"/>
+                </a:spcAft>
+                <a:buNone/>
+              </a:pPr>
+              <a:r>
+                <a:rPr lang="en-US" sz="1200" dirty="0">
+                  <a:solidFill>
+                    <a:schemeClr val="tx1"/>
+                  </a:solidFill>
+                  <a:latin typeface="Libre Franklin Light"/>
+                  <a:sym typeface="Libre Franklin Light"/>
+                </a:rPr>
+                <a:t>(BIG QUERY 2011, SNOWFLAKE 2012, DATABRICKS 2013)</a:t>
+              </a:r>
+            </a:p>
+          </p:txBody>
+        </p:sp>
+      </p:grpSp>
+      <p:grpSp>
+        <p:nvGrpSpPr>
+          <p:cNvPr id="29" name="Group 28">
+            <a:extLst>
+              <a:ext uri="{FF2B5EF4-FFF2-40B4-BE49-F238E27FC236}">
+                <a16:creationId xmlns:a16="http://schemas.microsoft.com/office/drawing/2014/main" id="{107AB3DE-3AE2-F87F-D92B-7C0B93C45990}"/>
+              </a:ext>
+            </a:extLst>
+          </p:cNvPr>
+          <p:cNvGrpSpPr/>
+          <p:nvPr/>
+        </p:nvGrpSpPr>
+        <p:grpSpPr>
+          <a:xfrm>
+            <a:off x="504044" y="2062855"/>
+            <a:ext cx="11811544" cy="6853577"/>
+            <a:chOff x="504044" y="2062855"/>
+            <a:chExt cx="11811544" cy="6853577"/>
+          </a:xfrm>
+        </p:grpSpPr>
+        <p:sp>
+          <p:nvSpPr>
+            <p:cNvPr id="23" name="TextBox 22">
+              <a:extLst>
+                <a:ext uri="{FF2B5EF4-FFF2-40B4-BE49-F238E27FC236}">
+                  <a16:creationId xmlns:a16="http://schemas.microsoft.com/office/drawing/2014/main" id="{6B83C0BA-BA8A-640D-2A81-CB0DB3D2040F}"/>
+                </a:ext>
+              </a:extLst>
+            </p:cNvPr>
+            <p:cNvSpPr txBox="1"/>
+            <p:nvPr/>
+          </p:nvSpPr>
+          <p:spPr>
+            <a:xfrm>
+              <a:off x="504044" y="8547100"/>
+              <a:ext cx="1972015" cy="369332"/>
+            </a:xfrm>
+            <a:prstGeom prst="rect">
+              <a:avLst/>
+            </a:prstGeom>
+            <a:noFill/>
+          </p:spPr>
+          <p:txBody>
+            <a:bodyPr wrap="none" rtlCol="0">
+              <a:spAutoFit/>
+            </a:bodyPr>
+            <a:lstStyle/>
+            <a:p>
+              <a:r>
+                <a:rPr lang="en-US" b="0" dirty="0">
+                  <a:latin typeface="Avenir Black"/>
+                </a:rPr>
+                <a:t>Ref: </a:t>
+              </a:r>
+              <a:r>
+                <a:rPr lang="en-US" b="0" dirty="0">
+                  <a:latin typeface="Avenir Black"/>
+                  <a:hlinkClick r:id="rId2"/>
+                </a:rPr>
+                <a:t>Google Trends</a:t>
+              </a:r>
+              <a:endParaRPr lang="en-US" b="0" dirty="0">
+                <a:latin typeface="Avenir Black"/>
+              </a:endParaRPr>
+            </a:p>
+          </p:txBody>
+        </p:sp>
+        <p:grpSp>
+          <p:nvGrpSpPr>
+            <p:cNvPr id="28" name="Group 27">
+              <a:extLst>
+                <a:ext uri="{FF2B5EF4-FFF2-40B4-BE49-F238E27FC236}">
+                  <a16:creationId xmlns:a16="http://schemas.microsoft.com/office/drawing/2014/main" id="{83602B27-9ADB-9D2D-6C4A-F06B90EFFEEC}"/>
+                </a:ext>
+              </a:extLst>
+            </p:cNvPr>
+            <p:cNvGrpSpPr/>
+            <p:nvPr/>
+          </p:nvGrpSpPr>
+          <p:grpSpPr>
+            <a:xfrm>
+              <a:off x="670657" y="2062855"/>
+              <a:ext cx="11644931" cy="6402901"/>
+              <a:chOff x="670657" y="2062855"/>
+              <a:chExt cx="11644931" cy="6402901"/>
+            </a:xfrm>
+          </p:grpSpPr>
+          <p:pic>
+            <p:nvPicPr>
+              <p:cNvPr id="15" name="Picture 14">
+                <a:extLst>
+                  <a:ext uri="{FF2B5EF4-FFF2-40B4-BE49-F238E27FC236}">
+                    <a16:creationId xmlns:a16="http://schemas.microsoft.com/office/drawing/2014/main" id="{104B111F-6405-508A-C352-41EDEFB62806}"/>
+                  </a:ext>
+                </a:extLst>
+              </p:cNvPr>
+              <p:cNvPicPr>
+                <a:picLocks noChangeAspect="1"/>
+              </p:cNvPicPr>
+              <p:nvPr/>
+            </p:nvPicPr>
+            <p:blipFill>
+              <a:blip r:embed="rId3"/>
+              <a:stretch>
+                <a:fillRect/>
+              </a:stretch>
+            </p:blipFill>
+            <p:spPr>
+              <a:xfrm>
+                <a:off x="7502932" y="6707875"/>
+                <a:ext cx="4812656" cy="1757269"/>
+              </a:xfrm>
+              <a:prstGeom prst="rect">
+                <a:avLst/>
+              </a:prstGeom>
+              <a:ln>
+                <a:solidFill>
+                  <a:schemeClr val="tx1"/>
+                </a:solidFill>
+              </a:ln>
+            </p:spPr>
+          </p:pic>
+          <p:sp>
+            <p:nvSpPr>
+              <p:cNvPr id="16" name="Arrow: Down 15">
+                <a:extLst>
+                  <a:ext uri="{FF2B5EF4-FFF2-40B4-BE49-F238E27FC236}">
+                    <a16:creationId xmlns:a16="http://schemas.microsoft.com/office/drawing/2014/main" id="{F3F4E1E0-C048-880F-3B3A-EAF51B237457}"/>
+                  </a:ext>
+                </a:extLst>
+              </p:cNvPr>
+              <p:cNvSpPr/>
+              <p:nvPr/>
+            </p:nvSpPr>
+            <p:spPr>
+              <a:xfrm>
+                <a:off x="11049748" y="6128142"/>
+                <a:ext cx="218436" cy="545820"/>
+              </a:xfrm>
+              <a:prstGeom prst="downArrow">
+                <a:avLst/>
+              </a:prstGeom>
+              <a:solidFill>
+                <a:schemeClr val="tx1"/>
+              </a:solidFill>
+              <a:ln>
+                <a:noFill/>
+              </a:ln>
+            </p:spPr>
+            <p:style>
+              <a:lnRef idx="2">
+                <a:schemeClr val="accent1">
+                  <a:shade val="50000"/>
+                </a:schemeClr>
+              </a:lnRef>
+              <a:fillRef idx="1">
+                <a:schemeClr val="accent1"/>
+              </a:fillRef>
+              <a:effectRef idx="0">
+                <a:schemeClr val="accent1"/>
+              </a:effectRef>
+              <a:fontRef idx="minor">
+                <a:schemeClr val="lt1"/>
+              </a:fontRef>
+            </p:style>
+            <p:txBody>
+              <a:bodyPr rtlCol="0" anchor="ctr"/>
+              <a:lstStyle/>
+              <a:p>
+                <a:pPr algn="ctr"/>
+                <a:endParaRPr lang="en-US"/>
+              </a:p>
+            </p:txBody>
+          </p:sp>
+          <p:pic>
+            <p:nvPicPr>
+              <p:cNvPr id="18" name="Picture 17">
+                <a:extLst>
+                  <a:ext uri="{FF2B5EF4-FFF2-40B4-BE49-F238E27FC236}">
+                    <a16:creationId xmlns:a16="http://schemas.microsoft.com/office/drawing/2014/main" id="{496B3815-F0A6-2C74-3273-8290875ECF5E}"/>
+                  </a:ext>
+                </a:extLst>
+              </p:cNvPr>
+              <p:cNvPicPr>
+                <a:picLocks noChangeAspect="1"/>
+              </p:cNvPicPr>
+              <p:nvPr/>
+            </p:nvPicPr>
+            <p:blipFill>
+              <a:blip r:embed="rId4"/>
+              <a:stretch>
+                <a:fillRect/>
+              </a:stretch>
+            </p:blipFill>
+            <p:spPr>
+              <a:xfrm>
+                <a:off x="1000532" y="6707875"/>
+                <a:ext cx="5203418" cy="1757881"/>
+              </a:xfrm>
+              <a:prstGeom prst="rect">
+                <a:avLst/>
+              </a:prstGeom>
+              <a:ln>
+                <a:solidFill>
+                  <a:schemeClr val="tx1"/>
+                </a:solidFill>
+              </a:ln>
+            </p:spPr>
+          </p:pic>
+          <p:sp>
+            <p:nvSpPr>
+              <p:cNvPr id="19" name="Arrow: Down 18">
+                <a:extLst>
+                  <a:ext uri="{FF2B5EF4-FFF2-40B4-BE49-F238E27FC236}">
+                    <a16:creationId xmlns:a16="http://schemas.microsoft.com/office/drawing/2014/main" id="{0D5F2E11-1F7E-0F2B-E571-2F7FA9E7C0F3}"/>
+                  </a:ext>
+                </a:extLst>
+              </p:cNvPr>
+              <p:cNvSpPr/>
+              <p:nvPr/>
+            </p:nvSpPr>
+            <p:spPr>
+              <a:xfrm>
+                <a:off x="5412288" y="5817048"/>
+                <a:ext cx="218436" cy="856914"/>
+              </a:xfrm>
+              <a:prstGeom prst="downArrow">
+                <a:avLst/>
+              </a:prstGeom>
+              <a:solidFill>
+                <a:schemeClr val="tx1"/>
+              </a:solidFill>
+              <a:ln>
+                <a:noFill/>
+              </a:ln>
+            </p:spPr>
+            <p:style>
+              <a:lnRef idx="2">
+                <a:schemeClr val="accent1">
+                  <a:shade val="50000"/>
+                </a:schemeClr>
+              </a:lnRef>
+              <a:fillRef idx="1">
+                <a:schemeClr val="accent1"/>
+              </a:fillRef>
+              <a:effectRef idx="0">
+                <a:schemeClr val="accent1"/>
+              </a:effectRef>
+              <a:fontRef idx="minor">
+                <a:schemeClr val="lt1"/>
+              </a:fontRef>
+            </p:style>
+            <p:txBody>
+              <a:bodyPr rtlCol="0" anchor="ctr"/>
+              <a:lstStyle/>
+              <a:p>
+                <a:pPr algn="ctr"/>
+                <a:endParaRPr lang="en-US"/>
+              </a:p>
+            </p:txBody>
+          </p:sp>
+          <p:pic>
+            <p:nvPicPr>
+              <p:cNvPr id="21" name="Picture 20">
+                <a:extLst>
+                  <a:ext uri="{FF2B5EF4-FFF2-40B4-BE49-F238E27FC236}">
+                    <a16:creationId xmlns:a16="http://schemas.microsoft.com/office/drawing/2014/main" id="{2B5E54C0-E97F-FC9C-9E02-5240EA2FD3F2}"/>
+                  </a:ext>
+                </a:extLst>
+              </p:cNvPr>
+              <p:cNvPicPr>
+                <a:picLocks noChangeAspect="1"/>
+              </p:cNvPicPr>
+              <p:nvPr/>
+            </p:nvPicPr>
+            <p:blipFill>
+              <a:blip r:embed="rId5"/>
+              <a:stretch>
+                <a:fillRect/>
+              </a:stretch>
+            </p:blipFill>
+            <p:spPr>
+              <a:xfrm>
+                <a:off x="6922035" y="2062855"/>
+                <a:ext cx="5135762" cy="1757269"/>
+              </a:xfrm>
+              <a:prstGeom prst="rect">
+                <a:avLst/>
+              </a:prstGeom>
+              <a:ln>
+                <a:solidFill>
+                  <a:schemeClr val="tx1"/>
+                </a:solidFill>
+              </a:ln>
+            </p:spPr>
+          </p:pic>
+          <p:sp>
+            <p:nvSpPr>
+              <p:cNvPr id="22" name="Arrow: Down 21">
+                <a:extLst>
+                  <a:ext uri="{FF2B5EF4-FFF2-40B4-BE49-F238E27FC236}">
+                    <a16:creationId xmlns:a16="http://schemas.microsoft.com/office/drawing/2014/main" id="{75ED5F80-283C-6ABB-9233-12D03C9B0CFD}"/>
+                  </a:ext>
+                </a:extLst>
+              </p:cNvPr>
+              <p:cNvSpPr/>
+              <p:nvPr/>
+            </p:nvSpPr>
+            <p:spPr>
+              <a:xfrm rot="10800000">
+                <a:off x="7161801" y="3893343"/>
+                <a:ext cx="218436" cy="369191"/>
+              </a:xfrm>
+              <a:prstGeom prst="downArrow">
+                <a:avLst/>
+              </a:prstGeom>
+              <a:solidFill>
+                <a:schemeClr val="tx1"/>
+              </a:solidFill>
+              <a:ln>
+                <a:noFill/>
+              </a:ln>
+            </p:spPr>
+            <p:style>
+              <a:lnRef idx="2">
+                <a:schemeClr val="accent1">
+                  <a:shade val="50000"/>
+                </a:schemeClr>
+              </a:lnRef>
+              <a:fillRef idx="1">
+                <a:schemeClr val="accent1"/>
+              </a:fillRef>
+              <a:effectRef idx="0">
+                <a:schemeClr val="accent1"/>
+              </a:effectRef>
+              <a:fontRef idx="minor">
+                <a:schemeClr val="lt1"/>
+              </a:fontRef>
+            </p:style>
+            <p:txBody>
+              <a:bodyPr rtlCol="0" anchor="ctr"/>
+              <a:lstStyle/>
+              <a:p>
+                <a:pPr algn="ctr"/>
+                <a:endParaRPr lang="en-US"/>
+              </a:p>
+            </p:txBody>
+          </p:sp>
+          <p:pic>
+            <p:nvPicPr>
+              <p:cNvPr id="26" name="Picture 25">
+                <a:extLst>
+                  <a:ext uri="{FF2B5EF4-FFF2-40B4-BE49-F238E27FC236}">
+                    <a16:creationId xmlns:a16="http://schemas.microsoft.com/office/drawing/2014/main" id="{140EB56A-B8E9-3799-73D5-7D132F9B63E6}"/>
+                  </a:ext>
+                </a:extLst>
+              </p:cNvPr>
+              <p:cNvPicPr>
+                <a:picLocks noChangeAspect="1"/>
+              </p:cNvPicPr>
+              <p:nvPr/>
+            </p:nvPicPr>
+            <p:blipFill>
+              <a:blip r:embed="rId6"/>
+              <a:stretch>
+                <a:fillRect/>
+              </a:stretch>
+            </p:blipFill>
+            <p:spPr>
+              <a:xfrm>
+                <a:off x="670657" y="2062855"/>
+                <a:ext cx="5638068" cy="1753075"/>
+              </a:xfrm>
+              <a:prstGeom prst="rect">
+                <a:avLst/>
+              </a:prstGeom>
+              <a:ln>
+                <a:solidFill>
+                  <a:schemeClr val="tx1"/>
+                </a:solidFill>
+              </a:ln>
+            </p:spPr>
+          </p:pic>
+          <p:sp>
+            <p:nvSpPr>
+              <p:cNvPr id="27" name="Arrow: Down 26">
+                <a:extLst>
+                  <a:ext uri="{FF2B5EF4-FFF2-40B4-BE49-F238E27FC236}">
+                    <a16:creationId xmlns:a16="http://schemas.microsoft.com/office/drawing/2014/main" id="{748B0CB4-4189-4478-2857-688A466B3FB2}"/>
+                  </a:ext>
+                </a:extLst>
+              </p:cNvPr>
+              <p:cNvSpPr/>
+              <p:nvPr/>
+            </p:nvSpPr>
+            <p:spPr>
+              <a:xfrm rot="10800000">
+                <a:off x="1654929" y="3893342"/>
+                <a:ext cx="218436" cy="1431262"/>
+              </a:xfrm>
+              <a:prstGeom prst="downArrow">
+                <a:avLst/>
+              </a:prstGeom>
+              <a:solidFill>
+                <a:schemeClr val="tx1"/>
+              </a:solidFill>
+              <a:ln>
+                <a:solidFill>
+                  <a:schemeClr val="bg1"/>
+                </a:solidFill>
+              </a:ln>
+            </p:spPr>
+            <p:style>
+              <a:lnRef idx="2">
+                <a:schemeClr val="accent1">
+                  <a:shade val="50000"/>
+                </a:schemeClr>
+              </a:lnRef>
+              <a:fillRef idx="1">
+                <a:schemeClr val="accent1"/>
+              </a:fillRef>
+              <a:effectRef idx="0">
+                <a:schemeClr val="accent1"/>
+              </a:effectRef>
+              <a:fontRef idx="minor">
+                <a:schemeClr val="lt1"/>
+              </a:fontRef>
+            </p:style>
+            <p:txBody>
+              <a:bodyPr rtlCol="0" anchor="ctr"/>
+              <a:lstStyle/>
+              <a:p>
+                <a:pPr algn="ctr"/>
+                <a:endParaRPr lang="en-US"/>
+              </a:p>
+            </p:txBody>
+          </p:sp>
+        </p:grpSp>
+      </p:grpSp>
+    </p:spTree>
+    <p:extLst>
+      <p:ext uri="{BB962C8B-B14F-4D97-AF65-F5344CB8AC3E}">
+        <p14:creationId xmlns:p14="http://schemas.microsoft.com/office/powerpoint/2010/main" val="330393084"/>
+      </p:ext>
+    </p:extLst>
+  </p:cSld>
+  <p:clrMapOvr>
+    <a:masterClrMapping/>
+  </p:clrMapOvr>
+  <p:timing>
+    <p:tnLst>
+      <p:par>
+        <p:cTn id="1" dur="indefinite" restart="never" nodeType="tmRoot">
+          <p:childTnLst>
+            <p:seq concurrent="1" nextAc="seek">
+              <p:cTn id="2" dur="indefinite" nodeType="mainSeq">
+                <p:childTnLst>
+                  <p:par>
+                    <p:cTn id="3" fill="hold">
+                      <p:stCondLst>
+                        <p:cond delay="indefinite"/>
+                      </p:stCondLst>
+                      <p:childTnLst>
+                        <p:par>
+                          <p:cTn id="4" fill="hold">
+                            <p:stCondLst>
+                              <p:cond delay="0"/>
+                            </p:stCondLst>
+                            <p:childTnLst>
+                              <p:par>
+                                <p:cTn id="5" presetID="1" presetClass="entr" presetSubtype="0" fill="hold" nodeType="clickEffect">
+                                  <p:stCondLst>
+                                    <p:cond delay="0"/>
+                                  </p:stCondLst>
+                                  <p:childTnLst>
+                                    <p:set>
+                                      <p:cBhvr>
+                                        <p:cTn id="6" dur="1" fill="hold">
+                                          <p:stCondLst>
+                                            <p:cond delay="0"/>
+                                          </p:stCondLst>
+                                        </p:cTn>
+                                        <p:tgtEl>
+                                          <p:spTgt spid="29"/>
+                                        </p:tgtEl>
+                                        <p:attrNameLst>
+                                          <p:attrName>style.visibility</p:attrName>
+                                        </p:attrNameLst>
+                                      </p:cBhvr>
+                                      <p:to>
+                                        <p:strVal val="visible"/>
+                                      </p:to>
+                                    </p:set>
+                                  </p:childTnLst>
+                                </p:cTn>
+                              </p:par>
+                            </p:childTnLst>
+                          </p:cTn>
+                        </p:par>
+                      </p:childTnLst>
+                    </p:cTn>
+                  </p:par>
+                </p:childTnLst>
+              </p:cTn>
+              <p:prevCondLst>
+                <p:cond evt="onPrev" delay="0">
+                  <p:tgtEl>
+                    <p:sldTgt/>
+                  </p:tgtEl>
+                </p:cond>
+              </p:prevCondLst>
+              <p:nextCondLst>
+                <p:cond evt="onNext" delay="0">
+                  <p:tgtEl>
+                    <p:sldTgt/>
+                  </p:tgtEl>
+                </p:cond>
+              </p:nextCondLst>
+            </p:seq>
+          </p:childTnLst>
+        </p:cTn>
+      </p:par>
+    </p:tnLst>
+  </p:timing>
+</p:sld>
+</file>
+
+<file path=ppt/slides/slide7.xml><?xml version="1.0" encoding="utf-8"?>
+<p:sld xmlns:a="http://schemas.openxmlformats.org/drawingml/2006/main" xmlns:r="http://schemas.openxmlformats.org/officeDocument/2006/relationships" xmlns:p="http://schemas.openxmlformats.org/presentationml/2006/main">
+  <p:cSld>
+    <p:spTree>
+      <p:nvGrpSpPr>
+        <p:cNvPr id="1" name=""/>
+        <p:cNvGrpSpPr/>
+        <p:nvPr/>
+      </p:nvGrpSpPr>
+      <p:grpSpPr>
+        <a:xfrm>
+          <a:off x="0" y="0"/>
+          <a:ext cx="0" cy="0"/>
+          <a:chOff x="0" y="0"/>
+          <a:chExt cx="0" cy="0"/>
+        </a:xfrm>
+      </p:grpSpPr>
+      <p:sp>
+        <p:nvSpPr>
+          <p:cNvPr id="2" name="Text Placeholder 1">
+            <a:extLst>
+              <a:ext uri="{FF2B5EF4-FFF2-40B4-BE49-F238E27FC236}">
+                <a16:creationId xmlns:a16="http://schemas.microsoft.com/office/drawing/2014/main" id="{613AE741-C774-9C85-9678-990AA392709B}"/>
+              </a:ext>
+            </a:extLst>
+          </p:cNvPr>
+          <p:cNvSpPr>
+            <a:spLocks noGrp="1"/>
+          </p:cNvSpPr>
+          <p:nvPr>
+            <p:ph type="body" sz="quarter" idx="15"/>
+          </p:nvPr>
+        </p:nvSpPr>
+        <p:spPr/>
+        <p:txBody>
+          <a:bodyPr/>
+          <a:lstStyle/>
+          <a:p>
+            <a:endParaRPr lang="en-US"/>
+          </a:p>
+        </p:txBody>
+      </p:sp>
+      <p:sp>
+        <p:nvSpPr>
+          <p:cNvPr id="3" name="Text Placeholder 2">
+            <a:extLst>
+              <a:ext uri="{FF2B5EF4-FFF2-40B4-BE49-F238E27FC236}">
+                <a16:creationId xmlns:a16="http://schemas.microsoft.com/office/drawing/2014/main" id="{84713B84-5FF6-8D06-498D-A409AF104224}"/>
+              </a:ext>
+            </a:extLst>
+          </p:cNvPr>
+          <p:cNvSpPr>
+            <a:spLocks noGrp="1"/>
+          </p:cNvSpPr>
+          <p:nvPr>
+            <p:ph type="body" sz="quarter" idx="17"/>
+          </p:nvPr>
+        </p:nvSpPr>
+        <p:spPr/>
+        <p:txBody>
+          <a:bodyPr/>
+          <a:lstStyle/>
+          <a:p>
+            <a:endParaRPr lang="en-US"/>
+          </a:p>
+        </p:txBody>
+      </p:sp>
+      <p:sp>
+        <p:nvSpPr>
+          <p:cNvPr id="4" name="Text Placeholder 3">
+            <a:extLst>
+              <a:ext uri="{FF2B5EF4-FFF2-40B4-BE49-F238E27FC236}">
+                <a16:creationId xmlns:a16="http://schemas.microsoft.com/office/drawing/2014/main" id="{F64B6580-1BD7-1715-DB3D-DFD89189F1E1}"/>
+              </a:ext>
+            </a:extLst>
+          </p:cNvPr>
+          <p:cNvSpPr>
+            <a:spLocks noGrp="1"/>
+          </p:cNvSpPr>
+          <p:nvPr>
+            <p:ph type="body" sz="quarter" idx="16"/>
+          </p:nvPr>
+        </p:nvSpPr>
+        <p:spPr/>
+        <p:txBody>
+          <a:bodyPr/>
+          <a:lstStyle/>
+          <a:p>
+            <a:endParaRPr lang="en-US"/>
+          </a:p>
+        </p:txBody>
+      </p:sp>
+      <p:sp>
+        <p:nvSpPr>
+          <p:cNvPr id="5" name="Title 4">
+            <a:extLst>
+              <a:ext uri="{FF2B5EF4-FFF2-40B4-BE49-F238E27FC236}">
+                <a16:creationId xmlns:a16="http://schemas.microsoft.com/office/drawing/2014/main" id="{4972CFC6-25BD-EAE0-510B-4296F9B25743}"/>
+              </a:ext>
+            </a:extLst>
+          </p:cNvPr>
+          <p:cNvSpPr>
+            <a:spLocks noGrp="1"/>
+          </p:cNvSpPr>
+          <p:nvPr>
+            <p:ph type="title"/>
+          </p:nvPr>
+        </p:nvSpPr>
+        <p:spPr/>
+        <p:txBody>
+          <a:bodyPr/>
+          <a:lstStyle/>
+          <a:p>
+            <a:r>
+              <a:rPr lang="en-US" dirty="0"/>
+              <a:t>Why Spark?</a:t>
+            </a:r>
+          </a:p>
+        </p:txBody>
+      </p:sp>
+      <p:pic>
+        <p:nvPicPr>
+          <p:cNvPr id="7" name="Picture 2" descr="spark SQL + &#10;DataFrames &#10;Streaming &#10;MLlib &#10;Machine &#10;Learning &#10;SOL &#10;Spark Core API &#10;Python &#10;Scala &#10;GraphX &#10;Graph &#10;Computation &#10;Java ">
+            <a:extLst>
+              <a:ext uri="{FF2B5EF4-FFF2-40B4-BE49-F238E27FC236}">
+                <a16:creationId xmlns:a16="http://schemas.microsoft.com/office/drawing/2014/main" id="{37B4D2C0-95D6-DBC7-E9CB-553D05C35EB4}"/>
+              </a:ext>
+            </a:extLst>
+          </p:cNvPr>
+          <p:cNvPicPr>
+            <a:picLocks noGrp="1" noChangeAspect="1" noChangeArrowheads="1"/>
+          </p:cNvPicPr>
+          <p:nvPr>
+            <p:ph idx="1"/>
+          </p:nvPr>
+        </p:nvPicPr>
+        <p:blipFill>
+          <a:blip r:embed="rId3">
+            <a:extLst>
+              <a:ext uri="{28A0092B-C50C-407E-A947-70E740481C1C}">
+                <a14:useLocalDpi xmlns:a14="http://schemas.microsoft.com/office/drawing/2010/main" val="0"/>
+              </a:ext>
+            </a:extLst>
+          </a:blip>
+          <a:srcRect/>
+          <a:stretch>
+            <a:fillRect/>
+          </a:stretch>
+        </p:blipFill>
+        <p:spPr bwMode="auto">
+          <a:xfrm>
+            <a:off x="5683224" y="3326593"/>
+            <a:ext cx="7167615" cy="3514751"/>
+          </a:xfrm>
+          <a:prstGeom prst="rect">
+            <a:avLst/>
+          </a:prstGeom>
+          <a:noFill/>
+          <a:extLst>
+            <a:ext uri="{909E8E84-426E-40DD-AFC4-6F175D3DCCD1}">
+              <a14:hiddenFill xmlns:a14="http://schemas.microsoft.com/office/drawing/2010/main">
+                <a:solidFill>
+                  <a:srgbClr val="FFFFFF"/>
+                </a:solidFill>
+              </a14:hiddenFill>
+            </a:ext>
+          </a:extLst>
+        </p:spPr>
+      </p:pic>
+      <p:sp>
+        <p:nvSpPr>
+          <p:cNvPr id="8" name="TextBox 7">
+            <a:extLst>
+              <a:ext uri="{FF2B5EF4-FFF2-40B4-BE49-F238E27FC236}">
+                <a16:creationId xmlns:a16="http://schemas.microsoft.com/office/drawing/2014/main" id="{3B39CBCA-0ACF-0D46-428D-67D754500035}"/>
+              </a:ext>
+            </a:extLst>
+          </p:cNvPr>
+          <p:cNvSpPr txBox="1"/>
+          <p:nvPr/>
+        </p:nvSpPr>
+        <p:spPr>
+          <a:xfrm>
+            <a:off x="7663066" y="6910196"/>
+            <a:ext cx="3207930" cy="369332"/>
+          </a:xfrm>
+          <a:prstGeom prst="rect">
+            <a:avLst/>
+          </a:prstGeom>
+          <a:noFill/>
+        </p:spPr>
+        <p:txBody>
+          <a:bodyPr wrap="none" rtlCol="0">
+            <a:spAutoFit/>
+          </a:bodyPr>
+          <a:lstStyle/>
+          <a:p>
+            <a:r>
+              <a:rPr lang="en-US" b="0" dirty="0">
+                <a:solidFill>
+                  <a:schemeClr val="tx1"/>
+                </a:solidFill>
+                <a:latin typeface="Avenir Black"/>
+              </a:rPr>
+              <a:t>Ref: </a:t>
+            </a:r>
+            <a:r>
+              <a:rPr lang="en-US" b="0" dirty="0" err="1">
+                <a:solidFill>
+                  <a:schemeClr val="tx1"/>
+                </a:solidFill>
+                <a:latin typeface="Avenir Black"/>
+                <a:hlinkClick r:id="rId4">
+                  <a:extLst>
+                    <a:ext uri="{A12FA001-AC4F-418D-AE19-62706E023703}">
+                      <ahyp:hlinkClr xmlns:ahyp="http://schemas.microsoft.com/office/drawing/2018/hyperlinkcolor" val="tx"/>
+                    </a:ext>
+                  </a:extLst>
+                </a:hlinkClick>
+              </a:rPr>
+              <a:t>Gettting</a:t>
+            </a:r>
+            <a:r>
+              <a:rPr lang="en-US" b="0" dirty="0">
+                <a:solidFill>
+                  <a:schemeClr val="tx1"/>
+                </a:solidFill>
+                <a:latin typeface="Avenir Black"/>
+                <a:hlinkClick r:id="rId4">
+                  <a:extLst>
+                    <a:ext uri="{A12FA001-AC4F-418D-AE19-62706E023703}">
+                      <ahyp:hlinkClr xmlns:ahyp="http://schemas.microsoft.com/office/drawing/2018/hyperlinkcolor" val="tx"/>
+                    </a:ext>
+                  </a:extLst>
+                </a:hlinkClick>
+              </a:rPr>
+              <a:t> Started with Spark</a:t>
+            </a:r>
+            <a:endParaRPr lang="en-US" b="0" dirty="0">
+              <a:solidFill>
+                <a:schemeClr val="tx1"/>
+              </a:solidFill>
+              <a:latin typeface="Avenir Black"/>
+            </a:endParaRPr>
+          </a:p>
+        </p:txBody>
+      </p:sp>
+      <p:sp>
+        <p:nvSpPr>
+          <p:cNvPr id="10" name="TextBox 9">
+            <a:extLst>
+              <a:ext uri="{FF2B5EF4-FFF2-40B4-BE49-F238E27FC236}">
+                <a16:creationId xmlns:a16="http://schemas.microsoft.com/office/drawing/2014/main" id="{7C4ABA6E-652C-6B03-869B-587D2110E5EE}"/>
+              </a:ext>
+            </a:extLst>
+          </p:cNvPr>
+          <p:cNvSpPr txBox="1"/>
+          <p:nvPr/>
+        </p:nvSpPr>
+        <p:spPr>
+          <a:xfrm>
+            <a:off x="260869" y="3375808"/>
+            <a:ext cx="5422355" cy="3416320"/>
+          </a:xfrm>
+          <a:prstGeom prst="rect">
+            <a:avLst/>
+          </a:prstGeom>
+          <a:noFill/>
+        </p:spPr>
+        <p:txBody>
+          <a:bodyPr wrap="square" rtlCol="0">
+            <a:spAutoFit/>
+          </a:bodyPr>
+          <a:lstStyle/>
+          <a:p>
+            <a:pPr algn="l"/>
+            <a:r>
+              <a:rPr lang="en-US" sz="2400" dirty="0">
+                <a:latin typeface="Avenir Black"/>
+              </a:rPr>
+              <a:t>Simplicity.</a:t>
+            </a:r>
+            <a:r>
+              <a:rPr lang="en-US" sz="2400" b="0" dirty="0">
+                <a:latin typeface="Avenir Black"/>
+              </a:rPr>
+              <a:t> Rich API for quick and easy interaction with data at scale.</a:t>
+            </a:r>
+          </a:p>
+          <a:p>
+            <a:pPr algn="l"/>
+            <a:endParaRPr lang="en-US" sz="2400" b="0" dirty="0">
+              <a:latin typeface="Avenir Black"/>
+            </a:endParaRPr>
+          </a:p>
+          <a:p>
+            <a:pPr algn="l"/>
+            <a:r>
+              <a:rPr lang="en-US" sz="2400" dirty="0">
+                <a:latin typeface="Avenir Black"/>
+              </a:rPr>
+              <a:t>Speed.</a:t>
+            </a:r>
+            <a:r>
+              <a:rPr lang="en-US" sz="2400" b="0" dirty="0">
+                <a:latin typeface="Avenir Black"/>
+              </a:rPr>
+              <a:t> Designed for speed outperforming Hadoop’s MapReduce</a:t>
+            </a:r>
+          </a:p>
+          <a:p>
+            <a:pPr algn="l"/>
+            <a:endParaRPr lang="en-US" sz="2400" b="0" dirty="0">
+              <a:latin typeface="Avenir Black"/>
+            </a:endParaRPr>
+          </a:p>
+          <a:p>
+            <a:pPr algn="l"/>
+            <a:r>
+              <a:rPr lang="en-US" sz="2400" dirty="0">
+                <a:latin typeface="Avenir Black"/>
+              </a:rPr>
+              <a:t>Support. </a:t>
+            </a:r>
+            <a:r>
+              <a:rPr lang="en-US" sz="2400" b="0" dirty="0">
+                <a:latin typeface="Avenir Black"/>
+              </a:rPr>
+              <a:t>Wide range of programming languages (</a:t>
+            </a:r>
+            <a:r>
+              <a:rPr lang="en-US" sz="2400" b="0" dirty="0" err="1">
+                <a:latin typeface="Avenir Black"/>
+              </a:rPr>
+              <a:t>eg</a:t>
+            </a:r>
+            <a:r>
+              <a:rPr lang="en-US" sz="2400" b="0" dirty="0">
+                <a:latin typeface="Avenir Black"/>
+              </a:rPr>
+              <a:t> Java, Python, Scala, R) and integration with storage solutions.</a:t>
+            </a:r>
+            <a:endParaRPr lang="en-US" sz="2400" dirty="0">
+              <a:latin typeface="Avenir Black"/>
+            </a:endParaRPr>
+          </a:p>
+        </p:txBody>
+      </p:sp>
+    </p:spTree>
+    <p:extLst>
+      <p:ext uri="{BB962C8B-B14F-4D97-AF65-F5344CB8AC3E}">
+        <p14:creationId xmlns:p14="http://schemas.microsoft.com/office/powerpoint/2010/main" val="3811216579"/>
+      </p:ext>
+    </p:extLst>
+  </p:cSld>
+  <p:clrMapOvr>
+    <a:masterClrMapping/>
+  </p:clrMapOvr>
+</p:sld>
+</file>
+
+<file path=ppt/slides/slide8.xml><?xml version="1.0" encoding="utf-8"?>
+<p:sld xmlns:a="http://schemas.openxmlformats.org/drawingml/2006/main" xmlns:r="http://schemas.openxmlformats.org/officeDocument/2006/relationships" xmlns:p="http://schemas.openxmlformats.org/presentationml/2006/main">
+  <p:cSld>
+    <p:spTree>
+      <p:nvGrpSpPr>
+        <p:cNvPr id="1" name=""/>
+        <p:cNvGrpSpPr/>
+        <p:nvPr/>
+      </p:nvGrpSpPr>
+      <p:grpSpPr>
+        <a:xfrm>
+          <a:off x="0" y="0"/>
+          <a:ext cx="0" cy="0"/>
+          <a:chOff x="0" y="0"/>
+          <a:chExt cx="0" cy="0"/>
+        </a:xfrm>
+      </p:grpSpPr>
+      <p:sp>
+        <p:nvSpPr>
+          <p:cNvPr id="2" name="Text Placeholder 1">
+            <a:extLst>
+              <a:ext uri="{FF2B5EF4-FFF2-40B4-BE49-F238E27FC236}">
+                <a16:creationId xmlns:a16="http://schemas.microsoft.com/office/drawing/2014/main" id="{55607863-A849-A4E0-9544-4771FC80BDAC}"/>
+              </a:ext>
+            </a:extLst>
+          </p:cNvPr>
+          <p:cNvSpPr>
+            <a:spLocks noGrp="1"/>
+          </p:cNvSpPr>
+          <p:nvPr>
+            <p:ph type="body" sz="quarter" idx="15"/>
+          </p:nvPr>
+        </p:nvSpPr>
+        <p:spPr/>
+        <p:txBody>
+          <a:bodyPr/>
+          <a:lstStyle/>
+          <a:p>
+            <a:endParaRPr lang="en-US"/>
+          </a:p>
+        </p:txBody>
+      </p:sp>
+      <p:sp>
+        <p:nvSpPr>
+          <p:cNvPr id="3" name="Text Placeholder 2">
+            <a:extLst>
+              <a:ext uri="{FF2B5EF4-FFF2-40B4-BE49-F238E27FC236}">
+                <a16:creationId xmlns:a16="http://schemas.microsoft.com/office/drawing/2014/main" id="{5BCBE49E-3D86-3D1C-4E1E-F6C13B0CA152}"/>
+              </a:ext>
+            </a:extLst>
+          </p:cNvPr>
+          <p:cNvSpPr>
+            <a:spLocks noGrp="1"/>
+          </p:cNvSpPr>
+          <p:nvPr>
+            <p:ph type="body" sz="quarter" idx="17"/>
+          </p:nvPr>
+        </p:nvSpPr>
+        <p:spPr/>
+        <p:txBody>
+          <a:bodyPr/>
+          <a:lstStyle/>
+          <a:p>
+            <a:endParaRPr lang="en-US"/>
+          </a:p>
+        </p:txBody>
+      </p:sp>
+      <p:sp>
+        <p:nvSpPr>
+          <p:cNvPr id="4" name="Text Placeholder 3">
+            <a:extLst>
+              <a:ext uri="{FF2B5EF4-FFF2-40B4-BE49-F238E27FC236}">
+                <a16:creationId xmlns:a16="http://schemas.microsoft.com/office/drawing/2014/main" id="{144C8656-2DF7-2F63-E343-3264E1B6B6CC}"/>
+              </a:ext>
+            </a:extLst>
+          </p:cNvPr>
+          <p:cNvSpPr>
+            <a:spLocks noGrp="1"/>
+          </p:cNvSpPr>
+          <p:nvPr>
+            <p:ph type="body" sz="quarter" idx="16"/>
+          </p:nvPr>
+        </p:nvSpPr>
+        <p:spPr/>
+        <p:txBody>
+          <a:bodyPr/>
+          <a:lstStyle/>
+          <a:p>
+            <a:endParaRPr lang="en-US"/>
+          </a:p>
+        </p:txBody>
+      </p:sp>
+      <p:sp>
+        <p:nvSpPr>
+          <p:cNvPr id="5" name="Title 4">
+            <a:extLst>
+              <a:ext uri="{FF2B5EF4-FFF2-40B4-BE49-F238E27FC236}">
+                <a16:creationId xmlns:a16="http://schemas.microsoft.com/office/drawing/2014/main" id="{0E4721E3-6AC5-EFA6-54F5-26820AA694EA}"/>
+              </a:ext>
+            </a:extLst>
+          </p:cNvPr>
+          <p:cNvSpPr>
+            <a:spLocks noGrp="1"/>
+          </p:cNvSpPr>
+          <p:nvPr>
+            <p:ph type="title"/>
+          </p:nvPr>
+        </p:nvSpPr>
+        <p:spPr/>
+        <p:txBody>
+          <a:bodyPr/>
+          <a:lstStyle/>
+          <a:p>
+            <a:r>
+              <a:rPr lang="en-US" dirty="0"/>
+              <a:t>Why Databricks?</a:t>
+            </a:r>
+          </a:p>
+        </p:txBody>
+      </p:sp>
+      <p:pic>
+        <p:nvPicPr>
+          <p:cNvPr id="7" name="Picture 2" descr="Me to DataBricks: Start [the cluster] up and take my money! - Imgflip">
+            <a:extLst>
+              <a:ext uri="{FF2B5EF4-FFF2-40B4-BE49-F238E27FC236}">
+                <a16:creationId xmlns:a16="http://schemas.microsoft.com/office/drawing/2014/main" id="{56677A78-EA72-5990-E12C-206A3D565C20}"/>
+              </a:ext>
+            </a:extLst>
+          </p:cNvPr>
+          <p:cNvPicPr>
+            <a:picLocks noChangeAspect="1" noChangeArrowheads="1"/>
+          </p:cNvPicPr>
+          <p:nvPr/>
+        </p:nvPicPr>
+        <p:blipFill>
+          <a:blip r:embed="rId2">
+            <a:extLst>
+              <a:ext uri="{28A0092B-C50C-407E-A947-70E740481C1C}">
+                <a14:useLocalDpi xmlns:a14="http://schemas.microsoft.com/office/drawing/2010/main" val="0"/>
+              </a:ext>
+            </a:extLst>
+          </a:blip>
+          <a:srcRect/>
+          <a:stretch>
+            <a:fillRect/>
+          </a:stretch>
+        </p:blipFill>
+        <p:spPr bwMode="auto">
+          <a:xfrm>
+            <a:off x="6251103" y="2947348"/>
+            <a:ext cx="6343650" cy="3562350"/>
+          </a:xfrm>
+          <a:prstGeom prst="rect">
+            <a:avLst/>
+          </a:prstGeom>
+          <a:noFill/>
+          <a:extLst>
+            <a:ext uri="{909E8E84-426E-40DD-AFC4-6F175D3DCCD1}">
+              <a14:hiddenFill xmlns:a14="http://schemas.microsoft.com/office/drawing/2010/main">
+                <a:solidFill>
+                  <a:srgbClr val="FFFFFF"/>
+                </a:solidFill>
+              </a14:hiddenFill>
+            </a:ext>
+          </a:extLst>
+        </p:spPr>
+      </p:pic>
+      <p:sp>
+        <p:nvSpPr>
+          <p:cNvPr id="8" name="TextBox 7">
+            <a:extLst>
+              <a:ext uri="{FF2B5EF4-FFF2-40B4-BE49-F238E27FC236}">
+                <a16:creationId xmlns:a16="http://schemas.microsoft.com/office/drawing/2014/main" id="{529CECCF-E7D6-A10A-BD5C-CA42DE1D6655}"/>
+              </a:ext>
+            </a:extLst>
+          </p:cNvPr>
+          <p:cNvSpPr txBox="1"/>
+          <p:nvPr/>
+        </p:nvSpPr>
+        <p:spPr>
+          <a:xfrm>
+            <a:off x="8438524" y="6728863"/>
+            <a:ext cx="1968808" cy="369332"/>
+          </a:xfrm>
+          <a:prstGeom prst="rect">
+            <a:avLst/>
+          </a:prstGeom>
+          <a:noFill/>
+        </p:spPr>
+        <p:txBody>
+          <a:bodyPr wrap="none" rtlCol="0">
+            <a:spAutoFit/>
+          </a:bodyPr>
+          <a:lstStyle/>
+          <a:p>
+            <a:r>
+              <a:rPr lang="en-US" b="0" dirty="0">
+                <a:solidFill>
+                  <a:schemeClr val="tx1"/>
+                </a:solidFill>
+                <a:latin typeface="Avenir Black"/>
+              </a:rPr>
+              <a:t>Image from </a:t>
+            </a:r>
+            <a:r>
+              <a:rPr lang="en-US" b="0" dirty="0" err="1">
+                <a:solidFill>
+                  <a:schemeClr val="tx1"/>
+                </a:solidFill>
+                <a:latin typeface="Avenir Black"/>
+                <a:hlinkClick r:id="rId3">
+                  <a:extLst>
+                    <a:ext uri="{A12FA001-AC4F-418D-AE19-62706E023703}">
+                      <ahyp:hlinkClr xmlns:ahyp="http://schemas.microsoft.com/office/drawing/2018/hyperlinkcolor" val="tx"/>
+                    </a:ext>
+                  </a:extLst>
+                </a:hlinkClick>
+              </a:rPr>
+              <a:t>imgflip</a:t>
+            </a:r>
+            <a:endParaRPr lang="en-US" b="0" dirty="0">
+              <a:solidFill>
+                <a:schemeClr val="tx1"/>
+              </a:solidFill>
+              <a:latin typeface="Avenir Black"/>
+            </a:endParaRPr>
+          </a:p>
+        </p:txBody>
+      </p:sp>
+      <p:sp>
+        <p:nvSpPr>
+          <p:cNvPr id="9" name="Google Shape;100;g10902ae59ed_0_0">
+            <a:extLst>
+              <a:ext uri="{FF2B5EF4-FFF2-40B4-BE49-F238E27FC236}">
+                <a16:creationId xmlns:a16="http://schemas.microsoft.com/office/drawing/2014/main" id="{22EBDD5E-4B2C-7257-09E6-981D913BB48C}"/>
+              </a:ext>
+            </a:extLst>
+          </p:cNvPr>
+          <p:cNvSpPr txBox="1"/>
+          <p:nvPr/>
+        </p:nvSpPr>
+        <p:spPr>
+          <a:xfrm>
+            <a:off x="248162" y="3682892"/>
+            <a:ext cx="5702582" cy="2659190"/>
+          </a:xfrm>
+          <a:prstGeom prst="rect">
+            <a:avLst/>
+          </a:prstGeom>
+          <a:noFill/>
+          <a:ln>
+            <a:noFill/>
+          </a:ln>
+        </p:spPr>
+        <p:txBody>
+          <a:bodyPr spcFirstLastPara="1" wrap="square" lIns="0" tIns="0" rIns="0" bIns="0" anchor="t" anchorCtr="0">
+            <a:spAutoFit/>
+          </a:bodyPr>
+          <a:lstStyle/>
+          <a:p>
+            <a:pPr marL="0" marR="0" lvl="0" indent="0" algn="r" rtl="0">
+              <a:lnSpc>
+                <a:spcPct val="160000"/>
+              </a:lnSpc>
+              <a:spcBef>
+                <a:spcPts val="0"/>
+              </a:spcBef>
+              <a:spcAft>
+                <a:spcPts val="0"/>
+              </a:spcAft>
+              <a:buNone/>
+            </a:pPr>
+            <a:r>
+              <a:rPr lang="en-US" sz="3600" b="0" dirty="0">
+                <a:solidFill>
+                  <a:schemeClr val="tx1"/>
+                </a:solidFill>
+                <a:latin typeface="Avenir Black"/>
+                <a:sym typeface="Libre Franklin Light"/>
+              </a:rPr>
+              <a:t>By creators of Apache Spark™</a:t>
+            </a:r>
+          </a:p>
+          <a:p>
+            <a:pPr marL="0" marR="0" lvl="0" indent="0" algn="r" rtl="0">
+              <a:lnSpc>
+                <a:spcPct val="160000"/>
+              </a:lnSpc>
+              <a:spcBef>
+                <a:spcPts val="0"/>
+              </a:spcBef>
+              <a:spcAft>
+                <a:spcPts val="0"/>
+              </a:spcAft>
+              <a:buNone/>
+            </a:pPr>
+            <a:r>
+              <a:rPr lang="en-US" sz="3600" b="0" dirty="0">
+                <a:solidFill>
+                  <a:schemeClr val="tx1"/>
+                </a:solidFill>
+                <a:latin typeface="Avenir Black"/>
+                <a:sym typeface="Libre Franklin Light"/>
+              </a:rPr>
+              <a:t>Easy to setup clusters</a:t>
+            </a:r>
+          </a:p>
+          <a:p>
+            <a:pPr marL="0" marR="0" lvl="0" indent="0" algn="r" rtl="0">
+              <a:lnSpc>
+                <a:spcPct val="160000"/>
+              </a:lnSpc>
+              <a:spcBef>
+                <a:spcPts val="0"/>
+              </a:spcBef>
+              <a:spcAft>
+                <a:spcPts val="0"/>
+              </a:spcAft>
+              <a:buNone/>
+            </a:pPr>
+            <a:r>
+              <a:rPr lang="en-US" sz="3600" b="0" dirty="0">
+                <a:solidFill>
+                  <a:schemeClr val="tx1"/>
+                </a:solidFill>
+                <a:latin typeface="Avenir Black"/>
+                <a:sym typeface="Libre Franklin Light"/>
+              </a:rPr>
+              <a:t>One platform for DE and DS</a:t>
+            </a:r>
+          </a:p>
+        </p:txBody>
+      </p:sp>
+    </p:spTree>
+    <p:extLst>
+      <p:ext uri="{BB962C8B-B14F-4D97-AF65-F5344CB8AC3E}">
+        <p14:creationId xmlns:p14="http://schemas.microsoft.com/office/powerpoint/2010/main" val="47430760"/>
+      </p:ext>
+    </p:extLst>
+  </p:cSld>
+  <p:clrMapOvr>
+    <a:masterClrMapping/>
+  </p:clrMapOvr>
+</p:sld>
+</file>
+
+<file path=ppt/slides/slide9.xml><?xml version="1.0" encoding="utf-8"?>
+<p:sld xmlns:a="http://schemas.openxmlformats.org/drawingml/2006/main" xmlns:r="http://schemas.openxmlformats.org/officeDocument/2006/relationships" xmlns:p="http://schemas.openxmlformats.org/presentationml/2006/main">
+  <p:cSld>
+    <p:spTree>
+      <p:nvGrpSpPr>
+        <p:cNvPr id="1" name=""/>
+        <p:cNvGrpSpPr/>
+        <p:nvPr/>
+      </p:nvGrpSpPr>
+      <p:grpSpPr>
+        <a:xfrm>
+          <a:off x="0" y="0"/>
+          <a:ext cx="0" cy="0"/>
+          <a:chOff x="0" y="0"/>
+          <a:chExt cx="0" cy="0"/>
+        </a:xfrm>
+      </p:grpSpPr>
+      <p:sp>
+        <p:nvSpPr>
+          <p:cNvPr id="2" name="Text Placeholder 1">
+            <a:extLst>
+              <a:ext uri="{FF2B5EF4-FFF2-40B4-BE49-F238E27FC236}">
+                <a16:creationId xmlns:a16="http://schemas.microsoft.com/office/drawing/2014/main" id="{7A359CF4-76EC-A8A4-9F59-B1F29A4C0286}"/>
+              </a:ext>
+            </a:extLst>
+          </p:cNvPr>
+          <p:cNvSpPr>
+            <a:spLocks noGrp="1"/>
+          </p:cNvSpPr>
+          <p:nvPr>
+            <p:ph type="body" sz="quarter" idx="15"/>
+          </p:nvPr>
+        </p:nvSpPr>
+        <p:spPr/>
+        <p:txBody>
+          <a:bodyPr/>
+          <a:lstStyle/>
+          <a:p>
+            <a:endParaRPr lang="en-US"/>
+          </a:p>
+        </p:txBody>
+      </p:sp>
+      <p:sp>
+        <p:nvSpPr>
+          <p:cNvPr id="3" name="Text Placeholder 2">
+            <a:extLst>
+              <a:ext uri="{FF2B5EF4-FFF2-40B4-BE49-F238E27FC236}">
+                <a16:creationId xmlns:a16="http://schemas.microsoft.com/office/drawing/2014/main" id="{44FBF4E9-7196-F7F5-C0F1-81A4367DA48F}"/>
+              </a:ext>
+            </a:extLst>
+          </p:cNvPr>
+          <p:cNvSpPr>
+            <a:spLocks noGrp="1"/>
+          </p:cNvSpPr>
+          <p:nvPr>
+            <p:ph type="body" sz="quarter" idx="17"/>
+          </p:nvPr>
+        </p:nvSpPr>
+        <p:spPr/>
+        <p:txBody>
+          <a:bodyPr/>
+          <a:lstStyle/>
+          <a:p>
+            <a:endParaRPr lang="en-US"/>
+          </a:p>
+        </p:txBody>
+      </p:sp>
+      <p:sp>
+        <p:nvSpPr>
+          <p:cNvPr id="4" name="Text Placeholder 3">
+            <a:extLst>
+              <a:ext uri="{FF2B5EF4-FFF2-40B4-BE49-F238E27FC236}">
+                <a16:creationId xmlns:a16="http://schemas.microsoft.com/office/drawing/2014/main" id="{753780CC-530C-81FB-EDF2-0472A21DD54B}"/>
+              </a:ext>
+            </a:extLst>
+          </p:cNvPr>
+          <p:cNvSpPr>
+            <a:spLocks noGrp="1"/>
+          </p:cNvSpPr>
+          <p:nvPr>
+            <p:ph type="body" sz="quarter" idx="16"/>
+          </p:nvPr>
+        </p:nvSpPr>
+        <p:spPr/>
+        <p:txBody>
+          <a:bodyPr/>
+          <a:lstStyle/>
+          <a:p>
+            <a:endParaRPr lang="en-US"/>
+          </a:p>
+        </p:txBody>
+      </p:sp>
+      <p:sp>
+        <p:nvSpPr>
+          <p:cNvPr id="5" name="Title 4">
+            <a:extLst>
+              <a:ext uri="{FF2B5EF4-FFF2-40B4-BE49-F238E27FC236}">
+                <a16:creationId xmlns:a16="http://schemas.microsoft.com/office/drawing/2014/main" id="{555BFBC5-499D-13CA-A683-09238438F4DF}"/>
+              </a:ext>
+            </a:extLst>
+          </p:cNvPr>
+          <p:cNvSpPr>
+            <a:spLocks noGrp="1"/>
+          </p:cNvSpPr>
+          <p:nvPr>
+            <p:ph type="title"/>
+          </p:nvPr>
+        </p:nvSpPr>
+        <p:spPr/>
+        <p:txBody>
+          <a:bodyPr/>
+          <a:lstStyle/>
+          <a:p>
+            <a:r>
+              <a:rPr lang="en-US" dirty="0"/>
+              <a:t>Why is this course relevant?</a:t>
+            </a:r>
+          </a:p>
+        </p:txBody>
+      </p:sp>
+      <p:sp>
+        <p:nvSpPr>
+          <p:cNvPr id="6" name="Content Placeholder 5">
+            <a:extLst>
+              <a:ext uri="{FF2B5EF4-FFF2-40B4-BE49-F238E27FC236}">
+                <a16:creationId xmlns:a16="http://schemas.microsoft.com/office/drawing/2014/main" id="{77C26B52-BA80-470A-7CF7-8A9EA9067493}"/>
+              </a:ext>
+            </a:extLst>
+          </p:cNvPr>
+          <p:cNvSpPr>
+            <a:spLocks noGrp="1"/>
+          </p:cNvSpPr>
+          <p:nvPr>
+            <p:ph idx="1"/>
+          </p:nvPr>
+        </p:nvSpPr>
+        <p:spPr>
+          <a:xfrm>
+            <a:off x="9205322" y="4787284"/>
+            <a:ext cx="3534936" cy="466772"/>
+          </a:xfrm>
+        </p:spPr>
+        <p:txBody>
+          <a:bodyPr>
+            <a:normAutofit fontScale="92500" lnSpcReduction="20000"/>
+          </a:bodyPr>
+          <a:lstStyle/>
+          <a:p>
+            <a:pPr marL="0" indent="0">
+              <a:buNone/>
+            </a:pPr>
+            <a:r>
+              <a:rPr lang="en-US" sz="1800" dirty="0"/>
+              <a:t>Ref: Salary by Developer Type, </a:t>
+            </a:r>
+            <a:r>
+              <a:rPr lang="en-US" sz="1800" dirty="0" err="1">
+                <a:hlinkClick r:id="rId3"/>
+              </a:rPr>
+              <a:t>Stackoverflow</a:t>
+            </a:r>
+            <a:r>
+              <a:rPr lang="en-US" sz="1800" dirty="0">
+                <a:hlinkClick r:id="rId3"/>
+              </a:rPr>
+              <a:t> Survey 2022</a:t>
+            </a:r>
+            <a:endParaRPr lang="en-US" sz="1800" dirty="0"/>
+          </a:p>
+        </p:txBody>
+      </p:sp>
+      <p:pic>
+        <p:nvPicPr>
+          <p:cNvPr id="8" name="Picture 7">
+            <a:extLst>
+              <a:ext uri="{FF2B5EF4-FFF2-40B4-BE49-F238E27FC236}">
+                <a16:creationId xmlns:a16="http://schemas.microsoft.com/office/drawing/2014/main" id="{1800A4F1-3E71-5D2D-D733-F1AAEC7039FA}"/>
+              </a:ext>
+            </a:extLst>
+          </p:cNvPr>
+          <p:cNvPicPr>
+            <a:picLocks noChangeAspect="1"/>
+          </p:cNvPicPr>
+          <p:nvPr/>
+        </p:nvPicPr>
+        <p:blipFill>
+          <a:blip r:embed="rId4"/>
+          <a:stretch>
+            <a:fillRect/>
+          </a:stretch>
+        </p:blipFill>
+        <p:spPr>
+          <a:xfrm>
+            <a:off x="1437780" y="2174883"/>
+            <a:ext cx="7607181" cy="6668866"/>
+          </a:xfrm>
+          <a:prstGeom prst="rect">
+            <a:avLst/>
+          </a:prstGeom>
+        </p:spPr>
+      </p:pic>
+      <p:sp>
+        <p:nvSpPr>
+          <p:cNvPr id="10" name="Rectangle 9">
+            <a:extLst>
+              <a:ext uri="{FF2B5EF4-FFF2-40B4-BE49-F238E27FC236}">
+                <a16:creationId xmlns:a16="http://schemas.microsoft.com/office/drawing/2014/main" id="{3F4331F4-CB5C-8FFC-7FAA-E576B3E6F07A}"/>
+              </a:ext>
+            </a:extLst>
+          </p:cNvPr>
+          <p:cNvSpPr/>
+          <p:nvPr/>
+        </p:nvSpPr>
+        <p:spPr>
+          <a:xfrm>
+            <a:off x="2518012" y="3575713"/>
+            <a:ext cx="846161" cy="266132"/>
+          </a:xfrm>
+          <a:prstGeom prst="rect">
+            <a:avLst/>
+          </a:prstGeom>
+          <a:noFill/>
+          <a:ln w="57150">
+            <a:solidFill>
+              <a:schemeClr val="bg1"/>
+            </a:solidFill>
+          </a:ln>
+        </p:spPr>
+        <p:style>
+          <a:lnRef idx="2">
+            <a:schemeClr val="accent1">
+              <a:shade val="50000"/>
+            </a:schemeClr>
+          </a:lnRef>
+          <a:fillRef idx="1">
+            <a:schemeClr val="accent1"/>
+          </a:fillRef>
+          <a:effectRef idx="0">
+            <a:schemeClr val="accent1"/>
+          </a:effectRef>
+          <a:fontRef idx="minor">
+            <a:schemeClr val="lt1"/>
+          </a:fontRef>
+        </p:style>
+        <p:txBody>
+          <a:bodyPr rtlCol="0" anchor="ctr"/>
+          <a:lstStyle/>
+          <a:p>
+            <a:pPr algn="ctr"/>
+            <a:endParaRPr lang="en-US"/>
+          </a:p>
+        </p:txBody>
+      </p:sp>
+      <p:sp>
+        <p:nvSpPr>
+          <p:cNvPr id="11" name="Speech Bubble: Rectangle 10">
+            <a:extLst>
+              <a:ext uri="{FF2B5EF4-FFF2-40B4-BE49-F238E27FC236}">
+                <a16:creationId xmlns:a16="http://schemas.microsoft.com/office/drawing/2014/main" id="{5D3E8F25-0671-4B34-A805-76457C972C03}"/>
+              </a:ext>
+            </a:extLst>
+          </p:cNvPr>
+          <p:cNvSpPr/>
+          <p:nvPr/>
+        </p:nvSpPr>
+        <p:spPr>
+          <a:xfrm>
+            <a:off x="9894617" y="1895104"/>
+            <a:ext cx="2388358" cy="845348"/>
+          </a:xfrm>
+          <a:prstGeom prst="wedgeRectCallout">
+            <a:avLst>
+              <a:gd name="adj1" fmla="val -59684"/>
+              <a:gd name="adj2" fmla="val 80308"/>
+            </a:avLst>
+          </a:prstGeom>
+          <a:solidFill>
+            <a:schemeClr val="bg1"/>
+          </a:solidFill>
+          <a:ln>
+            <a:solidFill>
+              <a:schemeClr val="tx1"/>
+            </a:solidFill>
+          </a:ln>
+        </p:spPr>
+        <p:style>
+          <a:lnRef idx="2">
+            <a:schemeClr val="accent1">
+              <a:shade val="50000"/>
+            </a:schemeClr>
+          </a:lnRef>
+          <a:fillRef idx="1">
+            <a:schemeClr val="accent1"/>
+          </a:fillRef>
+          <a:effectRef idx="0">
+            <a:schemeClr val="accent1"/>
+          </a:effectRef>
+          <a:fontRef idx="minor">
+            <a:schemeClr val="lt1"/>
+          </a:fontRef>
+        </p:style>
+        <p:txBody>
+          <a:bodyPr rtlCol="0" anchor="ctr"/>
+          <a:lstStyle/>
+          <a:p>
+            <a:pPr algn="ctr"/>
+            <a:r>
+              <a:rPr lang="en-US" b="0" dirty="0">
+                <a:solidFill>
+                  <a:sysClr val="windowText" lastClr="000000"/>
+                </a:solidFill>
+                <a:latin typeface="Avenir Black"/>
+              </a:rPr>
+              <a:t>Is there anything you did not expect?</a:t>
+            </a:r>
+          </a:p>
+        </p:txBody>
+      </p:sp>
+    </p:spTree>
+    <p:extLst>
+      <p:ext uri="{BB962C8B-B14F-4D97-AF65-F5344CB8AC3E}">
+        <p14:creationId xmlns:p14="http://schemas.microsoft.com/office/powerpoint/2010/main" val="2268475588"/>
+      </p:ext>
+    </p:extLst>
+  </p:cSld>
+  <p:clrMapOvr>
+    <a:masterClrMapping/>
+  </p:clrMapOvr>
+  <p:timing>
+    <p:tnLst>
+      <p:par>
+        <p:cTn id="1" dur="indefinite" restart="never" nodeType="tmRoot">
+          <p:childTnLst>
+            <p:seq concurrent="1" nextAc="seek">
+              <p:cTn id="2" dur="indefinite" nodeType="mainSeq">
+                <p:childTnLst>
+                  <p:par>
+                    <p:cTn id="3" fill="hold">
+                      <p:stCondLst>
+                        <p:cond delay="indefinite"/>
+                      </p:stCondLst>
+                      <p:childTnLst>
+                        <p:par>
+                          <p:cTn id="4" fill="hold">
+                            <p:stCondLst>
+                              <p:cond delay="0"/>
+                            </p:stCondLst>
+                            <p:childTnLst>
+                              <p:par>
+                                <p:cTn id="5" presetID="1" presetClass="entr" presetSubtype="0" fill="hold" grpId="0" nodeType="clickEffect">
+                                  <p:stCondLst>
+                                    <p:cond delay="0"/>
+                                  </p:stCondLst>
+                                  <p:childTnLst>
+                                    <p:set>
+                                      <p:cBhvr>
+                                        <p:cTn id="6" dur="1" fill="hold">
+                                          <p:stCondLst>
+                                            <p:cond delay="0"/>
+                                          </p:stCondLst>
+                                        </p:cTn>
+                                        <p:tgtEl>
+                                          <p:spTgt spid="11"/>
+                                        </p:tgtEl>
+                                        <p:attrNameLst>
+                                          <p:attrName>style.visibility</p:attrName>
+                                        </p:attrNameLst>
+                                      </p:cBhvr>
+                                      <p:to>
+                                        <p:strVal val="visible"/>
+                                      </p:to>
+                                    </p:set>
+                                  </p:childTnLst>
+                                </p:cTn>
+                              </p:par>
+                            </p:childTnLst>
+                          </p:cTn>
+                        </p:par>
+                      </p:childTnLst>
+                    </p:cTn>
+                  </p:par>
+                </p:childTnLst>
+              </p:cTn>
+              <p:prevCondLst>
+                <p:cond evt="onPrev" delay="0">
+                  <p:tgtEl>
+                    <p:sldTgt/>
+                  </p:tgtEl>
+                </p:cond>
+              </p:prevCondLst>
+              <p:nextCondLst>
+                <p:cond evt="onNext" delay="0">
+                  <p:tgtEl>
+                    <p:sldTgt/>
+                  </p:tgtEl>
+                </p:cond>
+              </p:nextCondLst>
+            </p:seq>
+          </p:childTnLst>
+        </p:cTn>
+      </p:par>
+    </p:tnLst>
+    <p:bldLst>
+      <p:bldP spid="11" grpId="0" animBg="1"/>
+    </p:bldLst>
+  </p:timing>
 </p:sld>
 </file>
 

--- a/training-spark/0_Intro_v1.pptx
+++ b/training-spark/0_Intro_v1.pptx
@@ -445,7 +445,7 @@
           <a:p>
             <a:fld id="{154C1C9F-968B-45D4-9FBD-EA39F2175159}" type="datetimeFigureOut">
               <a:rPr lang="en-US" smtClean="0"/>
-              <a:t>2022-09-03</a:t>
+              <a:t>2022-09-10</a:t>
             </a:fld>
             <a:endParaRPr lang="en-US"/>
           </a:p>
@@ -1803,7 +1803,7 @@
           <a:p>
             <a:fld id="{0F1B7D9C-4F60-C246-8CA4-396C0346DE33}" type="datetimeFigureOut">
               <a:rPr lang="it-IT" smtClean="0"/>
-              <a:t>03/09/2022</a:t>
+              <a:t>10/09/2022</a:t>
             </a:fld>
             <a:endParaRPr lang="it-IT"/>
           </a:p>
@@ -2458,7 +2458,7 @@
           <a:p>
             <a:fld id="{A2FF5F4A-4507-894B-98D1-9441DD15C475}" type="datetimeFigureOut">
               <a:rPr lang="it-IT" smtClean="0"/>
-              <a:t>03/09/2022</a:t>
+              <a:t>10/09/2022</a:t>
             </a:fld>
             <a:endParaRPr lang="it-IT" dirty="0"/>
           </a:p>
@@ -5015,19 +5015,15 @@
             </a:r>
             <a:r>
               <a:rPr lang="en-US" dirty="0"/>
-              <a:t>: </a:t>
-            </a:r>
-            <a:r>
-              <a:rPr lang="en-US" strike="sngStrike" dirty="0"/>
-              <a:t>28 </a:t>
-            </a:r>
-            <a:r>
-              <a:rPr lang="en-US" strike="sngStrike" dirty="0" err="1"/>
-              <a:t>settembre</a:t>
+              <a:t>: 17 </a:t>
+            </a:r>
+            <a:r>
+              <a:rPr lang="en-US" dirty="0" err="1"/>
+              <a:t>ottobre</a:t>
             </a:r>
             <a:r>
               <a:rPr lang="en-US" dirty="0"/>
-              <a:t> TBD</a:t>
+              <a:t> (40%)</a:t>
             </a:r>
           </a:p>
           <a:p>
@@ -5037,22 +5033,21 @@
             </a:r>
             <a:r>
               <a:rPr lang="en-US" dirty="0"/>
-              <a:t> finale: </a:t>
-            </a:r>
-            <a:r>
-              <a:rPr lang="en-US" strike="sngStrike" dirty="0"/>
-              <a:t>8 </a:t>
-            </a:r>
-            <a:r>
-              <a:rPr lang="en-US" strike="sngStrike" dirty="0" err="1"/>
+              <a:t> finale: 8 </a:t>
+            </a:r>
+            <a:r>
+              <a:rPr lang="en-US" dirty="0" err="1"/>
               <a:t>novembre</a:t>
             </a:r>
             <a:r>
               <a:rPr lang="en-US" dirty="0"/>
-              <a:t> TBD</a:t>
-            </a:r>
-          </a:p>
-          <a:p>
+              <a:t> (60%)</a:t>
+            </a:r>
+          </a:p>
+          <a:p>
+            <a:pPr marL="0" indent="0">
+              <a:buNone/>
+            </a:pPr>
             <a:endParaRPr lang="en-US" dirty="0"/>
           </a:p>
           <a:p>

--- a/training-spark/0_Intro_v1.pptx
+++ b/training-spark/0_Intro_v1.pptx
@@ -445,7 +445,7 @@
           <a:p>
             <a:fld id="{154C1C9F-968B-45D4-9FBD-EA39F2175159}" type="datetimeFigureOut">
               <a:rPr lang="en-US" smtClean="0"/>
-              <a:t>2022-09-10</a:t>
+              <a:t>2022-09-11</a:t>
             </a:fld>
             <a:endParaRPr lang="en-US"/>
           </a:p>
@@ -1803,7 +1803,7 @@
           <a:p>
             <a:fld id="{0F1B7D9C-4F60-C246-8CA4-396C0346DE33}" type="datetimeFigureOut">
               <a:rPr lang="it-IT" smtClean="0"/>
-              <a:t>10/09/2022</a:t>
+              <a:t>11/09/2022</a:t>
             </a:fld>
             <a:endParaRPr lang="it-IT"/>
           </a:p>
@@ -2458,7 +2458,7 @@
           <a:p>
             <a:fld id="{A2FF5F4A-4507-894B-98D1-9441DD15C475}" type="datetimeFigureOut">
               <a:rPr lang="it-IT" smtClean="0"/>
-              <a:t>10/09/2022</a:t>
+              <a:t>11/09/2022</a:t>
             </a:fld>
             <a:endParaRPr lang="it-IT" dirty="0"/>
           </a:p>
@@ -5291,35 +5291,40 @@
           <a:p>
             <a:r>
               <a:rPr lang="en-US" dirty="0"/>
-              <a:t>Slide and Notebook: </a:t>
+              <a:t>Slide and Notebook: Google Drive</a:t>
+            </a:r>
+          </a:p>
+          <a:p>
+            <a:pPr lvl="1"/>
+            <a:r>
+              <a:rPr lang="it-IT" dirty="0"/>
+              <a:t>2021-23.BD (download)</a:t>
+            </a:r>
+          </a:p>
+          <a:p>
+            <a:pPr lvl="1"/>
+            <a:r>
+              <a:rPr lang="it-IT" dirty="0"/>
+              <a:t>UFS08 - Metodologie e piattaforme di Big Data Analytics</a:t>
+            </a:r>
+            <a:endParaRPr lang="en-US" dirty="0"/>
+          </a:p>
+          <a:p>
+            <a:r>
+              <a:rPr lang="en-US" dirty="0"/>
+              <a:t>Libro: Learning Spark, 2</a:t>
+            </a:r>
+            <a:r>
+              <a:rPr lang="en-US" baseline="30000" dirty="0"/>
+              <a:t>nd</a:t>
+            </a:r>
+            <a:r>
+              <a:rPr lang="en-US" dirty="0"/>
+              <a:t> edition (</a:t>
             </a:r>
             <a:r>
               <a:rPr lang="en-US" dirty="0">
                 <a:hlinkClick r:id="rId2"/>
-              </a:rPr>
-              <a:t>https://github.com/Marco-Santoni/databricks-from-scratch</a:t>
-            </a:r>
-            <a:r>
-              <a:rPr lang="en-US" dirty="0"/>
-              <a:t> </a:t>
-            </a:r>
-          </a:p>
-          <a:p>
-            <a:r>
-              <a:rPr lang="en-US" dirty="0"/>
-              <a:t>Libro: Learning Spark, 2</a:t>
-            </a:r>
-            <a:r>
-              <a:rPr lang="en-US" baseline="30000" dirty="0"/>
-              <a:t>nd</a:t>
-            </a:r>
-            <a:r>
-              <a:rPr lang="en-US" dirty="0"/>
-              <a:t> edition (</a:t>
-            </a:r>
-            <a:r>
-              <a:rPr lang="en-US" dirty="0">
-                <a:hlinkClick r:id="rId3"/>
               </a:rPr>
               <a:t>PDF</a:t>
             </a:r>

--- a/training-spark/0_Intro_v1.pptx
+++ b/training-spark/0_Intro_v1.pptx
@@ -6,10 +6,10 @@
     <p:sldMasterId id="2147483659" r:id="rId2"/>
   </p:sldMasterIdLst>
   <p:notesMasterIdLst>
-    <p:notesMasterId r:id="rId19"/>
+    <p:notesMasterId r:id="rId20"/>
   </p:notesMasterIdLst>
   <p:handoutMasterIdLst>
-    <p:handoutMasterId r:id="rId20"/>
+    <p:handoutMasterId r:id="rId21"/>
   </p:handoutMasterIdLst>
   <p:sldIdLst>
     <p:sldId id="257" r:id="rId3"/>
@@ -24,10 +24,11 @@
     <p:sldId id="266" r:id="rId12"/>
     <p:sldId id="269" r:id="rId13"/>
     <p:sldId id="270" r:id="rId14"/>
-    <p:sldId id="272" r:id="rId15"/>
-    <p:sldId id="273" r:id="rId16"/>
-    <p:sldId id="274" r:id="rId17"/>
-    <p:sldId id="275" r:id="rId18"/>
+    <p:sldId id="276" r:id="rId15"/>
+    <p:sldId id="272" r:id="rId16"/>
+    <p:sldId id="273" r:id="rId17"/>
+    <p:sldId id="274" r:id="rId18"/>
+    <p:sldId id="275" r:id="rId19"/>
   </p:sldIdLst>
   <p:sldSz cx="13004800" cy="9753600"/>
   <p:notesSz cx="6858000" cy="9144000"/>
@@ -445,7 +446,7 @@
           <a:p>
             <a:fld id="{154C1C9F-968B-45D4-9FBD-EA39F2175159}" type="datetimeFigureOut">
               <a:rPr lang="en-US" smtClean="0"/>
-              <a:t>2022-09-11</a:t>
+              <a:t>2023-10-01</a:t>
             </a:fld>
             <a:endParaRPr lang="en-US"/>
           </a:p>
@@ -828,6 +829,102 @@
           <a:bodyPr/>
           <a:lstStyle/>
           <a:p>
+            <a:r>
+              <a:rPr lang="en-US" dirty="0"/>
+              <a:t>Cosa </a:t>
+            </a:r>
+            <a:r>
+              <a:rPr lang="en-US" dirty="0" err="1"/>
+              <a:t>avete</a:t>
+            </a:r>
+            <a:r>
+              <a:rPr lang="en-US" dirty="0"/>
+              <a:t> </a:t>
+            </a:r>
+            <a:r>
+              <a:rPr lang="en-US" dirty="0" err="1"/>
+              <a:t>già</a:t>
+            </a:r>
+            <a:r>
+              <a:rPr lang="en-US" dirty="0"/>
+              <a:t> </a:t>
+            </a:r>
+            <a:r>
+              <a:rPr lang="en-US" dirty="0" err="1"/>
+              <a:t>studiato</a:t>
+            </a:r>
+            <a:r>
+              <a:rPr lang="en-US" dirty="0"/>
+              <a:t> di </a:t>
+            </a:r>
+            <a:r>
+              <a:rPr lang="en-US" dirty="0" err="1"/>
+              <a:t>questo</a:t>
+            </a:r>
+            <a:r>
+              <a:rPr lang="en-US" dirty="0"/>
+              <a:t>?</a:t>
+            </a:r>
+          </a:p>
+        </p:txBody>
+      </p:sp>
+    </p:spTree>
+    <p:extLst>
+      <p:ext uri="{BB962C8B-B14F-4D97-AF65-F5344CB8AC3E}">
+        <p14:creationId xmlns:p14="http://schemas.microsoft.com/office/powerpoint/2010/main" val="2405439319"/>
+      </p:ext>
+    </p:extLst>
+  </p:cSld>
+  <p:clrMapOvr>
+    <a:masterClrMapping/>
+  </p:clrMapOvr>
+</p:notes>
+</file>
+
+<file path=ppt/notesSlides/notesSlide3.xml><?xml version="1.0" encoding="utf-8"?>
+<p:notes xmlns:a="http://schemas.openxmlformats.org/drawingml/2006/main" xmlns:r="http://schemas.openxmlformats.org/officeDocument/2006/relationships" xmlns:p="http://schemas.openxmlformats.org/presentationml/2006/main">
+  <p:cSld>
+    <p:spTree>
+      <p:nvGrpSpPr>
+        <p:cNvPr id="1" name=""/>
+        <p:cNvGrpSpPr/>
+        <p:nvPr/>
+      </p:nvGrpSpPr>
+      <p:grpSpPr>
+        <a:xfrm>
+          <a:off x="0" y="0"/>
+          <a:ext cx="0" cy="0"/>
+          <a:chOff x="0" y="0"/>
+          <a:chExt cx="0" cy="0"/>
+        </a:xfrm>
+      </p:grpSpPr>
+      <p:sp>
+        <p:nvSpPr>
+          <p:cNvPr id="2" name="Slide Image Placeholder 1"/>
+          <p:cNvSpPr>
+            <a:spLocks noGrp="1" noRot="1" noChangeAspect="1"/>
+          </p:cNvSpPr>
+          <p:nvPr>
+            <p:ph type="sldImg"/>
+          </p:nvPr>
+        </p:nvSpPr>
+        <p:spPr/>
+      </p:sp>
+      <p:sp>
+        <p:nvSpPr>
+          <p:cNvPr id="3" name="Notes Placeholder 2"/>
+          <p:cNvSpPr>
+            <a:spLocks noGrp="1"/>
+          </p:cNvSpPr>
+          <p:nvPr>
+            <p:ph type="body" idx="1"/>
+          </p:nvPr>
+        </p:nvSpPr>
+        <p:spPr/>
+        <p:txBody>
+          <a:bodyPr/>
+          <a:lstStyle/>
+          <a:p>
             <a:pPr marL="0" marR="0" lvl="0" indent="0" algn="l" rtl="0">
               <a:lnSpc>
                 <a:spcPct val="160000"/>
@@ -996,7 +1093,7 @@
 </p:notes>
 </file>
 
-<file path=ppt/notesSlides/notesSlide3.xml><?xml version="1.0" encoding="utf-8"?>
+<file path=ppt/notesSlides/notesSlide4.xml><?xml version="1.0" encoding="utf-8"?>
 <p:notes xmlns:a="http://schemas.openxmlformats.org/drawingml/2006/main" xmlns:r="http://schemas.openxmlformats.org/officeDocument/2006/relationships" xmlns:p="http://schemas.openxmlformats.org/presentationml/2006/main">
   <p:cSld>
     <p:spTree>
@@ -1803,7 +1900,7 @@
           <a:p>
             <a:fld id="{0F1B7D9C-4F60-C246-8CA4-396C0346DE33}" type="datetimeFigureOut">
               <a:rPr lang="it-IT" smtClean="0"/>
-              <a:t>11/09/2022</a:t>
+              <a:t>01/10/2023</a:t>
             </a:fld>
             <a:endParaRPr lang="it-IT"/>
           </a:p>
@@ -2458,7 +2555,7 @@
           <a:p>
             <a:fld id="{A2FF5F4A-4507-894B-98D1-9441DD15C475}" type="datetimeFigureOut">
               <a:rPr lang="it-IT" smtClean="0"/>
-              <a:t>11/09/2022</a:t>
+              <a:t>01/10/2023</a:t>
             </a:fld>
             <a:endParaRPr lang="it-IT" dirty="0"/>
           </a:p>
@@ -3621,36 +3718,6 @@
           </a:p>
         </p:txBody>
       </p:sp>
-      <p:pic>
-        <p:nvPicPr>
-          <p:cNvPr id="8" name="Picture 7">
-            <a:extLst>
-              <a:ext uri="{FF2B5EF4-FFF2-40B4-BE49-F238E27FC236}">
-                <a16:creationId xmlns:a16="http://schemas.microsoft.com/office/drawing/2014/main" id="{081DDD2C-BB40-C473-7382-DA91D9BE0335}"/>
-              </a:ext>
-            </a:extLst>
-          </p:cNvPr>
-          <p:cNvPicPr>
-            <a:picLocks noChangeAspect="1"/>
-          </p:cNvPicPr>
-          <p:nvPr/>
-        </p:nvPicPr>
-        <p:blipFill>
-          <a:blip r:embed="rId2"/>
-          <a:stretch>
-            <a:fillRect/>
-          </a:stretch>
-        </p:blipFill>
-        <p:spPr>
-          <a:xfrm>
-            <a:off x="2893218" y="3351748"/>
-            <a:ext cx="9765109" cy="4564393"/>
-          </a:xfrm>
-          <a:prstGeom prst="rect">
-            <a:avLst/>
-          </a:prstGeom>
-        </p:spPr>
-      </p:pic>
       <p:sp>
         <p:nvSpPr>
           <p:cNvPr id="9" name="TextBox 8">
@@ -3688,7 +3755,7 @@
             <a:r>
               <a:rPr lang="en-US" b="0" dirty="0">
                 <a:latin typeface="Avenir Black"/>
-                <a:hlinkClick r:id="rId3"/>
+                <a:hlinkClick r:id="rId2"/>
               </a:rPr>
               <a:t>Community Edition</a:t>
             </a:r>
@@ -3701,6 +3768,36 @@
           </a:p>
         </p:txBody>
       </p:sp>
+      <p:pic>
+        <p:nvPicPr>
+          <p:cNvPr id="7" name="Picture 6">
+            <a:extLst>
+              <a:ext uri="{FF2B5EF4-FFF2-40B4-BE49-F238E27FC236}">
+                <a16:creationId xmlns:a16="http://schemas.microsoft.com/office/drawing/2014/main" id="{64692D37-9040-C4D0-A675-14CCB050D24A}"/>
+              </a:ext>
+            </a:extLst>
+          </p:cNvPr>
+          <p:cNvPicPr>
+            <a:picLocks noChangeAspect="1"/>
+          </p:cNvPicPr>
+          <p:nvPr/>
+        </p:nvPicPr>
+        <p:blipFill>
+          <a:blip r:embed="rId3"/>
+          <a:stretch>
+            <a:fillRect/>
+          </a:stretch>
+        </p:blipFill>
+        <p:spPr>
+          <a:xfrm>
+            <a:off x="2973721" y="2152367"/>
+            <a:ext cx="7895923" cy="6096307"/>
+          </a:xfrm>
+          <a:prstGeom prst="rect">
+            <a:avLst/>
+          </a:prstGeom>
+        </p:spPr>
+      </p:pic>
     </p:spTree>
     <p:extLst>
       <p:ext uri="{BB962C8B-B14F-4D97-AF65-F5344CB8AC3E}">
@@ -3715,6 +3812,219 @@
 </file>
 
 <file path=ppt/slides/slide13.xml><?xml version="1.0" encoding="utf-8"?>
+<p:sld xmlns:a="http://schemas.openxmlformats.org/drawingml/2006/main" xmlns:r="http://schemas.openxmlformats.org/officeDocument/2006/relationships" xmlns:p="http://schemas.openxmlformats.org/presentationml/2006/main">
+  <p:cSld>
+    <p:spTree>
+      <p:nvGrpSpPr>
+        <p:cNvPr id="1" name=""/>
+        <p:cNvGrpSpPr/>
+        <p:nvPr/>
+      </p:nvGrpSpPr>
+      <p:grpSpPr>
+        <a:xfrm>
+          <a:off x="0" y="0"/>
+          <a:ext cx="0" cy="0"/>
+          <a:chOff x="0" y="0"/>
+          <a:chExt cx="0" cy="0"/>
+        </a:xfrm>
+      </p:grpSpPr>
+      <p:sp>
+        <p:nvSpPr>
+          <p:cNvPr id="2" name="Text Placeholder 1">
+            <a:extLst>
+              <a:ext uri="{FF2B5EF4-FFF2-40B4-BE49-F238E27FC236}">
+                <a16:creationId xmlns:a16="http://schemas.microsoft.com/office/drawing/2014/main" id="{D046E1A7-E6CE-750B-A1E8-60E037A8BAC5}"/>
+              </a:ext>
+            </a:extLst>
+          </p:cNvPr>
+          <p:cNvSpPr>
+            <a:spLocks noGrp="1"/>
+          </p:cNvSpPr>
+          <p:nvPr>
+            <p:ph type="body" sz="quarter" idx="15"/>
+          </p:nvPr>
+        </p:nvSpPr>
+        <p:spPr/>
+        <p:txBody>
+          <a:bodyPr/>
+          <a:lstStyle/>
+          <a:p>
+            <a:endParaRPr lang="en-US"/>
+          </a:p>
+        </p:txBody>
+      </p:sp>
+      <p:sp>
+        <p:nvSpPr>
+          <p:cNvPr id="3" name="Text Placeholder 2">
+            <a:extLst>
+              <a:ext uri="{FF2B5EF4-FFF2-40B4-BE49-F238E27FC236}">
+                <a16:creationId xmlns:a16="http://schemas.microsoft.com/office/drawing/2014/main" id="{378ECCDB-5969-B31A-B03F-4E076826B87B}"/>
+              </a:ext>
+            </a:extLst>
+          </p:cNvPr>
+          <p:cNvSpPr>
+            <a:spLocks noGrp="1"/>
+          </p:cNvSpPr>
+          <p:nvPr>
+            <p:ph type="body" sz="quarter" idx="17"/>
+          </p:nvPr>
+        </p:nvSpPr>
+        <p:spPr/>
+        <p:txBody>
+          <a:bodyPr/>
+          <a:lstStyle/>
+          <a:p>
+            <a:endParaRPr lang="en-US"/>
+          </a:p>
+        </p:txBody>
+      </p:sp>
+      <p:sp>
+        <p:nvSpPr>
+          <p:cNvPr id="4" name="Text Placeholder 3">
+            <a:extLst>
+              <a:ext uri="{FF2B5EF4-FFF2-40B4-BE49-F238E27FC236}">
+                <a16:creationId xmlns:a16="http://schemas.microsoft.com/office/drawing/2014/main" id="{E30E15C0-FEDC-5D28-85E9-641EF6E6B82A}"/>
+              </a:ext>
+            </a:extLst>
+          </p:cNvPr>
+          <p:cNvSpPr>
+            <a:spLocks noGrp="1"/>
+          </p:cNvSpPr>
+          <p:nvPr>
+            <p:ph type="body" sz="quarter" idx="16"/>
+          </p:nvPr>
+        </p:nvSpPr>
+        <p:spPr/>
+        <p:txBody>
+          <a:bodyPr/>
+          <a:lstStyle/>
+          <a:p>
+            <a:endParaRPr lang="en-US"/>
+          </a:p>
+        </p:txBody>
+      </p:sp>
+      <p:sp>
+        <p:nvSpPr>
+          <p:cNvPr id="5" name="Title 4">
+            <a:extLst>
+              <a:ext uri="{FF2B5EF4-FFF2-40B4-BE49-F238E27FC236}">
+                <a16:creationId xmlns:a16="http://schemas.microsoft.com/office/drawing/2014/main" id="{5CA0E81E-EB36-F7EF-A310-B1FE006EB5EE}"/>
+              </a:ext>
+            </a:extLst>
+          </p:cNvPr>
+          <p:cNvSpPr>
+            <a:spLocks noGrp="1"/>
+          </p:cNvSpPr>
+          <p:nvPr>
+            <p:ph type="title"/>
+          </p:nvPr>
+        </p:nvSpPr>
+        <p:spPr/>
+        <p:txBody>
+          <a:bodyPr/>
+          <a:lstStyle/>
+          <a:p>
+            <a:r>
+              <a:rPr lang="en-US" dirty="0"/>
+              <a:t>Setup Databricks Community</a:t>
+            </a:r>
+          </a:p>
+        </p:txBody>
+      </p:sp>
+      <p:sp>
+        <p:nvSpPr>
+          <p:cNvPr id="9" name="TextBox 8">
+            <a:extLst>
+              <a:ext uri="{FF2B5EF4-FFF2-40B4-BE49-F238E27FC236}">
+                <a16:creationId xmlns:a16="http://schemas.microsoft.com/office/drawing/2014/main" id="{6F897F41-FAD2-AA5C-343A-8A814B9EC400}"/>
+              </a:ext>
+            </a:extLst>
+          </p:cNvPr>
+          <p:cNvSpPr txBox="1"/>
+          <p:nvPr/>
+        </p:nvSpPr>
+        <p:spPr>
+          <a:xfrm>
+            <a:off x="512150" y="8357281"/>
+            <a:ext cx="4277133" cy="369332"/>
+          </a:xfrm>
+          <a:prstGeom prst="rect">
+            <a:avLst/>
+          </a:prstGeom>
+          <a:noFill/>
+        </p:spPr>
+        <p:txBody>
+          <a:bodyPr wrap="none" rtlCol="0">
+            <a:spAutoFit/>
+          </a:bodyPr>
+          <a:lstStyle/>
+          <a:p>
+            <a:r>
+              <a:rPr lang="en-US" b="0" dirty="0">
+                <a:latin typeface="Avenir Black"/>
+              </a:rPr>
+              <a:t>Guide: create a </a:t>
+            </a:r>
+            <a:r>
+              <a:rPr lang="en-US" b="0" dirty="0">
+                <a:latin typeface="Avenir Black"/>
+                <a:hlinkClick r:id="rId2"/>
+              </a:rPr>
+              <a:t>Community Edition</a:t>
+            </a:r>
+            <a:r>
+              <a:rPr lang="en-US" b="0" dirty="0">
+                <a:latin typeface="Avenir Black"/>
+              </a:rPr>
+              <a:t> account</a:t>
+            </a:r>
+          </a:p>
+        </p:txBody>
+      </p:sp>
+      <p:pic>
+        <p:nvPicPr>
+          <p:cNvPr id="8" name="Picture 7">
+            <a:extLst>
+              <a:ext uri="{FF2B5EF4-FFF2-40B4-BE49-F238E27FC236}">
+                <a16:creationId xmlns:a16="http://schemas.microsoft.com/office/drawing/2014/main" id="{1A5A774D-01F7-45B1-F12E-43C881799B5B}"/>
+              </a:ext>
+            </a:extLst>
+          </p:cNvPr>
+          <p:cNvPicPr>
+            <a:picLocks noChangeAspect="1"/>
+          </p:cNvPicPr>
+          <p:nvPr/>
+        </p:nvPicPr>
+        <p:blipFill>
+          <a:blip r:embed="rId3"/>
+          <a:stretch>
+            <a:fillRect/>
+          </a:stretch>
+        </p:blipFill>
+        <p:spPr>
+          <a:xfrm>
+            <a:off x="0" y="2008394"/>
+            <a:ext cx="13004800" cy="5736812"/>
+          </a:xfrm>
+          <a:prstGeom prst="rect">
+            <a:avLst/>
+          </a:prstGeom>
+        </p:spPr>
+      </p:pic>
+    </p:spTree>
+    <p:extLst>
+      <p:ext uri="{BB962C8B-B14F-4D97-AF65-F5344CB8AC3E}">
+        <p14:creationId xmlns:p14="http://schemas.microsoft.com/office/powerpoint/2010/main" val="123924991"/>
+      </p:ext>
+    </p:extLst>
+  </p:cSld>
+  <p:clrMapOvr>
+    <a:masterClrMapping/>
+  </p:clrMapOvr>
+</p:sld>
+</file>
+
+<file path=ppt/slides/slide14.xml><?xml version="1.0" encoding="utf-8"?>
 <p:sld xmlns:a="http://schemas.openxmlformats.org/drawingml/2006/main" xmlns:r="http://schemas.openxmlformats.org/officeDocument/2006/relationships" xmlns:p="http://schemas.openxmlformats.org/presentationml/2006/main">
   <p:cSld>
     <p:spTree>
@@ -3950,7 +4260,7 @@
 </p:sld>
 </file>
 
-<file path=ppt/slides/slide14.xml><?xml version="1.0" encoding="utf-8"?>
+<file path=ppt/slides/slide15.xml><?xml version="1.0" encoding="utf-8"?>
 <p:sld xmlns:a="http://schemas.openxmlformats.org/drawingml/2006/main" xmlns:r="http://schemas.openxmlformats.org/officeDocument/2006/relationships" xmlns:p="http://schemas.openxmlformats.org/presentationml/2006/main">
   <p:cSld>
     <p:spTree>
@@ -4072,10 +4382,10 @@
       </p:sp>
       <p:pic>
         <p:nvPicPr>
-          <p:cNvPr id="8" name="Picture 7">
-            <a:extLst>
-              <a:ext uri="{FF2B5EF4-FFF2-40B4-BE49-F238E27FC236}">
-                <a16:creationId xmlns:a16="http://schemas.microsoft.com/office/drawing/2014/main" id="{AD13B4F9-472C-ADD3-AFCA-463F5B97AD67}"/>
+          <p:cNvPr id="7" name="Picture 6">
+            <a:extLst>
+              <a:ext uri="{FF2B5EF4-FFF2-40B4-BE49-F238E27FC236}">
+                <a16:creationId xmlns:a16="http://schemas.microsoft.com/office/drawing/2014/main" id="{F6ECD900-D6F7-3029-FC0D-3D63DF2ED984}"/>
               </a:ext>
             </a:extLst>
           </p:cNvPr>
@@ -4092,118 +4402,14 @@
         </p:blipFill>
         <p:spPr>
           <a:xfrm>
-            <a:off x="4560555" y="2137803"/>
-            <a:ext cx="3883690" cy="5965590"/>
+            <a:off x="4354497" y="2069530"/>
+            <a:ext cx="4295806" cy="6162720"/>
           </a:xfrm>
           <a:prstGeom prst="rect">
             <a:avLst/>
           </a:prstGeom>
         </p:spPr>
       </p:pic>
-      <p:sp>
-        <p:nvSpPr>
-          <p:cNvPr id="11" name="Oval 10">
-            <a:extLst>
-              <a:ext uri="{FF2B5EF4-FFF2-40B4-BE49-F238E27FC236}">
-                <a16:creationId xmlns:a16="http://schemas.microsoft.com/office/drawing/2014/main" id="{7C900FAA-835C-23A0-8855-643615C4E330}"/>
-              </a:ext>
-            </a:extLst>
-          </p:cNvPr>
-          <p:cNvSpPr/>
-          <p:nvPr/>
-        </p:nvSpPr>
-        <p:spPr>
-          <a:xfrm>
-            <a:off x="4704312" y="4324175"/>
-            <a:ext cx="1325012" cy="620035"/>
-          </a:xfrm>
-          <a:prstGeom prst="ellipse">
-            <a:avLst/>
-          </a:prstGeom>
-          <a:noFill/>
-          <a:ln w="76200">
-            <a:solidFill>
-              <a:schemeClr val="accent6"/>
-            </a:solidFill>
-          </a:ln>
-        </p:spPr>
-        <p:style>
-          <a:lnRef idx="2">
-            <a:schemeClr val="accent1">
-              <a:shade val="50000"/>
-            </a:schemeClr>
-          </a:lnRef>
-          <a:fillRef idx="1">
-            <a:schemeClr val="accent1"/>
-          </a:fillRef>
-          <a:effectRef idx="0">
-            <a:schemeClr val="accent1"/>
-          </a:effectRef>
-          <a:fontRef idx="minor">
-            <a:schemeClr val="lt1"/>
-          </a:fontRef>
-        </p:style>
-        <p:txBody>
-          <a:bodyPr rtlCol="0" anchor="ctr"/>
-          <a:lstStyle/>
-          <a:p>
-            <a:pPr algn="ctr"/>
-            <a:endParaRPr lang="en-US"/>
-          </a:p>
-        </p:txBody>
-      </p:sp>
-      <p:sp>
-        <p:nvSpPr>
-          <p:cNvPr id="12" name="Oval 11">
-            <a:extLst>
-              <a:ext uri="{FF2B5EF4-FFF2-40B4-BE49-F238E27FC236}">
-                <a16:creationId xmlns:a16="http://schemas.microsoft.com/office/drawing/2014/main" id="{6CC0FFDF-0A9A-F63F-6303-70F59F3FC444}"/>
-              </a:ext>
-            </a:extLst>
-          </p:cNvPr>
-          <p:cNvSpPr/>
-          <p:nvPr/>
-        </p:nvSpPr>
-        <p:spPr>
-          <a:xfrm>
-            <a:off x="4411419" y="3713735"/>
-            <a:ext cx="1325012" cy="620035"/>
-          </a:xfrm>
-          <a:prstGeom prst="ellipse">
-            <a:avLst/>
-          </a:prstGeom>
-          <a:noFill/>
-          <a:ln w="76200">
-            <a:solidFill>
-              <a:schemeClr val="accent6"/>
-            </a:solidFill>
-          </a:ln>
-        </p:spPr>
-        <p:style>
-          <a:lnRef idx="2">
-            <a:schemeClr val="accent1">
-              <a:shade val="50000"/>
-            </a:schemeClr>
-          </a:lnRef>
-          <a:fillRef idx="1">
-            <a:schemeClr val="accent1"/>
-          </a:fillRef>
-          <a:effectRef idx="0">
-            <a:schemeClr val="accent1"/>
-          </a:effectRef>
-          <a:fontRef idx="minor">
-            <a:schemeClr val="lt1"/>
-          </a:fontRef>
-        </p:style>
-        <p:txBody>
-          <a:bodyPr rtlCol="0" anchor="ctr"/>
-          <a:lstStyle/>
-          <a:p>
-            <a:pPr algn="ctr"/>
-            <a:endParaRPr lang="en-US"/>
-          </a:p>
-        </p:txBody>
-      </p:sp>
     </p:spTree>
     <p:extLst>
       <p:ext uri="{BB962C8B-B14F-4D97-AF65-F5344CB8AC3E}">
@@ -4217,7 +4423,7 @@
 </p:sld>
 </file>
 
-<file path=ppt/slides/slide15.xml><?xml version="1.0" encoding="utf-8"?>
+<file path=ppt/slides/slide16.xml><?xml version="1.0" encoding="utf-8"?>
 <p:sld xmlns:a="http://schemas.openxmlformats.org/drawingml/2006/main" xmlns:r="http://schemas.openxmlformats.org/officeDocument/2006/relationships" xmlns:p="http://schemas.openxmlformats.org/presentationml/2006/main">
   <p:cSld>
     <p:spTree>
@@ -4236,10 +4442,10 @@
       </p:grpSpPr>
       <p:pic>
         <p:nvPicPr>
-          <p:cNvPr id="7" name="Picture 6">
-            <a:extLst>
-              <a:ext uri="{FF2B5EF4-FFF2-40B4-BE49-F238E27FC236}">
-                <a16:creationId xmlns:a16="http://schemas.microsoft.com/office/drawing/2014/main" id="{28DB1D77-A3DA-D4B4-57AF-A2D1772D5718}"/>
+          <p:cNvPr id="8" name="Picture 7">
+            <a:extLst>
+              <a:ext uri="{FF2B5EF4-FFF2-40B4-BE49-F238E27FC236}">
+                <a16:creationId xmlns:a16="http://schemas.microsoft.com/office/drawing/2014/main" id="{F1F1A211-B3BC-62CF-2072-6F4A76716D01}"/>
               </a:ext>
             </a:extLst>
           </p:cNvPr>
@@ -4256,8 +4462,8 @@
         </p:blipFill>
         <p:spPr>
           <a:xfrm>
-            <a:off x="4361684" y="2100263"/>
-            <a:ext cx="3721612" cy="6646067"/>
+            <a:off x="4268046" y="1889652"/>
+            <a:ext cx="4468708" cy="6533990"/>
           </a:xfrm>
           <a:prstGeom prst="rect">
             <a:avLst/>
@@ -4469,7 +4675,7 @@
 </p:sld>
 </file>
 
-<file path=ppt/slides/slide16.xml><?xml version="1.0" encoding="utf-8"?>
+<file path=ppt/slides/slide17.xml><?xml version="1.0" encoding="utf-8"?>
 <p:sld xmlns:a="http://schemas.openxmlformats.org/drawingml/2006/main" xmlns:r="http://schemas.openxmlformats.org/officeDocument/2006/relationships" xmlns:p="http://schemas.openxmlformats.org/presentationml/2006/main">
   <p:cSld>
     <p:spTree>
@@ -4826,15 +5032,15 @@
             </a:r>
             <a:r>
               <a:rPr lang="en-US" dirty="0"/>
-              <a:t>: 44h dal 12 </a:t>
+              <a:t>: 48h dal 2 </a:t>
             </a:r>
             <a:r>
               <a:rPr lang="en-US" dirty="0" err="1"/>
-              <a:t>settembre</a:t>
+              <a:t>ottobre</a:t>
             </a:r>
             <a:r>
               <a:rPr lang="en-US" dirty="0"/>
-              <a:t> 2022 all’8 </a:t>
+              <a:t> 2023 al 16 </a:t>
             </a:r>
             <a:r>
               <a:rPr lang="en-US" dirty="0" err="1"/>
@@ -4842,7 +5048,7 @@
             </a:r>
             <a:r>
               <a:rPr lang="en-US" dirty="0"/>
-              <a:t> 2022</a:t>
+              <a:t> 2023</a:t>
             </a:r>
           </a:p>
         </p:txBody>
@@ -5015,11 +5221,11 @@
             </a:r>
             <a:r>
               <a:rPr lang="en-US" dirty="0"/>
-              <a:t>: 17 </a:t>
+              <a:t>: 2 </a:t>
             </a:r>
             <a:r>
               <a:rPr lang="en-US" dirty="0" err="1"/>
-              <a:t>ottobre</a:t>
+              <a:t>novembre</a:t>
             </a:r>
             <a:r>
               <a:rPr lang="en-US" dirty="0"/>
@@ -5033,7 +5239,7 @@
             </a:r>
             <a:r>
               <a:rPr lang="en-US" dirty="0"/>
-              <a:t> finale: 8 </a:t>
+              <a:t> finale: 16 </a:t>
             </a:r>
             <a:r>
               <a:rPr lang="en-US" dirty="0" err="1"/>
@@ -5298,16 +5504,15 @@
             <a:pPr lvl="1"/>
             <a:r>
               <a:rPr lang="it-IT" dirty="0"/>
-              <a:t>2021-23.BD (download)</a:t>
+              <a:t>2022-24.BD (download)</a:t>
             </a:r>
           </a:p>
           <a:p>
             <a:pPr lvl="1"/>
             <a:r>
               <a:rPr lang="it-IT" dirty="0"/>
-              <a:t>UFS08 - Metodologie e piattaforme di Big Data Analytics</a:t>
-            </a:r>
-            <a:endParaRPr lang="en-US" dirty="0"/>
+              <a:t>UFS17 - Big Data Analytics</a:t>
+            </a:r>
           </a:p>
           <a:p>
             <a:r>
@@ -5506,53 +5711,6 @@
       </p:sp>
       <p:pic>
         <p:nvPicPr>
-          <p:cNvPr id="7" name="Picture 2">
-            <a:extLst>
-              <a:ext uri="{FF2B5EF4-FFF2-40B4-BE49-F238E27FC236}">
-                <a16:creationId xmlns:a16="http://schemas.microsoft.com/office/drawing/2014/main" id="{247969C7-3673-8F5A-154C-F3B592414859}"/>
-              </a:ext>
-            </a:extLst>
-          </p:cNvPr>
-          <p:cNvPicPr>
-            <a:picLocks noChangeAspect="1" noChangeArrowheads="1"/>
-          </p:cNvPicPr>
-          <p:nvPr/>
-        </p:nvPicPr>
-        <p:blipFill>
-          <a:blip r:embed="rId2" cstate="print">
-            <a:extLst>
-              <a:ext uri="{28A0092B-C50C-407E-A947-70E740481C1C}">
-                <a14:useLocalDpi xmlns:a14="http://schemas.microsoft.com/office/drawing/2010/main" val="0"/>
-              </a:ext>
-            </a:extLst>
-          </a:blip>
-          <a:srcRect/>
-          <a:stretch>
-            <a:fillRect/>
-          </a:stretch>
-        </p:blipFill>
-        <p:spPr bwMode="auto">
-          <a:xfrm>
-            <a:off x="893763" y="3306781"/>
-            <a:ext cx="4449336" cy="2052257"/>
-          </a:xfrm>
-          <a:prstGeom prst="rect">
-            <a:avLst/>
-          </a:prstGeom>
-          <a:noFill/>
-          <a:extLst>
-            <a:ext uri="{909E8E84-426E-40DD-AFC4-6F175D3DCCD1}">
-              <a14:hiddenFill xmlns:a14="http://schemas.microsoft.com/office/drawing/2010/main">
-                <a:solidFill>
-                  <a:srgbClr val="FFFFFF"/>
-                </a:solidFill>
-              </a14:hiddenFill>
-            </a:ext>
-          </a:extLst>
-        </p:spPr>
-      </p:pic>
-      <p:pic>
-        <p:nvPicPr>
           <p:cNvPr id="10" name="Picture 9" descr="Icon&#10;&#10;Description automatically generated">
             <a:extLst>
               <a:ext uri="{FF2B5EF4-FFF2-40B4-BE49-F238E27FC236}">
@@ -5566,7 +5724,7 @@
           <p:nvPr/>
         </p:nvPicPr>
         <p:blipFill>
-          <a:blip r:embed="rId3" cstate="print">
+          <a:blip r:embed="rId2" cstate="print">
             <a:extLst>
               <a:ext uri="{28A0092B-C50C-407E-A947-70E740481C1C}">
                 <a14:useLocalDpi xmlns:a14="http://schemas.microsoft.com/office/drawing/2010/main" val="0"/>
@@ -5809,7 +5967,7 @@
               </a:r>
               <a:r>
                 <a:rPr lang="en-US" b="0" dirty="0">
-                  <a:hlinkClick r:id="rId4"/>
+                  <a:hlinkClick r:id="rId3"/>
                 </a:rPr>
                 <a:t>Python Milano</a:t>
               </a:r>
@@ -5832,7 +5990,7 @@
             <p:nvPr/>
           </p:nvPicPr>
           <p:blipFill>
-            <a:blip r:embed="rId5" cstate="print">
+            <a:blip r:embed="rId4" cstate="print">
               <a:extLst>
                 <a:ext uri="{28A0092B-C50C-407E-A947-70E740481C1C}">
                   <a14:useLocalDpi xmlns:a14="http://schemas.microsoft.com/office/drawing/2010/main" val="0"/>
@@ -6373,13 +6531,13 @@
               </a:r>
               <a:r>
                 <a:rPr lang="en-US" b="0" dirty="0" err="1">
-                  <a:hlinkClick r:id="rId6"/>
+                  <a:hlinkClick r:id="rId5"/>
                 </a:rPr>
                 <a:t>Intervista</a:t>
               </a:r>
               <a:r>
                 <a:rPr lang="en-US" b="0" dirty="0">
-                  <a:hlinkClick r:id="rId6"/>
+                  <a:hlinkClick r:id="rId5"/>
                 </a:rPr>
                 <a:t> Pythonista </a:t>
               </a:r>
@@ -6393,6 +6551,53 @@
               <a:extLst>
                 <a:ext uri="{FF2B5EF4-FFF2-40B4-BE49-F238E27FC236}">
                   <a16:creationId xmlns:a16="http://schemas.microsoft.com/office/drawing/2014/main" id="{C52BEAB0-611F-B4C1-7AC7-34642BDEDAB4}"/>
+                </a:ext>
+              </a:extLst>
+            </p:cNvPr>
+            <p:cNvPicPr>
+              <a:picLocks noChangeAspect="1" noChangeArrowheads="1"/>
+            </p:cNvPicPr>
+            <p:nvPr/>
+          </p:nvPicPr>
+          <p:blipFill>
+            <a:blip r:embed="rId6" cstate="print">
+              <a:extLst>
+                <a:ext uri="{28A0092B-C50C-407E-A947-70E740481C1C}">
+                  <a14:useLocalDpi xmlns:a14="http://schemas.microsoft.com/office/drawing/2010/main" val="0"/>
+                </a:ext>
+              </a:extLst>
+            </a:blip>
+            <a:srcRect/>
+            <a:stretch>
+              <a:fillRect/>
+            </a:stretch>
+          </p:blipFill>
+          <p:spPr bwMode="auto">
+            <a:xfrm>
+              <a:off x="9001899" y="3306781"/>
+              <a:ext cx="2680942" cy="2010706"/>
+            </a:xfrm>
+            <a:prstGeom prst="rect">
+              <a:avLst/>
+            </a:prstGeom>
+            <a:noFill/>
+            <a:extLst>
+              <a:ext uri="{909E8E84-426E-40DD-AFC4-6F175D3DCCD1}">
+                <a14:hiddenFill xmlns:a14="http://schemas.microsoft.com/office/drawing/2010/main">
+                  <a:solidFill>
+                    <a:srgbClr val="FFFFFF"/>
+                  </a:solidFill>
+                </a14:hiddenFill>
+              </a:ext>
+            </a:extLst>
+          </p:spPr>
+        </p:pic>
+        <p:pic>
+          <p:nvPicPr>
+            <p:cNvPr id="1028" name="Picture 4">
+              <a:extLst>
+                <a:ext uri="{FF2B5EF4-FFF2-40B4-BE49-F238E27FC236}">
+                  <a16:creationId xmlns:a16="http://schemas.microsoft.com/office/drawing/2014/main" id="{B3CFF99C-C900-6482-5211-F36AA5D744A7}"/>
                 </a:ext>
               </a:extLst>
             </p:cNvPr>
@@ -6416,8 +6621,8 @@
           </p:blipFill>
           <p:spPr bwMode="auto">
             <a:xfrm>
-              <a:off x="9001899" y="3306781"/>
-              <a:ext cx="2680942" cy="2010706"/>
+              <a:off x="10210548" y="6233890"/>
+              <a:ext cx="548640" cy="548640"/>
             </a:xfrm>
             <a:prstGeom prst="rect">
               <a:avLst/>
@@ -6436,10 +6641,10 @@
         </p:pic>
         <p:pic>
           <p:nvPicPr>
-            <p:cNvPr id="1028" name="Picture 4">
+            <p:cNvPr id="1030" name="Picture 6">
               <a:extLst>
                 <a:ext uri="{FF2B5EF4-FFF2-40B4-BE49-F238E27FC236}">
-                  <a16:creationId xmlns:a16="http://schemas.microsoft.com/office/drawing/2014/main" id="{B3CFF99C-C900-6482-5211-F36AA5D744A7}"/>
+                  <a16:creationId xmlns:a16="http://schemas.microsoft.com/office/drawing/2014/main" id="{97AEB66B-C263-4FAD-C99D-16F2ACE1C3CC}"/>
                 </a:ext>
               </a:extLst>
             </p:cNvPr>
@@ -6463,53 +6668,6 @@
           </p:blipFill>
           <p:spPr bwMode="auto">
             <a:xfrm>
-              <a:off x="10210548" y="6233890"/>
-              <a:ext cx="548640" cy="548640"/>
-            </a:xfrm>
-            <a:prstGeom prst="rect">
-              <a:avLst/>
-            </a:prstGeom>
-            <a:noFill/>
-            <a:extLst>
-              <a:ext uri="{909E8E84-426E-40DD-AFC4-6F175D3DCCD1}">
-                <a14:hiddenFill xmlns:a14="http://schemas.microsoft.com/office/drawing/2010/main">
-                  <a:solidFill>
-                    <a:srgbClr val="FFFFFF"/>
-                  </a:solidFill>
-                </a14:hiddenFill>
-              </a:ext>
-            </a:extLst>
-          </p:spPr>
-        </p:pic>
-        <p:pic>
-          <p:nvPicPr>
-            <p:cNvPr id="1030" name="Picture 6">
-              <a:extLst>
-                <a:ext uri="{FF2B5EF4-FFF2-40B4-BE49-F238E27FC236}">
-                  <a16:creationId xmlns:a16="http://schemas.microsoft.com/office/drawing/2014/main" id="{97AEB66B-C263-4FAD-C99D-16F2ACE1C3CC}"/>
-                </a:ext>
-              </a:extLst>
-            </p:cNvPr>
-            <p:cNvPicPr>
-              <a:picLocks noChangeAspect="1" noChangeArrowheads="1"/>
-            </p:cNvPicPr>
-            <p:nvPr/>
-          </p:nvPicPr>
-          <p:blipFill>
-            <a:blip r:embed="rId9" cstate="print">
-              <a:extLst>
-                <a:ext uri="{28A0092B-C50C-407E-A947-70E740481C1C}">
-                  <a14:useLocalDpi xmlns:a14="http://schemas.microsoft.com/office/drawing/2010/main" val="0"/>
-                </a:ext>
-              </a:extLst>
-            </a:blip>
-            <a:srcRect/>
-            <a:stretch>
-              <a:fillRect/>
-            </a:stretch>
-          </p:blipFill>
-          <p:spPr bwMode="auto">
-            <a:xfrm>
               <a:off x="10642860" y="6680832"/>
               <a:ext cx="548640" cy="548640"/>
             </a:xfrm>
@@ -6543,7 +6701,7 @@
             <p:nvPr/>
           </p:nvPicPr>
           <p:blipFill>
-            <a:blip r:embed="rId10" cstate="print">
+            <a:blip r:embed="rId9" cstate="print">
               <a:extLst>
                 <a:ext uri="{28A0092B-C50C-407E-A947-70E740481C1C}">
                   <a14:useLocalDpi xmlns:a14="http://schemas.microsoft.com/office/drawing/2010/main" val="0"/>
@@ -6794,7 +6952,7 @@
           <p:nvPr/>
         </p:nvPicPr>
         <p:blipFill>
-          <a:blip r:embed="rId11" cstate="print">
+          <a:blip r:embed="rId10" cstate="print">
             <a:extLst>
               <a:ext uri="{28A0092B-C50C-407E-A947-70E740481C1C}">
                 <a14:useLocalDpi xmlns:a14="http://schemas.microsoft.com/office/drawing/2010/main" val="0"/>
@@ -6841,7 +6999,7 @@
           <p:nvPr/>
         </p:nvPicPr>
         <p:blipFill>
-          <a:blip r:embed="rId12" cstate="print">
+          <a:blip r:embed="rId11" cstate="print">
             <a:extLst>
               <a:ext uri="{28A0092B-C50C-407E-A947-70E740481C1C}">
                 <a14:useLocalDpi xmlns:a14="http://schemas.microsoft.com/office/drawing/2010/main" val="0"/>
@@ -6888,7 +7046,7 @@
           <p:nvPr/>
         </p:nvPicPr>
         <p:blipFill rotWithShape="1">
-          <a:blip r:embed="rId13" cstate="print">
+          <a:blip r:embed="rId12" cstate="print">
             <a:extLst>
               <a:ext uri="{28A0092B-C50C-407E-A947-70E740481C1C}">
                 <a14:useLocalDpi xmlns:a14="http://schemas.microsoft.com/office/drawing/2010/main" val="0"/>
@@ -6902,6 +7060,53 @@
           <a:xfrm>
             <a:off x="3361512" y="7355046"/>
             <a:ext cx="1357952" cy="511227"/>
+          </a:xfrm>
+          <a:prstGeom prst="rect">
+            <a:avLst/>
+          </a:prstGeom>
+          <a:noFill/>
+          <a:extLst>
+            <a:ext uri="{909E8E84-426E-40DD-AFC4-6F175D3DCCD1}">
+              <a14:hiddenFill xmlns:a14="http://schemas.microsoft.com/office/drawing/2010/main">
+                <a:solidFill>
+                  <a:srgbClr val="FFFFFF"/>
+                </a:solidFill>
+              </a14:hiddenFill>
+            </a:ext>
+          </a:extLst>
+        </p:spPr>
+      </p:pic>
+      <p:pic>
+        <p:nvPicPr>
+          <p:cNvPr id="9" name="Picture 2">
+            <a:extLst>
+              <a:ext uri="{FF2B5EF4-FFF2-40B4-BE49-F238E27FC236}">
+                <a16:creationId xmlns:a16="http://schemas.microsoft.com/office/drawing/2014/main" id="{C645409E-C137-8BE9-746E-50C69E876117}"/>
+              </a:ext>
+            </a:extLst>
+          </p:cNvPr>
+          <p:cNvPicPr>
+            <a:picLocks noChangeAspect="1" noChangeArrowheads="1"/>
+          </p:cNvPicPr>
+          <p:nvPr/>
+        </p:nvPicPr>
+        <p:blipFill>
+          <a:blip r:embed="rId13" cstate="print">
+            <a:extLst>
+              <a:ext uri="{28A0092B-C50C-407E-A947-70E740481C1C}">
+                <a14:useLocalDpi xmlns:a14="http://schemas.microsoft.com/office/drawing/2010/main" val="0"/>
+              </a:ext>
+            </a:extLst>
+          </a:blip>
+          <a:srcRect/>
+          <a:stretch>
+            <a:fillRect/>
+          </a:stretch>
+        </p:blipFill>
+        <p:spPr bwMode="auto">
+          <a:xfrm>
+            <a:off x="1003455" y="3245502"/>
+            <a:ext cx="4038624" cy="2271726"/>
           </a:xfrm>
           <a:prstGeom prst="rect">
             <a:avLst/>
@@ -7564,7 +7769,7 @@
               <a:r>
                 <a:rPr lang="en-US" b="0" dirty="0">
                   <a:latin typeface="Avenir Black"/>
-                  <a:hlinkClick r:id="rId2"/>
+                  <a:hlinkClick r:id="rId3"/>
                 </a:rPr>
                 <a:t>Google Trends</a:t>
               </a:r>
@@ -7609,7 +7814,7 @@
               <p:nvPr/>
             </p:nvPicPr>
             <p:blipFill>
-              <a:blip r:embed="rId3"/>
+              <a:blip r:embed="rId4"/>
               <a:stretch>
                 <a:fillRect/>
               </a:stretch>
@@ -7696,7 +7901,7 @@
               <p:nvPr/>
             </p:nvPicPr>
             <p:blipFill>
-              <a:blip r:embed="rId4"/>
+              <a:blip r:embed="rId5"/>
               <a:stretch>
                 <a:fillRect/>
               </a:stretch>
@@ -7783,7 +7988,7 @@
               <p:nvPr/>
             </p:nvPicPr>
             <p:blipFill>
-              <a:blip r:embed="rId5"/>
+              <a:blip r:embed="rId6"/>
               <a:stretch>
                 <a:fillRect/>
               </a:stretch>
@@ -7870,7 +8075,7 @@
               <p:nvPr/>
             </p:nvPicPr>
             <p:blipFill>
-              <a:blip r:embed="rId6"/>
+              <a:blip r:embed="rId7"/>
               <a:stretch>
                 <a:fillRect/>
               </a:stretch>

--- a/training-spark/0_Intro_v1.pptx
+++ b/training-spark/0_Intro_v1.pptx
@@ -446,7 +446,7 @@
           <a:p>
             <a:fld id="{154C1C9F-968B-45D4-9FBD-EA39F2175159}" type="datetimeFigureOut">
               <a:rPr lang="en-US" smtClean="0"/>
-              <a:t>2023-10-01</a:t>
+              <a:t>2023-10-02</a:t>
             </a:fld>
             <a:endParaRPr lang="en-US"/>
           </a:p>
@@ -1900,7 +1900,7 @@
           <a:p>
             <a:fld id="{0F1B7D9C-4F60-C246-8CA4-396C0346DE33}" type="datetimeFigureOut">
               <a:rPr lang="it-IT" smtClean="0"/>
-              <a:t>01/10/2023</a:t>
+              <a:t>02/10/2023</a:t>
             </a:fld>
             <a:endParaRPr lang="it-IT"/>
           </a:p>
@@ -2555,7 +2555,7 @@
           <a:p>
             <a:fld id="{A2FF5F4A-4507-894B-98D1-9441DD15C475}" type="datetimeFigureOut">
               <a:rPr lang="it-IT" smtClean="0"/>
-              <a:t>01/10/2023</a:t>
+              <a:t>02/10/2023</a:t>
             </a:fld>
             <a:endParaRPr lang="it-IT" dirty="0"/>
           </a:p>
@@ -5221,15 +5221,15 @@
             </a:r>
             <a:r>
               <a:rPr lang="en-US" dirty="0"/>
-              <a:t>: 2 </a:t>
+              <a:t>: 26 </a:t>
             </a:r>
             <a:r>
               <a:rPr lang="en-US" dirty="0" err="1"/>
-              <a:t>novembre</a:t>
+              <a:t>ottobre</a:t>
             </a:r>
             <a:r>
               <a:rPr lang="en-US" dirty="0"/>
-              <a:t> (40%)</a:t>
+              <a:t>(40%)</a:t>
             </a:r>
           </a:p>
           <a:p>
